--- a/Windows Fs.pptx
+++ b/Windows Fs.pptx
@@ -1,6 +1,6 @@
 
 <file path=ppt/presentation.xml><?xml version="1.0" encoding="utf-8"?>
-<p:presentation xmlns:a="http://schemas.openxmlformats.org/drawingml/2006/main" xmlns:r="http://schemas.openxmlformats.org/officeDocument/2006/relationships" xmlns:p="http://schemas.openxmlformats.org/presentationml/2006/main" autoCompressPictures="0">
+<p:presentation xmlns:a="http://schemas.openxmlformats.org/drawingml/2006/main" xmlns:r="http://schemas.openxmlformats.org/officeDocument/2006/relationships" xmlns:p="http://schemas.openxmlformats.org/presentationml/2006/main" saveSubsetFonts="1" autoCompressPictures="0">
   <p:sldMasterIdLst>
     <p:sldMasterId id="2147483696" r:id="rId1"/>
   </p:sldMasterIdLst>
@@ -11,9 +11,21 @@
     <p:sldId id="258" r:id="rId5"/>
     <p:sldId id="260" r:id="rId6"/>
     <p:sldId id="261" r:id="rId7"/>
-    <p:sldId id="262" r:id="rId8"/>
-    <p:sldId id="264" r:id="rId9"/>
-    <p:sldId id="263" r:id="rId10"/>
+    <p:sldId id="268" r:id="rId8"/>
+    <p:sldId id="269" r:id="rId9"/>
+    <p:sldId id="264" r:id="rId10"/>
+    <p:sldId id="262" r:id="rId11"/>
+    <p:sldId id="270" r:id="rId12"/>
+    <p:sldId id="266" r:id="rId13"/>
+    <p:sldId id="265" r:id="rId14"/>
+    <p:sldId id="272" r:id="rId15"/>
+    <p:sldId id="275" r:id="rId16"/>
+    <p:sldId id="277" r:id="rId17"/>
+    <p:sldId id="276" r:id="rId18"/>
+    <p:sldId id="273" r:id="rId19"/>
+    <p:sldId id="271" r:id="rId20"/>
+    <p:sldId id="278" r:id="rId21"/>
+    <p:sldId id="274" r:id="rId22"/>
   </p:sldIdLst>
   <p:sldSz cx="12192000" cy="6858000"/>
   <p:notesSz cx="6858000" cy="9144000"/>
@@ -112,6 +124,11 @@
       </a:defRPr>
     </a:lvl9pPr>
   </p:defaultTextStyle>
+  <p:extLst>
+    <p:ext uri="{EFAFB233-063F-42B5-8137-9DF3F51BA10A}">
+      <p15:sldGuideLst xmlns:p15="http://schemas.microsoft.com/office/powerpoint/2012/main"/>
+    </p:ext>
+  </p:extLst>
 </p:presentation>
 </file>
 
@@ -278,7 +295,7 @@
           <a:p>
             <a:fld id="{1160EA64-D806-43AC-9DF2-F8C432F32B4C}" type="datetimeFigureOut">
               <a:rPr lang="en-US" dirty="0"/>
-              <a:t>10/17/2017</a:t>
+              <a:t>10/18/17</a:t>
             </a:fld>
             <a:endParaRPr lang="en-US" dirty="0"/>
           </a:p>
@@ -444,7 +461,7 @@
           <a:p>
             <a:fld id="{E9F9C37B-1D36-470B-8223-D6C91242EC14}" type="datetimeFigureOut">
               <a:rPr lang="en-US" dirty="0"/>
-              <a:t>10/17/2017</a:t>
+              <a:t>10/18/17</a:t>
             </a:fld>
             <a:endParaRPr lang="en-US" dirty="0"/>
           </a:p>
@@ -619,7 +636,7 @@
           <a:p>
             <a:fld id="{67C6F52A-A82B-47A2-A83A-8C4C91F2D59F}" type="datetimeFigureOut">
               <a:rPr lang="en-US" dirty="0"/>
-              <a:t>10/17/2017</a:t>
+              <a:t>10/18/17</a:t>
             </a:fld>
             <a:endParaRPr lang="en-US" dirty="0"/>
           </a:p>
@@ -784,7 +801,7 @@
           <a:p>
             <a:fld id="{F070A7B3-6521-4DCA-87E5-044747A908C1}" type="datetimeFigureOut">
               <a:rPr lang="en-US" dirty="0"/>
-              <a:t>10/17/2017</a:t>
+              <a:t>10/18/17</a:t>
             </a:fld>
             <a:endParaRPr lang="en-US" dirty="0"/>
           </a:p>
@@ -1048,7 +1065,7 @@
           <a:p>
             <a:fld id="{1160EA64-D806-43AC-9DF2-F8C432F32B4C}" type="datetimeFigureOut">
               <a:rPr lang="en-US" dirty="0"/>
-              <a:t>10/17/2017</a:t>
+              <a:t>10/18/17</a:t>
             </a:fld>
             <a:endParaRPr lang="en-US" dirty="0"/>
           </a:p>
@@ -1276,7 +1293,7 @@
           <a:p>
             <a:fld id="{AB134690-1557-4C89-A502-4959FE7FAD70}" type="datetimeFigureOut">
               <a:rPr lang="en-US" dirty="0"/>
-              <a:t>10/17/2017</a:t>
+              <a:t>10/18/17</a:t>
             </a:fld>
             <a:endParaRPr lang="en-US" dirty="0"/>
           </a:p>
@@ -1630,7 +1647,7 @@
           <a:p>
             <a:fld id="{4F7D4976-E339-4826-83B7-FBD03F55ECF8}" type="datetimeFigureOut">
               <a:rPr lang="en-US" dirty="0"/>
-              <a:t>10/17/2017</a:t>
+              <a:t>10/18/17</a:t>
             </a:fld>
             <a:endParaRPr lang="en-US" dirty="0"/>
           </a:p>
@@ -1766,7 +1783,7 @@
           <a:p>
             <a:fld id="{E1037C31-9E7A-4F99-8774-A0E530DE1A42}" type="datetimeFigureOut">
               <a:rPr lang="en-US" dirty="0"/>
-              <a:t>10/17/2017</a:t>
+              <a:t>10/18/17</a:t>
             </a:fld>
             <a:endParaRPr lang="en-US" dirty="0"/>
           </a:p>
@@ -1856,7 +1873,7 @@
           <a:p>
             <a:fld id="{C278504F-A551-4DE0-9316-4DCD1D8CC752}" type="datetimeFigureOut">
               <a:rPr lang="en-US" dirty="0"/>
-              <a:t>10/17/2017</a:t>
+              <a:t>10/18/17</a:t>
             </a:fld>
             <a:endParaRPr lang="en-US" dirty="0"/>
           </a:p>
@@ -2208,7 +2225,7 @@
           <a:p>
             <a:fld id="{D1BE4249-C0D0-4B06-8692-E8BB871AF643}" type="datetimeFigureOut">
               <a:rPr lang="en-US" dirty="0"/>
-              <a:t>10/17/2017</a:t>
+              <a:t>10/18/17</a:t>
             </a:fld>
             <a:endParaRPr lang="en-US" dirty="0"/>
           </a:p>
@@ -2560,7 +2577,7 @@
           <a:p>
             <a:fld id="{042B0DB6-F5C7-45FB-8CF3-31B45F9C2DAC}" type="datetimeFigureOut">
               <a:rPr lang="en-US" dirty="0"/>
-              <a:t>10/17/2017</a:t>
+              <a:t>10/18/17</a:t>
             </a:fld>
             <a:endParaRPr lang="en-US" dirty="0"/>
           </a:p>
@@ -2796,7 +2813,7 @@
           <a:p>
             <a:fld id="{1160EA64-D806-43AC-9DF2-F8C432F32B4C}" type="datetimeFigureOut">
               <a:rPr lang="en-US" dirty="0"/>
-              <a:t>10/17/2017</a:t>
+              <a:t>10/18/17</a:t>
             </a:fld>
             <a:endParaRPr lang="en-US" dirty="0"/>
           </a:p>
@@ -3312,6 +3329,1949 @@
   <p:clrMapOvr>
     <a:masterClrMapping/>
   </p:clrMapOvr>
+  <mc:AlternateContent xmlns:mc="http://schemas.openxmlformats.org/markup-compatibility/2006">
+    <mc:Choice xmlns:p14="http://schemas.microsoft.com/office/powerpoint/2010/main" Requires="p14">
+      <p:transition spd="slow" p14:dur="1200">
+        <p14:prism/>
+      </p:transition>
+    </mc:Choice>
+    <mc:Fallback>
+      <p:transition spd="slow">
+        <p:fade/>
+      </p:transition>
+    </mc:Fallback>
+  </mc:AlternateContent>
+  <p:timing>
+    <p:tnLst>
+      <p:par>
+        <p:cTn id="1" dur="indefinite" restart="never" nodeType="tmRoot"/>
+      </p:par>
+    </p:tnLst>
+  </p:timing>
+</p:sld>
+</file>
+
+<file path=ppt/slides/slide10.xml><?xml version="1.0" encoding="utf-8"?>
+<p:sld xmlns:a="http://schemas.openxmlformats.org/drawingml/2006/main" xmlns:r="http://schemas.openxmlformats.org/officeDocument/2006/relationships" xmlns:p="http://schemas.openxmlformats.org/presentationml/2006/main">
+  <p:cSld>
+    <p:spTree>
+      <p:nvGrpSpPr>
+        <p:cNvPr id="1" name=""/>
+        <p:cNvGrpSpPr/>
+        <p:nvPr/>
+      </p:nvGrpSpPr>
+      <p:grpSpPr>
+        <a:xfrm>
+          <a:off x="0" y="0"/>
+          <a:ext cx="0" cy="0"/>
+          <a:chOff x="0" y="0"/>
+          <a:chExt cx="0" cy="0"/>
+        </a:xfrm>
+      </p:grpSpPr>
+      <p:sp>
+        <p:nvSpPr>
+          <p:cNvPr id="2" name="标题 1"/>
+          <p:cNvSpPr>
+            <a:spLocks noGrp="1"/>
+          </p:cNvSpPr>
+          <p:nvPr>
+            <p:ph type="title"/>
+          </p:nvPr>
+        </p:nvSpPr>
+        <p:spPr/>
+        <p:txBody>
+          <a:bodyPr/>
+          <a:lstStyle/>
+          <a:p>
+            <a:r>
+              <a:rPr lang="en-US" altLang="zh-CN" dirty="0" smtClean="0"/>
+              <a:t>NTFS</a:t>
+            </a:r>
+            <a:r>
+              <a:rPr lang="zh-CN" altLang="en-US" dirty="0" smtClean="0"/>
+              <a:t>文件系统</a:t>
+            </a:r>
+            <a:endParaRPr lang="zh-CN" altLang="en-US" dirty="0"/>
+          </a:p>
+        </p:txBody>
+      </p:sp>
+      <p:pic>
+        <p:nvPicPr>
+          <p:cNvPr id="6" name="Picture 5"/>
+          <p:cNvPicPr>
+            <a:picLocks noChangeAspect="1"/>
+          </p:cNvPicPr>
+          <p:nvPr/>
+        </p:nvPicPr>
+        <p:blipFill>
+          <a:blip r:embed="rId2"/>
+          <a:stretch>
+            <a:fillRect/>
+          </a:stretch>
+        </p:blipFill>
+        <p:spPr>
+          <a:xfrm>
+            <a:off x="2565400" y="3657600"/>
+            <a:ext cx="7061200" cy="3200400"/>
+          </a:xfrm>
+          <a:prstGeom prst="rect">
+            <a:avLst/>
+          </a:prstGeom>
+        </p:spPr>
+      </p:pic>
+      <p:sp>
+        <p:nvSpPr>
+          <p:cNvPr id="7" name="TextBox 6"/>
+          <p:cNvSpPr txBox="1"/>
+          <p:nvPr/>
+        </p:nvSpPr>
+        <p:spPr>
+          <a:xfrm>
+            <a:off x="2795847" y="2726575"/>
+            <a:ext cx="6600306" cy="646331"/>
+          </a:xfrm>
+          <a:prstGeom prst="rect">
+            <a:avLst/>
+          </a:prstGeom>
+          <a:noFill/>
+        </p:spPr>
+        <p:txBody>
+          <a:bodyPr wrap="square" rtlCol="0">
+            <a:spAutoFit/>
+          </a:bodyPr>
+          <a:lstStyle/>
+          <a:p>
+            <a:r>
+              <a:rPr lang="zh-CN" altLang="en-US" dirty="0"/>
+              <a:t>一个</a:t>
+            </a:r>
+            <a:r>
+              <a:rPr lang="en-US" altLang="zh-CN" dirty="0"/>
+              <a:t>NTFS</a:t>
+            </a:r>
+            <a:r>
+              <a:rPr lang="zh-CN" altLang="en-US" dirty="0"/>
+              <a:t>系统是由引导扇区，主文件表</a:t>
+            </a:r>
+            <a:r>
+              <a:rPr lang="en-US" altLang="zh-CN" dirty="0"/>
+              <a:t>MFT</a:t>
+            </a:r>
+            <a:r>
+              <a:rPr lang="zh-CN" altLang="en-US" dirty="0"/>
+              <a:t>，和数据区组成；另外</a:t>
+            </a:r>
+            <a:r>
+              <a:rPr lang="en-US" altLang="zh-CN" dirty="0"/>
+              <a:t>MFT</a:t>
+            </a:r>
+            <a:r>
+              <a:rPr lang="zh-CN" altLang="en-US" dirty="0"/>
+              <a:t>有一部分重要备份在数据区。</a:t>
+            </a:r>
+            <a:endParaRPr lang="en-US" dirty="0"/>
+          </a:p>
+        </p:txBody>
+      </p:sp>
+    </p:spTree>
+    <p:extLst>
+      <p:ext uri="{BB962C8B-B14F-4D97-AF65-F5344CB8AC3E}">
+        <p14:creationId xmlns:p14="http://schemas.microsoft.com/office/powerpoint/2010/main" val="465495358"/>
+      </p:ext>
+    </p:extLst>
+  </p:cSld>
+  <p:clrMapOvr>
+    <a:masterClrMapping/>
+  </p:clrMapOvr>
+  <p:timing>
+    <p:tnLst>
+      <p:par>
+        <p:cTn id="1" dur="indefinite" restart="never" nodeType="tmRoot">
+          <p:childTnLst>
+            <p:seq concurrent="1" nextAc="seek">
+              <p:cTn id="2" dur="indefinite" nodeType="mainSeq">
+                <p:childTnLst>
+                  <p:par>
+                    <p:cTn id="3" fill="hold">
+                      <p:stCondLst>
+                        <p:cond delay="indefinite"/>
+                      </p:stCondLst>
+                      <p:childTnLst>
+                        <p:par>
+                          <p:cTn id="4" fill="hold">
+                            <p:stCondLst>
+                              <p:cond delay="0"/>
+                            </p:stCondLst>
+                            <p:childTnLst>
+                              <p:par>
+                                <p:cTn id="5" presetID="9" presetClass="entr" presetSubtype="0" fill="hold" grpId="0" nodeType="clickEffect">
+                                  <p:stCondLst>
+                                    <p:cond delay="0"/>
+                                  </p:stCondLst>
+                                  <p:childTnLst>
+                                    <p:set>
+                                      <p:cBhvr>
+                                        <p:cTn id="6" dur="1" fill="hold">
+                                          <p:stCondLst>
+                                            <p:cond delay="0"/>
+                                          </p:stCondLst>
+                                        </p:cTn>
+                                        <p:tgtEl>
+                                          <p:spTgt spid="7"/>
+                                        </p:tgtEl>
+                                        <p:attrNameLst>
+                                          <p:attrName>style.visibility</p:attrName>
+                                        </p:attrNameLst>
+                                      </p:cBhvr>
+                                      <p:to>
+                                        <p:strVal val="visible"/>
+                                      </p:to>
+                                    </p:set>
+                                    <p:animEffect transition="in" filter="dissolve">
+                                      <p:cBhvr>
+                                        <p:cTn id="7" dur="500"/>
+                                        <p:tgtEl>
+                                          <p:spTgt spid="7"/>
+                                        </p:tgtEl>
+                                      </p:cBhvr>
+                                    </p:animEffect>
+                                  </p:childTnLst>
+                                </p:cTn>
+                              </p:par>
+                            </p:childTnLst>
+                          </p:cTn>
+                        </p:par>
+                      </p:childTnLst>
+                    </p:cTn>
+                  </p:par>
+                  <p:par>
+                    <p:cTn id="8" fill="hold">
+                      <p:stCondLst>
+                        <p:cond delay="indefinite"/>
+                      </p:stCondLst>
+                      <p:childTnLst>
+                        <p:par>
+                          <p:cTn id="9" fill="hold">
+                            <p:stCondLst>
+                              <p:cond delay="0"/>
+                            </p:stCondLst>
+                            <p:childTnLst>
+                              <p:par>
+                                <p:cTn id="10" presetID="9" presetClass="entr" presetSubtype="0" fill="hold" nodeType="clickEffect">
+                                  <p:stCondLst>
+                                    <p:cond delay="0"/>
+                                  </p:stCondLst>
+                                  <p:childTnLst>
+                                    <p:set>
+                                      <p:cBhvr>
+                                        <p:cTn id="11" dur="1" fill="hold">
+                                          <p:stCondLst>
+                                            <p:cond delay="0"/>
+                                          </p:stCondLst>
+                                        </p:cTn>
+                                        <p:tgtEl>
+                                          <p:spTgt spid="6"/>
+                                        </p:tgtEl>
+                                        <p:attrNameLst>
+                                          <p:attrName>style.visibility</p:attrName>
+                                        </p:attrNameLst>
+                                      </p:cBhvr>
+                                      <p:to>
+                                        <p:strVal val="visible"/>
+                                      </p:to>
+                                    </p:set>
+                                    <p:animEffect transition="in" filter="dissolve">
+                                      <p:cBhvr>
+                                        <p:cTn id="12" dur="500"/>
+                                        <p:tgtEl>
+                                          <p:spTgt spid="6"/>
+                                        </p:tgtEl>
+                                      </p:cBhvr>
+                                    </p:animEffect>
+                                  </p:childTnLst>
+                                </p:cTn>
+                              </p:par>
+                            </p:childTnLst>
+                          </p:cTn>
+                        </p:par>
+                      </p:childTnLst>
+                    </p:cTn>
+                  </p:par>
+                </p:childTnLst>
+              </p:cTn>
+              <p:prevCondLst>
+                <p:cond evt="onPrev" delay="0">
+                  <p:tgtEl>
+                    <p:sldTgt/>
+                  </p:tgtEl>
+                </p:cond>
+              </p:prevCondLst>
+              <p:nextCondLst>
+                <p:cond evt="onNext" delay="0">
+                  <p:tgtEl>
+                    <p:sldTgt/>
+                  </p:tgtEl>
+                </p:cond>
+              </p:nextCondLst>
+            </p:seq>
+          </p:childTnLst>
+        </p:cTn>
+      </p:par>
+    </p:tnLst>
+    <p:bldLst>
+      <p:bldP spid="7" grpId="0"/>
+    </p:bldLst>
+  </p:timing>
+</p:sld>
+</file>
+
+<file path=ppt/slides/slide11.xml><?xml version="1.0" encoding="utf-8"?>
+<p:sld xmlns:a="http://schemas.openxmlformats.org/drawingml/2006/main" xmlns:r="http://schemas.openxmlformats.org/officeDocument/2006/relationships" xmlns:p="http://schemas.openxmlformats.org/presentationml/2006/main">
+  <p:cSld>
+    <p:spTree>
+      <p:nvGrpSpPr>
+        <p:cNvPr id="1" name=""/>
+        <p:cNvGrpSpPr/>
+        <p:nvPr/>
+      </p:nvGrpSpPr>
+      <p:grpSpPr>
+        <a:xfrm>
+          <a:off x="0" y="0"/>
+          <a:ext cx="0" cy="0"/>
+          <a:chOff x="0" y="0"/>
+          <a:chExt cx="0" cy="0"/>
+        </a:xfrm>
+      </p:grpSpPr>
+      <p:sp>
+        <p:nvSpPr>
+          <p:cNvPr id="2" name="Title 1"/>
+          <p:cNvSpPr>
+            <a:spLocks noGrp="1"/>
+          </p:cNvSpPr>
+          <p:nvPr>
+            <p:ph type="title"/>
+          </p:nvPr>
+        </p:nvSpPr>
+        <p:spPr/>
+        <p:txBody>
+          <a:bodyPr/>
+          <a:lstStyle/>
+          <a:p>
+            <a:r>
+              <a:rPr lang="zh-CN" altLang="en-US" dirty="0" smtClean="0"/>
+              <a:t>引导扇区</a:t>
+            </a:r>
+            <a:endParaRPr lang="en-US" dirty="0"/>
+          </a:p>
+        </p:txBody>
+      </p:sp>
+      <p:sp>
+        <p:nvSpPr>
+          <p:cNvPr id="3" name="Content Placeholder 2"/>
+          <p:cNvSpPr>
+            <a:spLocks noGrp="1"/>
+          </p:cNvSpPr>
+          <p:nvPr>
+            <p:ph idx="1"/>
+          </p:nvPr>
+        </p:nvSpPr>
+        <p:spPr/>
+        <p:txBody>
+          <a:bodyPr/>
+          <a:lstStyle/>
+          <a:p>
+            <a:r>
+              <a:rPr lang="zh-CN" altLang="en-US" dirty="0"/>
+              <a:t>若果</a:t>
+            </a:r>
+            <a:r>
+              <a:rPr lang="en-US" altLang="zh-CN" dirty="0"/>
+              <a:t>D:\</a:t>
+            </a:r>
+            <a:r>
+              <a:rPr lang="zh-CN" altLang="en-US" dirty="0"/>
+              <a:t>盘是</a:t>
+            </a:r>
+            <a:r>
+              <a:rPr lang="en-US" altLang="zh-CN" dirty="0"/>
+              <a:t>NTFS</a:t>
+            </a:r>
+            <a:r>
+              <a:rPr lang="zh-CN" altLang="en-US" dirty="0"/>
+              <a:t>文件系统，那么上面得到的第</a:t>
+            </a:r>
+            <a:r>
+              <a:rPr lang="en-US" altLang="zh-CN" dirty="0"/>
+              <a:t>0</a:t>
+            </a:r>
+            <a:r>
+              <a:rPr lang="zh-CN" altLang="en-US" dirty="0"/>
+              <a:t>个扇区数据 </a:t>
+            </a:r>
+            <a:r>
+              <a:rPr lang="en-US" altLang="zh-CN" dirty="0" err="1"/>
+              <a:t>buf</a:t>
+            </a:r>
+            <a:r>
+              <a:rPr lang="en-US" altLang="zh-CN" dirty="0"/>
+              <a:t> </a:t>
+            </a:r>
+            <a:r>
+              <a:rPr lang="zh-CN" altLang="en-US" dirty="0"/>
+              <a:t>偏移</a:t>
+            </a:r>
+            <a:r>
+              <a:rPr lang="en-US" altLang="zh-CN" dirty="0"/>
+              <a:t>0x03</a:t>
+            </a:r>
+            <a:r>
+              <a:rPr lang="zh-CN" altLang="en-US" dirty="0"/>
+              <a:t>开始的</a:t>
+            </a:r>
+            <a:r>
+              <a:rPr lang="en-US" altLang="zh-CN" dirty="0"/>
+              <a:t>8</a:t>
+            </a:r>
+            <a:r>
+              <a:rPr lang="zh-CN" altLang="en-US" dirty="0"/>
+              <a:t>个</a:t>
+            </a:r>
+            <a:r>
+              <a:rPr lang="en-US" altLang="zh-CN" dirty="0"/>
+              <a:t>Bytes</a:t>
+            </a:r>
+            <a:r>
+              <a:rPr lang="zh-CN" altLang="en-US" dirty="0"/>
+              <a:t>就</a:t>
+            </a:r>
+            <a:r>
+              <a:rPr lang="zh-CN" altLang="en-US" dirty="0" smtClean="0"/>
+              <a:t>是</a:t>
+            </a:r>
+            <a:r>
+              <a:rPr lang="en-US" altLang="zh-CN" dirty="0" smtClean="0"/>
+              <a:t>“NTFS </a:t>
+            </a:r>
+            <a:r>
+              <a:rPr lang="en-US" altLang="zh-CN" dirty="0"/>
+              <a:t>   </a:t>
+            </a:r>
+            <a:r>
+              <a:rPr lang="en-US" altLang="zh-CN" dirty="0" smtClean="0"/>
+              <a:t>”</a:t>
+            </a:r>
+            <a:r>
+              <a:rPr lang="zh-CN" altLang="en-US" dirty="0" smtClean="0"/>
+              <a:t>，</a:t>
+            </a:r>
+            <a:r>
+              <a:rPr lang="zh-CN" altLang="en-US" dirty="0"/>
+              <a:t>表示这个扇区就是</a:t>
+            </a:r>
+            <a:r>
+              <a:rPr lang="en-US" altLang="zh-CN" dirty="0" smtClean="0"/>
+              <a:t>NTFS</a:t>
+            </a:r>
+            <a:r>
+              <a:rPr lang="zh-CN" altLang="en-US" dirty="0" smtClean="0"/>
+              <a:t>的</a:t>
+            </a:r>
+            <a:r>
+              <a:rPr lang="zh-CN" altLang="en-US" dirty="0"/>
+              <a:t>引导记录</a:t>
+            </a:r>
+            <a:r>
+              <a:rPr lang="zh-CN" altLang="en-US" dirty="0" smtClean="0"/>
+              <a:t>。</a:t>
+            </a:r>
+          </a:p>
+          <a:p>
+            <a:endParaRPr lang="zh-CN" altLang="en-US" dirty="0"/>
+          </a:p>
+          <a:p>
+            <a:r>
+              <a:rPr lang="zh-CN" altLang="en-US" dirty="0" smtClean="0"/>
+              <a:t>这</a:t>
+            </a:r>
+            <a:r>
+              <a:rPr lang="zh-CN" altLang="en-US" dirty="0"/>
+              <a:t>第</a:t>
+            </a:r>
+            <a:r>
+              <a:rPr lang="en-US" altLang="zh-CN" dirty="0"/>
+              <a:t>0</a:t>
+            </a:r>
+            <a:r>
+              <a:rPr lang="zh-CN" altLang="en-US" dirty="0"/>
+              <a:t>个扇区也就是</a:t>
+            </a:r>
+            <a:r>
+              <a:rPr lang="en-US" altLang="zh-CN" dirty="0"/>
+              <a:t>$Boot</a:t>
+            </a:r>
+            <a:r>
+              <a:rPr lang="zh-CN" altLang="en-US" dirty="0"/>
+              <a:t>扇区，这个扇区包含了该卷的 </a:t>
+            </a:r>
+            <a:r>
+              <a:rPr lang="en-US" altLang="zh-CN" dirty="0"/>
+              <a:t>BPB </a:t>
+            </a:r>
+            <a:r>
+              <a:rPr lang="zh-CN" altLang="en-US" dirty="0"/>
+              <a:t>和扩展</a:t>
+            </a:r>
+            <a:r>
+              <a:rPr lang="en-US" altLang="zh-CN" dirty="0"/>
+              <a:t>BPB</a:t>
+            </a:r>
+            <a:r>
+              <a:rPr lang="zh-CN" altLang="en-US" dirty="0"/>
+              <a:t>参数，可以得到该卷的卷大小，磁头数，扇区大小，</a:t>
+            </a:r>
+            <a:r>
+              <a:rPr lang="zh-CN" altLang="en-US" dirty="0" smtClean="0"/>
+              <a:t>簇大小</a:t>
+            </a:r>
+            <a:r>
+              <a:rPr lang="zh-CN" altLang="en-US" dirty="0"/>
+              <a:t>等等</a:t>
+            </a:r>
+            <a:r>
+              <a:rPr lang="zh-CN" altLang="en-US" dirty="0" smtClean="0"/>
+              <a:t>参数</a:t>
+            </a:r>
+          </a:p>
+          <a:p>
+            <a:endParaRPr lang="zh-CN" altLang="en-US" dirty="0"/>
+          </a:p>
+          <a:p>
+            <a:r>
+              <a:rPr lang="zh-CN" altLang="en-US" dirty="0" smtClean="0"/>
+              <a:t>要</a:t>
+            </a:r>
+            <a:r>
+              <a:rPr lang="zh-CN" altLang="en-US" dirty="0"/>
+              <a:t>解析一个</a:t>
+            </a:r>
+            <a:r>
+              <a:rPr lang="en-US" altLang="zh-CN" dirty="0"/>
+              <a:t>NTFS</a:t>
+            </a:r>
+            <a:r>
+              <a:rPr lang="zh-CN" altLang="en-US" dirty="0"/>
+              <a:t>卷的文件结构也是从这里的</a:t>
+            </a:r>
+            <a:r>
+              <a:rPr lang="en-US" altLang="zh-CN" dirty="0"/>
+              <a:t>BPB</a:t>
+            </a:r>
+            <a:r>
+              <a:rPr lang="zh-CN" altLang="en-US" dirty="0"/>
+              <a:t>参数开始的。</a:t>
+            </a:r>
+          </a:p>
+          <a:p>
+            <a:endParaRPr lang="en-US" dirty="0"/>
+          </a:p>
+        </p:txBody>
+      </p:sp>
+      <p:sp>
+        <p:nvSpPr>
+          <p:cNvPr id="4" name="Text Placeholder 3"/>
+          <p:cNvSpPr>
+            <a:spLocks noGrp="1"/>
+          </p:cNvSpPr>
+          <p:nvPr>
+            <p:ph type="body" sz="half" idx="2"/>
+          </p:nvPr>
+        </p:nvSpPr>
+        <p:spPr/>
+        <p:txBody>
+          <a:bodyPr/>
+          <a:lstStyle/>
+          <a:p>
+            <a:endParaRPr lang="en-US"/>
+          </a:p>
+        </p:txBody>
+      </p:sp>
+    </p:spTree>
+    <p:extLst>
+      <p:ext uri="{BB962C8B-B14F-4D97-AF65-F5344CB8AC3E}">
+        <p14:creationId xmlns:p14="http://schemas.microsoft.com/office/powerpoint/2010/main" val="858599986"/>
+      </p:ext>
+    </p:extLst>
+  </p:cSld>
+  <p:clrMapOvr>
+    <a:masterClrMapping/>
+  </p:clrMapOvr>
+  <p:timing>
+    <p:tnLst>
+      <p:par>
+        <p:cTn id="1" dur="indefinite" restart="never" nodeType="tmRoot"/>
+      </p:par>
+    </p:tnLst>
+  </p:timing>
+</p:sld>
+</file>
+
+<file path=ppt/slides/slide12.xml><?xml version="1.0" encoding="utf-8"?>
+<p:sld xmlns:a="http://schemas.openxmlformats.org/drawingml/2006/main" xmlns:r="http://schemas.openxmlformats.org/officeDocument/2006/relationships" xmlns:p="http://schemas.openxmlformats.org/presentationml/2006/main">
+  <p:cSld>
+    <p:spTree>
+      <p:nvGrpSpPr>
+        <p:cNvPr id="1" name=""/>
+        <p:cNvGrpSpPr/>
+        <p:nvPr/>
+      </p:nvGrpSpPr>
+      <p:grpSpPr>
+        <a:xfrm>
+          <a:off x="0" y="0"/>
+          <a:ext cx="0" cy="0"/>
+          <a:chOff x="0" y="0"/>
+          <a:chExt cx="0" cy="0"/>
+        </a:xfrm>
+      </p:grpSpPr>
+      <p:sp>
+        <p:nvSpPr>
+          <p:cNvPr id="2" name="Title 1"/>
+          <p:cNvSpPr>
+            <a:spLocks noGrp="1"/>
+          </p:cNvSpPr>
+          <p:nvPr>
+            <p:ph type="title"/>
+          </p:nvPr>
+        </p:nvSpPr>
+        <p:spPr>
+          <a:xfrm>
+            <a:off x="2190193" y="286603"/>
+            <a:ext cx="7729728" cy="1856096"/>
+          </a:xfrm>
+        </p:spPr>
+        <p:txBody>
+          <a:bodyPr>
+            <a:normAutofit fontScale="90000"/>
+          </a:bodyPr>
+          <a:lstStyle/>
+          <a:p>
+            <a:r>
+              <a:rPr lang="zh-CN" altLang="en-US" sz="2700" dirty="0" smtClean="0"/>
+              <a:t/>
+            </a:r>
+            <a:br>
+              <a:rPr lang="zh-CN" altLang="en-US" sz="2700" dirty="0" smtClean="0"/>
+            </a:br>
+            <a:r>
+              <a:rPr lang="en-US" altLang="zh-CN" sz="2700" dirty="0" smtClean="0"/>
+              <a:t>NTFS</a:t>
+            </a:r>
+            <a:r>
+              <a:rPr lang="zh-CN" altLang="en-US" sz="2700" dirty="0"/>
+              <a:t>文件系统一共由</a:t>
+            </a:r>
+            <a:r>
+              <a:rPr lang="en-US" altLang="zh-CN" sz="2700" dirty="0"/>
+              <a:t>16</a:t>
+            </a:r>
+            <a:r>
+              <a:rPr lang="zh-CN" altLang="en-US" sz="2700" dirty="0"/>
+              <a:t>个“元文件”</a:t>
+            </a:r>
+            <a:r>
+              <a:rPr lang="zh-CN" altLang="en-US" sz="2700" dirty="0" smtClean="0"/>
+              <a:t>构成</a:t>
+            </a:r>
+            <a:br>
+              <a:rPr lang="zh-CN" altLang="en-US" sz="2700" dirty="0" smtClean="0"/>
+            </a:br>
+            <a:r>
+              <a:rPr lang="zh-CN" altLang="en-US" sz="2700" dirty="0" smtClean="0"/>
+              <a:t>它们</a:t>
+            </a:r>
+            <a:r>
+              <a:rPr lang="zh-CN" altLang="en-US" sz="2700" dirty="0"/>
+              <a:t>是在分区格式化时写入到硬盘的隐藏</a:t>
+            </a:r>
+            <a:r>
+              <a:rPr lang="zh-CN" altLang="en-US" sz="2700" dirty="0" smtClean="0"/>
+              <a:t>文件</a:t>
+            </a:r>
+            <a:br>
+              <a:rPr lang="zh-CN" altLang="en-US" sz="2700" dirty="0" smtClean="0"/>
+            </a:br>
+            <a:r>
+              <a:rPr lang="zh-CN" altLang="en-US" sz="2700" dirty="0" smtClean="0"/>
+              <a:t>（以</a:t>
+            </a:r>
+            <a:r>
+              <a:rPr lang="en-US" altLang="zh-CN" sz="2700" dirty="0" smtClean="0"/>
+              <a:t>“$”</a:t>
+            </a:r>
+            <a:r>
+              <a:rPr lang="zh-CN" altLang="en-US" sz="2700" dirty="0" smtClean="0"/>
+              <a:t>开头）</a:t>
+            </a:r>
+            <a:br>
+              <a:rPr lang="zh-CN" altLang="en-US" sz="2700" dirty="0" smtClean="0"/>
+            </a:br>
+            <a:r>
+              <a:rPr lang="zh-CN" altLang="en-US" sz="2700" dirty="0" smtClean="0"/>
+              <a:t>也</a:t>
+            </a:r>
+            <a:r>
+              <a:rPr lang="zh-CN" altLang="en-US" sz="2700" dirty="0"/>
+              <a:t>是</a:t>
+            </a:r>
+            <a:r>
+              <a:rPr lang="en-US" altLang="zh-CN" sz="2700" dirty="0"/>
+              <a:t>NTFS</a:t>
+            </a:r>
+            <a:r>
+              <a:rPr lang="zh-CN" altLang="en-US" sz="2700" dirty="0"/>
+              <a:t>文件系统的系统信息。</a:t>
+            </a:r>
+            <a:r>
+              <a:rPr lang="zh-CN" altLang="en-US" dirty="0"/>
+              <a:t/>
+            </a:r>
+            <a:br>
+              <a:rPr lang="zh-CN" altLang="en-US" dirty="0"/>
+            </a:br>
+            <a:endParaRPr lang="en-US" dirty="0"/>
+          </a:p>
+        </p:txBody>
+      </p:sp>
+      <p:pic>
+        <p:nvPicPr>
+          <p:cNvPr id="3" name="Picture 2"/>
+          <p:cNvPicPr>
+            <a:picLocks noChangeAspect="1"/>
+          </p:cNvPicPr>
+          <p:nvPr/>
+        </p:nvPicPr>
+        <p:blipFill>
+          <a:blip r:embed="rId2"/>
+          <a:stretch>
+            <a:fillRect/>
+          </a:stretch>
+        </p:blipFill>
+        <p:spPr>
+          <a:xfrm>
+            <a:off x="2784142" y="2371522"/>
+            <a:ext cx="6155142" cy="4274404"/>
+          </a:xfrm>
+          <a:prstGeom prst="rect">
+            <a:avLst/>
+          </a:prstGeom>
+        </p:spPr>
+      </p:pic>
+    </p:spTree>
+    <p:extLst>
+      <p:ext uri="{BB962C8B-B14F-4D97-AF65-F5344CB8AC3E}">
+        <p14:creationId xmlns:p14="http://schemas.microsoft.com/office/powerpoint/2010/main" val="1972245154"/>
+      </p:ext>
+    </p:extLst>
+  </p:cSld>
+  <p:clrMapOvr>
+    <a:masterClrMapping/>
+  </p:clrMapOvr>
+  <p:timing>
+    <p:tnLst>
+      <p:par>
+        <p:cTn id="1" dur="indefinite" restart="never" nodeType="tmRoot"/>
+      </p:par>
+    </p:tnLst>
+  </p:timing>
+</p:sld>
+</file>
+
+<file path=ppt/slides/slide13.xml><?xml version="1.0" encoding="utf-8"?>
+<p:sld xmlns:a="http://schemas.openxmlformats.org/drawingml/2006/main" xmlns:r="http://schemas.openxmlformats.org/officeDocument/2006/relationships" xmlns:p="http://schemas.openxmlformats.org/presentationml/2006/main">
+  <p:cSld>
+    <p:spTree>
+      <p:nvGrpSpPr>
+        <p:cNvPr id="1" name=""/>
+        <p:cNvGrpSpPr/>
+        <p:nvPr/>
+      </p:nvGrpSpPr>
+      <p:grpSpPr>
+        <a:xfrm>
+          <a:off x="0" y="0"/>
+          <a:ext cx="0" cy="0"/>
+          <a:chOff x="0" y="0"/>
+          <a:chExt cx="0" cy="0"/>
+        </a:xfrm>
+      </p:grpSpPr>
+      <p:sp>
+        <p:nvSpPr>
+          <p:cNvPr id="2" name="Title 1"/>
+          <p:cNvSpPr>
+            <a:spLocks noGrp="1"/>
+          </p:cNvSpPr>
+          <p:nvPr>
+            <p:ph type="title"/>
+          </p:nvPr>
+        </p:nvSpPr>
+        <p:spPr/>
+        <p:txBody>
+          <a:bodyPr/>
+          <a:lstStyle/>
+          <a:p>
+            <a:r>
+              <a:rPr lang="en-US" altLang="zh-CN" dirty="0"/>
+              <a:t>$</a:t>
+            </a:r>
+            <a:r>
+              <a:rPr lang="en-US" altLang="zh-CN" dirty="0" smtClean="0"/>
+              <a:t>MTF</a:t>
+            </a:r>
+            <a:r>
+              <a:rPr lang="zh-CN" altLang="en-US" dirty="0" smtClean="0"/>
+              <a:t>文件</a:t>
+            </a:r>
+            <a:endParaRPr lang="en-US" dirty="0"/>
+          </a:p>
+        </p:txBody>
+      </p:sp>
+      <p:sp>
+        <p:nvSpPr>
+          <p:cNvPr id="3" name="Content Placeholder 2"/>
+          <p:cNvSpPr>
+            <a:spLocks noGrp="1"/>
+          </p:cNvSpPr>
+          <p:nvPr>
+            <p:ph idx="1"/>
+          </p:nvPr>
+        </p:nvSpPr>
+        <p:spPr/>
+        <p:txBody>
+          <a:bodyPr>
+            <a:normAutofit/>
+          </a:bodyPr>
+          <a:lstStyle/>
+          <a:p>
+            <a:r>
+              <a:rPr lang="en-US" altLang="zh-CN" dirty="0"/>
+              <a:t>MFT </a:t>
+            </a:r>
+            <a:r>
+              <a:rPr lang="zh-CN" altLang="en-US" dirty="0"/>
+              <a:t>是由一条条 </a:t>
+            </a:r>
+            <a:r>
+              <a:rPr lang="en-US" altLang="zh-CN" dirty="0"/>
+              <a:t>MFT </a:t>
+            </a:r>
+            <a:r>
+              <a:rPr lang="zh-CN" altLang="en-US" dirty="0"/>
+              <a:t>记录单元</a:t>
+            </a:r>
+            <a:r>
+              <a:rPr lang="zh-CN" altLang="en-US" dirty="0" smtClean="0"/>
+              <a:t>所</a:t>
+            </a:r>
+            <a:r>
+              <a:rPr lang="zh-CN" altLang="en-US" dirty="0"/>
+              <a:t>组成的，而且</a:t>
+            </a:r>
+            <a:r>
+              <a:rPr lang="zh-CN" altLang="en-US" dirty="0" smtClean="0"/>
+              <a:t>每</a:t>
+            </a:r>
+            <a:r>
+              <a:rPr lang="zh-CN" altLang="en-US" dirty="0" smtClean="0"/>
+              <a:t>个</a:t>
+            </a:r>
+            <a:r>
+              <a:rPr lang="zh-CN" altLang="en-US" dirty="0" smtClean="0"/>
+              <a:t>大小</a:t>
+            </a:r>
+            <a:r>
+              <a:rPr lang="zh-CN" altLang="en-US" dirty="0"/>
+              <a:t>是固定的</a:t>
+            </a:r>
+            <a:r>
+              <a:rPr lang="en-US" altLang="zh-CN" dirty="0"/>
+              <a:t>(</a:t>
+            </a:r>
+            <a:r>
+              <a:rPr lang="zh-CN" altLang="en-US" dirty="0"/>
+              <a:t>一般为</a:t>
+            </a:r>
+            <a:r>
+              <a:rPr lang="en-US" altLang="zh-CN" dirty="0" smtClean="0"/>
+              <a:t>1KB)</a:t>
+            </a:r>
+            <a:endParaRPr lang="zh-CN" altLang="en-US" dirty="0"/>
+          </a:p>
+          <a:p>
+            <a:endParaRPr lang="zh-CN" altLang="en-US" dirty="0" smtClean="0"/>
+          </a:p>
+          <a:p>
+            <a:r>
+              <a:rPr lang="zh-CN" altLang="en-US" dirty="0"/>
+              <a:t>每个记录单元记录着文件的建立时间、在分区中的位置、长度、属性、文件名等信息。</a:t>
+            </a:r>
+          </a:p>
+          <a:p>
+            <a:pPr marL="0" indent="0">
+              <a:buNone/>
+            </a:pPr>
+            <a:endParaRPr lang="zh-CN" altLang="en-US" dirty="0"/>
+          </a:p>
+          <a:p>
+            <a:r>
+              <a:rPr lang="en-US" altLang="zh-CN" dirty="0" smtClean="0"/>
+              <a:t>MFT</a:t>
+            </a:r>
+            <a:r>
+              <a:rPr lang="zh-CN" altLang="en-US" dirty="0"/>
+              <a:t>保留了前</a:t>
+            </a:r>
+            <a:r>
+              <a:rPr lang="en-US" altLang="zh-CN" dirty="0"/>
+              <a:t>16</a:t>
+            </a:r>
+            <a:r>
+              <a:rPr lang="zh-CN" altLang="en-US" dirty="0"/>
+              <a:t>项用于特殊文件记录，称为元</a:t>
+            </a:r>
+            <a:r>
+              <a:rPr lang="zh-CN" altLang="en-US" dirty="0" smtClean="0"/>
+              <a:t>数据</a:t>
+            </a:r>
+            <a:r>
+              <a:rPr lang="zh-CN" altLang="en-US" dirty="0"/>
+              <a:t>，</a:t>
+            </a:r>
+            <a:r>
+              <a:rPr lang="zh-CN" altLang="en-US" dirty="0" smtClean="0"/>
+              <a:t>元</a:t>
+            </a:r>
+            <a:r>
+              <a:rPr lang="zh-CN" altLang="en-US" dirty="0"/>
+              <a:t>数据在磁盘上是物理连续的，编号为</a:t>
+            </a:r>
+            <a:r>
+              <a:rPr lang="en-US" altLang="zh-CN" dirty="0"/>
+              <a:t>0~15</a:t>
+            </a:r>
+            <a:r>
+              <a:rPr lang="zh-CN" altLang="en-US" dirty="0" smtClean="0"/>
+              <a:t>；</a:t>
+            </a:r>
+          </a:p>
+          <a:p>
+            <a:pPr marL="0" indent="0">
+              <a:buNone/>
+            </a:pPr>
+            <a:endParaRPr lang="zh-CN" altLang="en-US" dirty="0"/>
+          </a:p>
+          <a:p>
+            <a:r>
+              <a:rPr lang="zh-CN" altLang="en-US" dirty="0" smtClean="0"/>
+              <a:t>如果</a:t>
+            </a:r>
+            <a:r>
+              <a:rPr lang="en-US" altLang="zh-CN" dirty="0"/>
+              <a:t>$MFT</a:t>
+            </a:r>
+            <a:r>
+              <a:rPr lang="zh-CN" altLang="en-US" dirty="0"/>
+              <a:t>的偏移为</a:t>
+            </a:r>
+            <a:r>
+              <a:rPr lang="en-US" altLang="zh-CN" dirty="0"/>
+              <a:t>0x0C0000000, </a:t>
+            </a:r>
+            <a:r>
+              <a:rPr lang="zh-CN" altLang="en-US" dirty="0"/>
+              <a:t>那么下一项的偏移就是</a:t>
+            </a:r>
+            <a:r>
+              <a:rPr lang="en-US" altLang="zh-CN" dirty="0"/>
+              <a:t>0x0C0000400</a:t>
+            </a:r>
+            <a:r>
+              <a:rPr lang="zh-CN" altLang="en-US" dirty="0"/>
+              <a:t>，在下一项就</a:t>
+            </a:r>
+            <a:r>
+              <a:rPr lang="zh-CN" altLang="en-US" dirty="0" smtClean="0"/>
+              <a:t>是</a:t>
+            </a:r>
+            <a:r>
+              <a:rPr lang="en-US" altLang="zh-CN" dirty="0" smtClean="0"/>
+              <a:t>0x0C0000800</a:t>
+            </a:r>
+            <a:r>
+              <a:rPr lang="zh-CN" altLang="en-US" dirty="0"/>
+              <a:t>等等；</a:t>
+            </a:r>
+          </a:p>
+          <a:p>
+            <a:endParaRPr lang="en-US" dirty="0"/>
+          </a:p>
+        </p:txBody>
+      </p:sp>
+      <p:sp>
+        <p:nvSpPr>
+          <p:cNvPr id="4" name="Text Placeholder 3"/>
+          <p:cNvSpPr>
+            <a:spLocks noGrp="1"/>
+          </p:cNvSpPr>
+          <p:nvPr>
+            <p:ph type="body" sz="half" idx="2"/>
+          </p:nvPr>
+        </p:nvSpPr>
+        <p:spPr/>
+        <p:txBody>
+          <a:bodyPr/>
+          <a:lstStyle/>
+          <a:p>
+            <a:endParaRPr lang="en-US"/>
+          </a:p>
+        </p:txBody>
+      </p:sp>
+    </p:spTree>
+    <p:extLst>
+      <p:ext uri="{BB962C8B-B14F-4D97-AF65-F5344CB8AC3E}">
+        <p14:creationId xmlns:p14="http://schemas.microsoft.com/office/powerpoint/2010/main" val="1945624548"/>
+      </p:ext>
+    </p:extLst>
+  </p:cSld>
+  <p:clrMapOvr>
+    <a:masterClrMapping/>
+  </p:clrMapOvr>
+  <p:timing>
+    <p:tnLst>
+      <p:par>
+        <p:cTn id="1" dur="indefinite" restart="never" nodeType="tmRoot"/>
+      </p:par>
+    </p:tnLst>
+  </p:timing>
+</p:sld>
+</file>
+
+<file path=ppt/slides/slide14.xml><?xml version="1.0" encoding="utf-8"?>
+<p:sld xmlns:a="http://schemas.openxmlformats.org/drawingml/2006/main" xmlns:r="http://schemas.openxmlformats.org/officeDocument/2006/relationships" xmlns:p="http://schemas.openxmlformats.org/presentationml/2006/main">
+  <p:cSld>
+    <p:spTree>
+      <p:nvGrpSpPr>
+        <p:cNvPr id="1" name=""/>
+        <p:cNvGrpSpPr/>
+        <p:nvPr/>
+      </p:nvGrpSpPr>
+      <p:grpSpPr>
+        <a:xfrm>
+          <a:off x="0" y="0"/>
+          <a:ext cx="0" cy="0"/>
+          <a:chOff x="0" y="0"/>
+          <a:chExt cx="0" cy="0"/>
+        </a:xfrm>
+      </p:grpSpPr>
+      <p:sp>
+        <p:nvSpPr>
+          <p:cNvPr id="2" name="Title 1"/>
+          <p:cNvSpPr>
+            <a:spLocks noGrp="1"/>
+          </p:cNvSpPr>
+          <p:nvPr>
+            <p:ph type="title"/>
+          </p:nvPr>
+        </p:nvSpPr>
+        <p:spPr/>
+        <p:txBody>
+          <a:bodyPr/>
+          <a:lstStyle/>
+          <a:p>
+            <a:r>
+              <a:rPr lang="en-US" altLang="zh-CN" dirty="0" smtClean="0"/>
+              <a:t>$MTF</a:t>
+            </a:r>
+            <a:r>
+              <a:rPr lang="zh-CN" altLang="en-US" dirty="0" smtClean="0"/>
+              <a:t>文件</a:t>
+            </a:r>
+            <a:endParaRPr lang="en-US" dirty="0"/>
+          </a:p>
+        </p:txBody>
+      </p:sp>
+      <p:sp>
+        <p:nvSpPr>
+          <p:cNvPr id="3" name="Content Placeholder 2"/>
+          <p:cNvSpPr>
+            <a:spLocks noGrp="1"/>
+          </p:cNvSpPr>
+          <p:nvPr>
+            <p:ph idx="1"/>
+          </p:nvPr>
+        </p:nvSpPr>
+        <p:spPr/>
+        <p:txBody>
+          <a:bodyPr/>
+          <a:lstStyle/>
+          <a:p>
+            <a:r>
+              <a:rPr lang="en-US" altLang="zh-CN" dirty="0"/>
+              <a:t>MFT</a:t>
+            </a:r>
+            <a:r>
+              <a:rPr lang="zh-CN" altLang="en-US" dirty="0"/>
+              <a:t>记录了整个卷的所有文件 </a:t>
+            </a:r>
+            <a:r>
+              <a:rPr lang="en-US" altLang="zh-CN" dirty="0"/>
+              <a:t>(</a:t>
+            </a:r>
+            <a:r>
+              <a:rPr lang="zh-CN" altLang="en-US" dirty="0"/>
+              <a:t>包括</a:t>
+            </a:r>
+            <a:r>
+              <a:rPr lang="en-US" altLang="zh-CN" dirty="0"/>
+              <a:t>MFT</a:t>
+            </a:r>
+            <a:r>
+              <a:rPr lang="zh-CN" altLang="en-US" dirty="0"/>
+              <a:t>本身、数据文件、文件夹等等</a:t>
+            </a:r>
+            <a:r>
+              <a:rPr lang="en-US" altLang="zh-CN" dirty="0"/>
+              <a:t>) </a:t>
+            </a:r>
+            <a:r>
+              <a:rPr lang="zh-CN" altLang="en-US" dirty="0" smtClean="0"/>
+              <a:t>信息。</a:t>
+            </a:r>
+          </a:p>
+          <a:p>
+            <a:endParaRPr lang="zh-CN" altLang="en-US" dirty="0" smtClean="0"/>
+          </a:p>
+          <a:p>
+            <a:r>
+              <a:rPr lang="zh-CN" altLang="en-US" dirty="0" smtClean="0"/>
+              <a:t>每</a:t>
+            </a:r>
+            <a:r>
+              <a:rPr lang="zh-CN" altLang="en-US" dirty="0"/>
+              <a:t>一个文件在 </a:t>
+            </a:r>
+            <a:r>
+              <a:rPr lang="en-US" altLang="zh-CN" dirty="0"/>
+              <a:t>MFT </a:t>
+            </a:r>
+            <a:r>
+              <a:rPr lang="zh-CN" altLang="en-US" dirty="0"/>
+              <a:t>中都有一个或多个 </a:t>
+            </a:r>
+            <a:r>
+              <a:rPr lang="en-US" altLang="zh-CN" dirty="0"/>
+              <a:t>MFT </a:t>
+            </a:r>
+            <a:r>
+              <a:rPr lang="zh-CN" altLang="en-US" dirty="0"/>
+              <a:t>项记录文件属性信息，这里的属性包括</a:t>
+            </a:r>
+            <a:r>
+              <a:rPr lang="zh-CN" altLang="en-US" dirty="0" smtClean="0"/>
+              <a:t>数据</a:t>
+            </a:r>
+          </a:p>
+          <a:p>
+            <a:endParaRPr lang="zh-CN" altLang="en-US" dirty="0" smtClean="0"/>
+          </a:p>
+          <a:p>
+            <a:endParaRPr lang="zh-CN" altLang="en-US" dirty="0"/>
+          </a:p>
+        </p:txBody>
+      </p:sp>
+      <p:sp>
+        <p:nvSpPr>
+          <p:cNvPr id="4" name="Text Placeholder 3"/>
+          <p:cNvSpPr>
+            <a:spLocks noGrp="1"/>
+          </p:cNvSpPr>
+          <p:nvPr>
+            <p:ph type="body" sz="half" idx="2"/>
+          </p:nvPr>
+        </p:nvSpPr>
+        <p:spPr/>
+        <p:txBody>
+          <a:bodyPr/>
+          <a:lstStyle/>
+          <a:p>
+            <a:endParaRPr lang="en-US" dirty="0"/>
+          </a:p>
+        </p:txBody>
+      </p:sp>
+    </p:spTree>
+    <p:extLst>
+      <p:ext uri="{BB962C8B-B14F-4D97-AF65-F5344CB8AC3E}">
+        <p14:creationId xmlns:p14="http://schemas.microsoft.com/office/powerpoint/2010/main" val="2072246969"/>
+      </p:ext>
+    </p:extLst>
+  </p:cSld>
+  <p:clrMapOvr>
+    <a:masterClrMapping/>
+  </p:clrMapOvr>
+  <p:timing>
+    <p:tnLst>
+      <p:par>
+        <p:cTn id="1" dur="indefinite" restart="never" nodeType="tmRoot"/>
+      </p:par>
+    </p:tnLst>
+  </p:timing>
+</p:sld>
+</file>
+
+<file path=ppt/slides/slide15.xml><?xml version="1.0" encoding="utf-8"?>
+<p:sld xmlns:a="http://schemas.openxmlformats.org/drawingml/2006/main" xmlns:r="http://schemas.openxmlformats.org/officeDocument/2006/relationships" xmlns:p="http://schemas.openxmlformats.org/presentationml/2006/main">
+  <p:cSld>
+    <p:spTree>
+      <p:nvGrpSpPr>
+        <p:cNvPr id="1" name=""/>
+        <p:cNvGrpSpPr/>
+        <p:nvPr/>
+      </p:nvGrpSpPr>
+      <p:grpSpPr>
+        <a:xfrm>
+          <a:off x="0" y="0"/>
+          <a:ext cx="0" cy="0"/>
+          <a:chOff x="0" y="0"/>
+          <a:chExt cx="0" cy="0"/>
+        </a:xfrm>
+      </p:grpSpPr>
+      <p:sp>
+        <p:nvSpPr>
+          <p:cNvPr id="2" name="Title 1"/>
+          <p:cNvSpPr>
+            <a:spLocks noGrp="1"/>
+          </p:cNvSpPr>
+          <p:nvPr>
+            <p:ph type="title"/>
+          </p:nvPr>
+        </p:nvSpPr>
+        <p:spPr/>
+        <p:txBody>
+          <a:bodyPr/>
+          <a:lstStyle/>
+          <a:p>
+            <a:r>
+              <a:rPr lang="en-US" altLang="zh-CN" dirty="0"/>
+              <a:t>$Bitmap</a:t>
+            </a:r>
+            <a:r>
+              <a:rPr lang="zh-CN" altLang="en-US" dirty="0"/>
+              <a:t>文件</a:t>
+            </a:r>
+            <a:endParaRPr lang="en-US" dirty="0"/>
+          </a:p>
+        </p:txBody>
+      </p:sp>
+      <p:sp>
+        <p:nvSpPr>
+          <p:cNvPr id="3" name="Content Placeholder 2"/>
+          <p:cNvSpPr>
+            <a:spLocks noGrp="1"/>
+          </p:cNvSpPr>
+          <p:nvPr>
+            <p:ph idx="1"/>
+          </p:nvPr>
+        </p:nvSpPr>
+        <p:spPr/>
+        <p:txBody>
+          <a:bodyPr/>
+          <a:lstStyle/>
+          <a:p>
+            <a:endParaRPr lang="zh-CN" altLang="en-US" dirty="0"/>
+          </a:p>
+          <a:p>
+            <a:endParaRPr lang="zh-CN" altLang="en-US" dirty="0" smtClean="0"/>
+          </a:p>
+          <a:p>
+            <a:endParaRPr lang="zh-CN" altLang="en-US" dirty="0"/>
+          </a:p>
+          <a:p>
+            <a:endParaRPr lang="zh-CN" altLang="en-US" dirty="0" smtClean="0"/>
+          </a:p>
+          <a:p>
+            <a:r>
+              <a:rPr lang="zh-CN" altLang="en-US" dirty="0" smtClean="0"/>
+              <a:t>记录</a:t>
+            </a:r>
+            <a:r>
+              <a:rPr lang="zh-CN" altLang="en-US" dirty="0"/>
+              <a:t>着分区中存储单元（簇）使用状况</a:t>
+            </a:r>
+            <a:r>
+              <a:rPr lang="zh-CN" altLang="en-US" dirty="0" smtClean="0"/>
+              <a:t>。</a:t>
+            </a:r>
+          </a:p>
+          <a:p>
+            <a:endParaRPr lang="zh-CN" altLang="en-US" dirty="0"/>
+          </a:p>
+          <a:p>
+            <a:r>
+              <a:rPr lang="zh-CN" altLang="en-US" dirty="0" smtClean="0"/>
+              <a:t>类似于</a:t>
+            </a:r>
+            <a:r>
+              <a:rPr lang="en-US" altLang="zh-CN" dirty="0" smtClean="0"/>
+              <a:t>UNIX</a:t>
+            </a:r>
+            <a:r>
+              <a:rPr lang="zh-CN" altLang="en-US" dirty="0" smtClean="0"/>
+              <a:t> </a:t>
+            </a:r>
+            <a:r>
+              <a:rPr lang="en-US" altLang="zh-CN" dirty="0" smtClean="0"/>
+              <a:t>FS</a:t>
+            </a:r>
+            <a:r>
+              <a:rPr lang="zh-CN" altLang="en-US" dirty="0" smtClean="0"/>
+              <a:t>中的</a:t>
+            </a:r>
+            <a:r>
+              <a:rPr lang="en-US" altLang="zh-CN" dirty="0" smtClean="0"/>
+              <a:t>Bitmap</a:t>
+            </a:r>
+            <a:r>
+              <a:rPr lang="zh-CN" altLang="en-US" dirty="0" smtClean="0"/>
+              <a:t>，</a:t>
+            </a:r>
+            <a:r>
+              <a:rPr lang="zh-CN" altLang="en-US" dirty="0"/>
+              <a:t>但不以索引的形式记录，而是每一个</a:t>
+            </a:r>
+            <a:r>
+              <a:rPr lang="en-US" altLang="zh-CN" dirty="0"/>
+              <a:t>Bit</a:t>
+            </a:r>
+            <a:r>
+              <a:rPr lang="zh-CN" altLang="en-US" dirty="0"/>
+              <a:t>表示一个簇。其值为</a:t>
+            </a:r>
+            <a:r>
+              <a:rPr lang="en-US" altLang="zh-CN" dirty="0"/>
+              <a:t>1</a:t>
+            </a:r>
+            <a:r>
+              <a:rPr lang="zh-CN" altLang="en-US" dirty="0"/>
+              <a:t>表示该簇已被使用，为</a:t>
+            </a:r>
+            <a:r>
+              <a:rPr lang="en-US" altLang="zh-CN" dirty="0"/>
+              <a:t>0</a:t>
+            </a:r>
+            <a:r>
+              <a:rPr lang="zh-CN" altLang="en-US" dirty="0"/>
+              <a:t>则表示空闲。</a:t>
+            </a:r>
+          </a:p>
+          <a:p>
+            <a:endParaRPr lang="en-US" dirty="0"/>
+          </a:p>
+        </p:txBody>
+      </p:sp>
+      <p:sp>
+        <p:nvSpPr>
+          <p:cNvPr id="4" name="Text Placeholder 3"/>
+          <p:cNvSpPr>
+            <a:spLocks noGrp="1"/>
+          </p:cNvSpPr>
+          <p:nvPr>
+            <p:ph type="body" sz="half" idx="2"/>
+          </p:nvPr>
+        </p:nvSpPr>
+        <p:spPr/>
+        <p:txBody>
+          <a:bodyPr/>
+          <a:lstStyle/>
+          <a:p>
+            <a:endParaRPr lang="en-US"/>
+          </a:p>
+        </p:txBody>
+      </p:sp>
+    </p:spTree>
+    <p:extLst>
+      <p:ext uri="{BB962C8B-B14F-4D97-AF65-F5344CB8AC3E}">
+        <p14:creationId xmlns:p14="http://schemas.microsoft.com/office/powerpoint/2010/main" val="942061449"/>
+      </p:ext>
+    </p:extLst>
+  </p:cSld>
+  <p:clrMapOvr>
+    <a:masterClrMapping/>
+  </p:clrMapOvr>
+  <p:timing>
+    <p:tnLst>
+      <p:par>
+        <p:cTn id="1" dur="indefinite" restart="never" nodeType="tmRoot"/>
+      </p:par>
+    </p:tnLst>
+  </p:timing>
+</p:sld>
+</file>
+
+<file path=ppt/slides/slide16.xml><?xml version="1.0" encoding="utf-8"?>
+<p:sld xmlns:a="http://schemas.openxmlformats.org/drawingml/2006/main" xmlns:r="http://schemas.openxmlformats.org/officeDocument/2006/relationships" xmlns:p="http://schemas.openxmlformats.org/presentationml/2006/main">
+  <p:cSld>
+    <p:spTree>
+      <p:nvGrpSpPr>
+        <p:cNvPr id="1" name=""/>
+        <p:cNvGrpSpPr/>
+        <p:nvPr/>
+      </p:nvGrpSpPr>
+      <p:grpSpPr>
+        <a:xfrm>
+          <a:off x="0" y="0"/>
+          <a:ext cx="0" cy="0"/>
+          <a:chOff x="0" y="0"/>
+          <a:chExt cx="0" cy="0"/>
+        </a:xfrm>
+      </p:grpSpPr>
+      <p:sp>
+        <p:nvSpPr>
+          <p:cNvPr id="2" name="Title 1"/>
+          <p:cNvSpPr>
+            <a:spLocks noGrp="1"/>
+          </p:cNvSpPr>
+          <p:nvPr>
+            <p:ph type="title"/>
+          </p:nvPr>
+        </p:nvSpPr>
+        <p:spPr/>
+        <p:txBody>
+          <a:bodyPr/>
+          <a:lstStyle/>
+          <a:p>
+            <a:r>
+              <a:rPr lang="zh-CN" altLang="en-US" dirty="0" smtClean="0"/>
+              <a:t>存储文件的单元</a:t>
+            </a:r>
+            <a:endParaRPr lang="en-US" dirty="0"/>
+          </a:p>
+        </p:txBody>
+      </p:sp>
+      <p:sp>
+        <p:nvSpPr>
+          <p:cNvPr id="3" name="Content Placeholder 2"/>
+          <p:cNvSpPr>
+            <a:spLocks noGrp="1"/>
+          </p:cNvSpPr>
+          <p:nvPr>
+            <p:ph idx="1"/>
+          </p:nvPr>
+        </p:nvSpPr>
+        <p:spPr/>
+        <p:txBody>
+          <a:bodyPr/>
+          <a:lstStyle/>
+          <a:p>
+            <a:r>
+              <a:rPr lang="zh-CN" altLang="en-US" dirty="0"/>
+              <a:t>扇区是磁盘最小的物理存储单元，一般而言是</a:t>
+            </a:r>
+            <a:r>
+              <a:rPr lang="en-US" altLang="zh-CN" dirty="0"/>
+              <a:t>512kb</a:t>
+            </a:r>
+            <a:r>
+              <a:rPr lang="zh-CN" altLang="en-US" dirty="0"/>
+              <a:t>大小每个扇区，但是操作通常不直接管理每一个扇区，而是通过将若干个扇区组成的一个更大的集合来去进行操作管理。</a:t>
+            </a:r>
+            <a:r>
+              <a:rPr lang="zh-CN" altLang="en-US" b="1" dirty="0"/>
+              <a:t/>
+            </a:r>
+            <a:br>
+              <a:rPr lang="zh-CN" altLang="en-US" b="1" dirty="0"/>
+            </a:br>
+            <a:endParaRPr lang="zh-CN" altLang="en-US" dirty="0"/>
+          </a:p>
+          <a:p>
+            <a:r>
+              <a:rPr lang="zh-CN" altLang="en-US" dirty="0"/>
+              <a:t> </a:t>
+            </a:r>
+            <a:r>
+              <a:rPr lang="zh-CN" altLang="en-US" dirty="0" smtClean="0"/>
+              <a:t>这个</a:t>
+            </a:r>
+            <a:r>
+              <a:rPr lang="zh-CN" altLang="en-US" dirty="0"/>
+              <a:t>比扇区更大的集合，在</a:t>
+            </a:r>
+            <a:r>
+              <a:rPr lang="en-US" altLang="zh-CN" dirty="0"/>
+              <a:t>Windows</a:t>
+            </a:r>
+            <a:r>
+              <a:rPr lang="zh-CN" altLang="en-US" dirty="0"/>
+              <a:t>下叫做</a:t>
+            </a:r>
+            <a:r>
+              <a:rPr lang="zh-CN" altLang="en-US" b="1" dirty="0"/>
+              <a:t>簇</a:t>
+            </a:r>
+            <a:r>
+              <a:rPr lang="zh-CN" altLang="en-US" dirty="0"/>
+              <a:t>；在</a:t>
+            </a:r>
+            <a:r>
+              <a:rPr lang="en-US" altLang="zh-CN" dirty="0"/>
+              <a:t>Linux</a:t>
+            </a:r>
+            <a:r>
+              <a:rPr lang="zh-CN" altLang="en-US" dirty="0"/>
+              <a:t>下叫做</a:t>
+            </a:r>
+            <a:r>
+              <a:rPr lang="zh-CN" altLang="en-US" b="1" dirty="0"/>
+              <a:t>块（</a:t>
+            </a:r>
+            <a:r>
+              <a:rPr lang="en-US" altLang="zh-CN" b="1" dirty="0"/>
+              <a:t>block</a:t>
+            </a:r>
+            <a:r>
+              <a:rPr lang="zh-CN" altLang="en-US" b="1" dirty="0"/>
+              <a:t>）</a:t>
+            </a:r>
+            <a:r>
+              <a:rPr lang="zh-CN" altLang="en-US" dirty="0"/>
+              <a:t>。</a:t>
+            </a:r>
+          </a:p>
+          <a:p>
+            <a:endParaRPr lang="en-US" dirty="0"/>
+          </a:p>
+        </p:txBody>
+      </p:sp>
+    </p:spTree>
+    <p:extLst>
+      <p:ext uri="{BB962C8B-B14F-4D97-AF65-F5344CB8AC3E}">
+        <p14:creationId xmlns:p14="http://schemas.microsoft.com/office/powerpoint/2010/main" val="351228989"/>
+      </p:ext>
+    </p:extLst>
+  </p:cSld>
+  <p:clrMapOvr>
+    <a:masterClrMapping/>
+  </p:clrMapOvr>
+  <p:timing>
+    <p:tnLst>
+      <p:par>
+        <p:cTn id="1" dur="indefinite" restart="never" nodeType="tmRoot"/>
+      </p:par>
+    </p:tnLst>
+  </p:timing>
+</p:sld>
+</file>
+
+<file path=ppt/slides/slide17.xml><?xml version="1.0" encoding="utf-8"?>
+<p:sld xmlns:a="http://schemas.openxmlformats.org/drawingml/2006/main" xmlns:r="http://schemas.openxmlformats.org/officeDocument/2006/relationships" xmlns:p="http://schemas.openxmlformats.org/presentationml/2006/main">
+  <p:cSld>
+    <p:spTree>
+      <p:nvGrpSpPr>
+        <p:cNvPr id="1" name=""/>
+        <p:cNvGrpSpPr/>
+        <p:nvPr/>
+      </p:nvGrpSpPr>
+      <p:grpSpPr>
+        <a:xfrm>
+          <a:off x="0" y="0"/>
+          <a:ext cx="0" cy="0"/>
+          <a:chOff x="0" y="0"/>
+          <a:chExt cx="0" cy="0"/>
+        </a:xfrm>
+      </p:grpSpPr>
+      <p:sp>
+        <p:nvSpPr>
+          <p:cNvPr id="2" name="Text Placeholder 1"/>
+          <p:cNvSpPr>
+            <a:spLocks noGrp="1"/>
+          </p:cNvSpPr>
+          <p:nvPr>
+            <p:ph type="body" idx="1"/>
+          </p:nvPr>
+        </p:nvSpPr>
+        <p:spPr/>
+        <p:txBody>
+          <a:bodyPr/>
+          <a:lstStyle/>
+          <a:p>
+            <a:r>
+              <a:rPr lang="en-US" dirty="0" err="1"/>
+              <a:t>Windows：簇</a:t>
+            </a:r>
+            <a:endParaRPr lang="en-US" dirty="0"/>
+          </a:p>
+        </p:txBody>
+      </p:sp>
+      <p:sp>
+        <p:nvSpPr>
+          <p:cNvPr id="3" name="Content Placeholder 2"/>
+          <p:cNvSpPr>
+            <a:spLocks noGrp="1"/>
+          </p:cNvSpPr>
+          <p:nvPr>
+            <p:ph sz="half" idx="2"/>
+          </p:nvPr>
+        </p:nvSpPr>
+        <p:spPr/>
+        <p:txBody>
+          <a:bodyPr>
+            <a:normAutofit/>
+          </a:bodyPr>
+          <a:lstStyle/>
+          <a:p>
+            <a:r>
+              <a:rPr lang="zh-CN" altLang="en-US" dirty="0" smtClean="0"/>
+              <a:t>一</a:t>
+            </a:r>
+            <a:r>
+              <a:rPr lang="zh-CN" altLang="en-US" dirty="0"/>
+              <a:t>个文件通常存放在一个或多个簇里，但至少要单独占据一个“簇”。 也就是说两个文件不能存放在同一个簇中</a:t>
+            </a:r>
+            <a:r>
+              <a:rPr lang="zh-CN" altLang="en-US" dirty="0" smtClean="0"/>
+              <a:t>。</a:t>
+            </a:r>
+          </a:p>
+          <a:p>
+            <a:r>
+              <a:rPr lang="en-US" altLang="zh-CN" dirty="0"/>
+              <a:t>Windows</a:t>
+            </a:r>
+            <a:r>
+              <a:rPr lang="zh-CN" altLang="en-US" dirty="0"/>
+              <a:t>下对应于上述</a:t>
+            </a:r>
+            <a:r>
+              <a:rPr lang="en-US" altLang="zh-CN" dirty="0" err="1"/>
+              <a:t>st_blksize</a:t>
+            </a:r>
+            <a:r>
+              <a:rPr lang="zh-CN" altLang="en-US" dirty="0"/>
+              <a:t>的值为“一个簇的大小 </a:t>
+            </a:r>
+            <a:r>
+              <a:rPr lang="en-US" altLang="zh-CN" dirty="0"/>
+              <a:t>= </a:t>
+            </a:r>
+            <a:r>
+              <a:rPr lang="zh-CN" altLang="en-US" dirty="0"/>
+              <a:t>一个簇的扇区数 * 一个扇区的字节数”。</a:t>
+            </a:r>
+            <a:endParaRPr lang="en-US" dirty="0"/>
+          </a:p>
+        </p:txBody>
+      </p:sp>
+      <p:sp>
+        <p:nvSpPr>
+          <p:cNvPr id="4" name="Content Placeholder 3"/>
+          <p:cNvSpPr>
+            <a:spLocks noGrp="1"/>
+          </p:cNvSpPr>
+          <p:nvPr>
+            <p:ph sz="quarter" idx="4"/>
+          </p:nvPr>
+        </p:nvSpPr>
+        <p:spPr/>
+        <p:txBody>
+          <a:bodyPr/>
+          <a:lstStyle/>
+          <a:p>
+            <a:r>
+              <a:rPr lang="zh-CN" altLang="en-US" dirty="0"/>
+              <a:t>一般的硬盘以</a:t>
+            </a:r>
+            <a:r>
+              <a:rPr lang="en-US" altLang="zh-CN" dirty="0"/>
+              <a:t>512</a:t>
+            </a:r>
+            <a:r>
+              <a:rPr lang="zh-CN" altLang="en-US" dirty="0"/>
+              <a:t>个字节为一个扇区，磁盘中一个</a:t>
+            </a:r>
+            <a:r>
+              <a:rPr lang="en-US" altLang="zh-CN" dirty="0"/>
+              <a:t>Block</a:t>
+            </a:r>
+            <a:r>
+              <a:rPr lang="zh-CN" altLang="en-US" dirty="0"/>
+              <a:t>的大小是扇区的倍数，</a:t>
+            </a:r>
+            <a:r>
+              <a:rPr lang="en-US" altLang="zh-CN" dirty="0"/>
+              <a:t>PC</a:t>
+            </a:r>
+            <a:r>
+              <a:rPr lang="zh-CN" altLang="en-US" dirty="0"/>
+              <a:t>默认设置的大小是</a:t>
+            </a:r>
+            <a:r>
+              <a:rPr lang="en-US" altLang="zh-CN" dirty="0"/>
+              <a:t>4096</a:t>
+            </a:r>
+            <a:r>
+              <a:rPr lang="zh-CN" altLang="en-US" dirty="0"/>
+              <a:t>的大小。</a:t>
+            </a:r>
+            <a:endParaRPr lang="en-US" dirty="0"/>
+          </a:p>
+        </p:txBody>
+      </p:sp>
+      <p:sp>
+        <p:nvSpPr>
+          <p:cNvPr id="5" name="Text Placeholder 4"/>
+          <p:cNvSpPr>
+            <a:spLocks noGrp="1"/>
+          </p:cNvSpPr>
+          <p:nvPr>
+            <p:ph type="body" sz="quarter" idx="13"/>
+          </p:nvPr>
+        </p:nvSpPr>
+        <p:spPr/>
+        <p:txBody>
+          <a:bodyPr/>
+          <a:lstStyle/>
+          <a:p>
+            <a:r>
+              <a:rPr lang="en-US" dirty="0" err="1"/>
+              <a:t>Linux：块</a:t>
+            </a:r>
+            <a:endParaRPr lang="en-US" dirty="0"/>
+          </a:p>
+        </p:txBody>
+      </p:sp>
+      <p:sp>
+        <p:nvSpPr>
+          <p:cNvPr id="6" name="Title 5"/>
+          <p:cNvSpPr>
+            <a:spLocks noGrp="1"/>
+          </p:cNvSpPr>
+          <p:nvPr>
+            <p:ph type="title"/>
+          </p:nvPr>
+        </p:nvSpPr>
+        <p:spPr/>
+        <p:txBody>
+          <a:bodyPr/>
+          <a:lstStyle/>
+          <a:p>
+            <a:r>
+              <a:rPr lang="zh-CN" altLang="en-US" dirty="0" smtClean="0"/>
+              <a:t>存储文件的单元</a:t>
+            </a:r>
+            <a:endParaRPr lang="en-US" dirty="0"/>
+          </a:p>
+        </p:txBody>
+      </p:sp>
+    </p:spTree>
+    <p:extLst>
+      <p:ext uri="{BB962C8B-B14F-4D97-AF65-F5344CB8AC3E}">
+        <p14:creationId xmlns:p14="http://schemas.microsoft.com/office/powerpoint/2010/main" val="907947930"/>
+      </p:ext>
+    </p:extLst>
+  </p:cSld>
+  <p:clrMapOvr>
+    <a:masterClrMapping/>
+  </p:clrMapOvr>
+  <mc:AlternateContent xmlns:mc="http://schemas.openxmlformats.org/markup-compatibility/2006">
+    <mc:Choice xmlns:p14="http://schemas.microsoft.com/office/powerpoint/2010/main" Requires="p14">
+      <p:transition p14:dur="0"/>
+    </mc:Choice>
+    <mc:Fallback>
+      <p:transition/>
+    </mc:Fallback>
+  </mc:AlternateContent>
+  <p:timing>
+    <p:tnLst>
+      <p:par>
+        <p:cTn id="1" dur="indefinite" restart="never" nodeType="tmRoot"/>
+      </p:par>
+    </p:tnLst>
+  </p:timing>
+</p:sld>
+</file>
+
+<file path=ppt/slides/slide18.xml><?xml version="1.0" encoding="utf-8"?>
+<p:sld xmlns:a="http://schemas.openxmlformats.org/drawingml/2006/main" xmlns:r="http://schemas.openxmlformats.org/officeDocument/2006/relationships" xmlns:p="http://schemas.openxmlformats.org/presentationml/2006/main">
+  <p:cSld>
+    <p:spTree>
+      <p:nvGrpSpPr>
+        <p:cNvPr id="1" name=""/>
+        <p:cNvGrpSpPr/>
+        <p:nvPr/>
+      </p:nvGrpSpPr>
+      <p:grpSpPr>
+        <a:xfrm>
+          <a:off x="0" y="0"/>
+          <a:ext cx="0" cy="0"/>
+          <a:chOff x="0" y="0"/>
+          <a:chExt cx="0" cy="0"/>
+        </a:xfrm>
+      </p:grpSpPr>
+      <p:sp>
+        <p:nvSpPr>
+          <p:cNvPr id="2" name="Title 1"/>
+          <p:cNvSpPr>
+            <a:spLocks noGrp="1"/>
+          </p:cNvSpPr>
+          <p:nvPr>
+            <p:ph type="title"/>
+          </p:nvPr>
+        </p:nvSpPr>
+        <p:spPr/>
+        <p:txBody>
+          <a:bodyPr/>
+          <a:lstStyle/>
+          <a:p>
+            <a:r>
+              <a:rPr lang="en-US" altLang="zh-CN" dirty="0" smtClean="0"/>
+              <a:t>Case</a:t>
+            </a:r>
+            <a:r>
+              <a:rPr lang="zh-CN" altLang="en-US" dirty="0" smtClean="0"/>
+              <a:t> </a:t>
+            </a:r>
+            <a:r>
+              <a:rPr lang="en-US" altLang="zh-CN" dirty="0" smtClean="0"/>
+              <a:t>study</a:t>
+            </a:r>
+            <a:endParaRPr lang="en-US" dirty="0"/>
+          </a:p>
+        </p:txBody>
+      </p:sp>
+      <p:sp>
+        <p:nvSpPr>
+          <p:cNvPr id="3" name="Text Placeholder 2"/>
+          <p:cNvSpPr>
+            <a:spLocks noGrp="1"/>
+          </p:cNvSpPr>
+          <p:nvPr>
+            <p:ph type="body" idx="1"/>
+          </p:nvPr>
+        </p:nvSpPr>
+        <p:spPr/>
+        <p:txBody>
+          <a:bodyPr/>
+          <a:lstStyle/>
+          <a:p>
+            <a:endParaRPr lang="en-US"/>
+          </a:p>
+        </p:txBody>
+      </p:sp>
+    </p:spTree>
+    <p:extLst>
+      <p:ext uri="{BB962C8B-B14F-4D97-AF65-F5344CB8AC3E}">
+        <p14:creationId xmlns:p14="http://schemas.microsoft.com/office/powerpoint/2010/main" val="1974097975"/>
+      </p:ext>
+    </p:extLst>
+  </p:cSld>
+  <p:clrMapOvr>
+    <a:masterClrMapping/>
+  </p:clrMapOvr>
+  <mc:AlternateContent xmlns:mc="http://schemas.openxmlformats.org/markup-compatibility/2006">
+    <mc:Choice xmlns:p14="http://schemas.microsoft.com/office/powerpoint/2010/main" Requires="p14">
+      <p:transition spd="slow" p14:dur="1200">
+        <p14:prism/>
+      </p:transition>
+    </mc:Choice>
+    <mc:Fallback>
+      <p:transition spd="slow">
+        <p:fade/>
+      </p:transition>
+    </mc:Fallback>
+  </mc:AlternateContent>
+  <p:timing>
+    <p:tnLst>
+      <p:par>
+        <p:cTn id="1" dur="indefinite" restart="never" nodeType="tmRoot"/>
+      </p:par>
+    </p:tnLst>
+  </p:timing>
+</p:sld>
+</file>
+
+<file path=ppt/slides/slide19.xml><?xml version="1.0" encoding="utf-8"?>
+<p:sld xmlns:a="http://schemas.openxmlformats.org/drawingml/2006/main" xmlns:r="http://schemas.openxmlformats.org/officeDocument/2006/relationships" xmlns:p="http://schemas.openxmlformats.org/presentationml/2006/main">
+  <p:cSld>
+    <p:spTree>
+      <p:nvGrpSpPr>
+        <p:cNvPr id="1" name=""/>
+        <p:cNvGrpSpPr/>
+        <p:nvPr/>
+      </p:nvGrpSpPr>
+      <p:grpSpPr>
+        <a:xfrm>
+          <a:off x="0" y="0"/>
+          <a:ext cx="0" cy="0"/>
+          <a:chOff x="0" y="0"/>
+          <a:chExt cx="0" cy="0"/>
+        </a:xfrm>
+      </p:grpSpPr>
+      <p:pic>
+        <p:nvPicPr>
+          <p:cNvPr id="5" name="Picture 4"/>
+          <p:cNvPicPr>
+            <a:picLocks noChangeAspect="1"/>
+          </p:cNvPicPr>
+          <p:nvPr/>
+        </p:nvPicPr>
+        <p:blipFill>
+          <a:blip r:embed="rId2">
+            <a:extLst>
+              <a:ext uri="{28A0092B-C50C-407E-A947-70E740481C1C}">
+                <a14:useLocalDpi xmlns:a14="http://schemas.microsoft.com/office/drawing/2010/main" val="0"/>
+              </a:ext>
+            </a:extLst>
+          </a:blip>
+          <a:stretch>
+            <a:fillRect/>
+          </a:stretch>
+        </p:blipFill>
+        <p:spPr>
+          <a:xfrm>
+            <a:off x="3886200" y="0"/>
+            <a:ext cx="4409524" cy="6858000"/>
+          </a:xfrm>
+          <a:prstGeom prst="rect">
+            <a:avLst/>
+          </a:prstGeom>
+        </p:spPr>
+      </p:pic>
+    </p:spTree>
+    <p:extLst>
+      <p:ext uri="{BB962C8B-B14F-4D97-AF65-F5344CB8AC3E}">
+        <p14:creationId xmlns:p14="http://schemas.microsoft.com/office/powerpoint/2010/main" val="674157198"/>
+      </p:ext>
+    </p:extLst>
+  </p:cSld>
+  <p:clrMapOvr>
+    <a:masterClrMapping/>
+  </p:clrMapOvr>
+  <mc:AlternateContent xmlns:mc="http://schemas.openxmlformats.org/markup-compatibility/2006">
+    <mc:Choice xmlns:p14="http://schemas.microsoft.com/office/powerpoint/2010/main" Requires="p14">
+      <p:transition spd="slow" p14:dur="1400">
+        <p14:doors dir="vert"/>
+      </p:transition>
+    </mc:Choice>
+    <mc:Fallback>
+      <p:transition spd="slow">
+        <p:fade/>
+      </p:transition>
+    </mc:Fallback>
+  </mc:AlternateContent>
+  <p:timing>
+    <p:tnLst>
+      <p:par>
+        <p:cTn id="1" dur="indefinite" restart="never" nodeType="tmRoot"/>
+      </p:par>
+    </p:tnLst>
+  </p:timing>
 </p:sld>
 </file>
 
@@ -3409,6 +5369,347 @@
   <p:clrMapOvr>
     <a:masterClrMapping/>
   </p:clrMapOvr>
+  <mc:AlternateContent xmlns:mc="http://schemas.openxmlformats.org/markup-compatibility/2006">
+    <mc:Choice xmlns:p14="http://schemas.microsoft.com/office/powerpoint/2010/main" Requires="p14">
+      <p:transition spd="slow" p14:dur="1400">
+        <p14:doors dir="vert"/>
+      </p:transition>
+    </mc:Choice>
+    <mc:Fallback>
+      <p:transition spd="slow">
+        <p:fade/>
+      </p:transition>
+    </mc:Fallback>
+  </mc:AlternateContent>
+  <p:timing>
+    <p:tnLst>
+      <p:par>
+        <p:cTn id="1" dur="indefinite" restart="never" nodeType="tmRoot"/>
+      </p:par>
+    </p:tnLst>
+  </p:timing>
+</p:sld>
+</file>
+
+<file path=ppt/slides/slide20.xml><?xml version="1.0" encoding="utf-8"?>
+<p:sld xmlns:a="http://schemas.openxmlformats.org/drawingml/2006/main" xmlns:r="http://schemas.openxmlformats.org/officeDocument/2006/relationships" xmlns:p="http://schemas.openxmlformats.org/presentationml/2006/main">
+  <p:cSld>
+    <p:spTree>
+      <p:nvGrpSpPr>
+        <p:cNvPr id="1" name=""/>
+        <p:cNvGrpSpPr/>
+        <p:nvPr/>
+      </p:nvGrpSpPr>
+      <p:grpSpPr>
+        <a:xfrm>
+          <a:off x="0" y="0"/>
+          <a:ext cx="0" cy="0"/>
+          <a:chOff x="0" y="0"/>
+          <a:chExt cx="0" cy="0"/>
+        </a:xfrm>
+      </p:grpSpPr>
+      <p:sp>
+        <p:nvSpPr>
+          <p:cNvPr id="2" name="Title 1"/>
+          <p:cNvSpPr>
+            <a:spLocks noGrp="1"/>
+          </p:cNvSpPr>
+          <p:nvPr>
+            <p:ph type="title"/>
+          </p:nvPr>
+        </p:nvSpPr>
+        <p:spPr/>
+        <p:txBody>
+          <a:bodyPr/>
+          <a:lstStyle/>
+          <a:p>
+            <a:r>
+              <a:rPr lang="en-US" altLang="zh-CN" dirty="0" smtClean="0"/>
+              <a:t>Read</a:t>
+            </a:r>
+            <a:r>
+              <a:rPr lang="zh-CN" altLang="en-US" dirty="0" smtClean="0"/>
+              <a:t> </a:t>
+            </a:r>
+            <a:r>
+              <a:rPr lang="zh-CN" altLang="en-US" dirty="0" smtClean="0"/>
+              <a:t>流程</a:t>
+            </a:r>
+            <a:endParaRPr lang="en-US" dirty="0"/>
+          </a:p>
+        </p:txBody>
+      </p:sp>
+      <p:sp>
+        <p:nvSpPr>
+          <p:cNvPr id="3" name="Content Placeholder 2"/>
+          <p:cNvSpPr>
+            <a:spLocks noGrp="1"/>
+          </p:cNvSpPr>
+          <p:nvPr>
+            <p:ph idx="1"/>
+          </p:nvPr>
+        </p:nvSpPr>
+        <p:spPr/>
+        <p:txBody>
+          <a:bodyPr>
+            <a:normAutofit/>
+          </a:bodyPr>
+          <a:lstStyle/>
+          <a:p>
+            <a:r>
+              <a:rPr lang="zh-CN" altLang="en-US" dirty="0"/>
+              <a:t>首先从硬盘的分区表中计算出分区开始的</a:t>
+            </a:r>
+            <a:r>
+              <a:rPr lang="zh-CN" altLang="en-US" dirty="0" smtClean="0"/>
+              <a:t>位置</a:t>
+            </a:r>
+          </a:p>
+          <a:p>
+            <a:r>
+              <a:rPr lang="zh-CN" altLang="en-US" dirty="0"/>
+              <a:t>再读取分区数据区中的第一个扇区（</a:t>
+            </a:r>
+            <a:r>
+              <a:rPr lang="en-US" altLang="zh-CN" dirty="0"/>
+              <a:t>$Boot</a:t>
+            </a:r>
+            <a:r>
+              <a:rPr lang="zh-CN" altLang="en-US" dirty="0"/>
+              <a:t>文件的第一个扇区）从中取得隐藏扇区数目</a:t>
+            </a:r>
+            <a:r>
+              <a:rPr lang="zh-CN" altLang="en-US" dirty="0" smtClean="0"/>
+              <a:t>，</a:t>
+            </a:r>
+            <a:r>
+              <a:rPr lang="zh-CN" altLang="en-US" dirty="0"/>
+              <a:t> </a:t>
+            </a:r>
+            <a:r>
+              <a:rPr lang="en-US" altLang="zh-CN" dirty="0"/>
+              <a:t>$MFT</a:t>
+            </a:r>
+            <a:r>
+              <a:rPr lang="zh-CN" altLang="en-US" dirty="0"/>
+              <a:t>开始的簇号，每簇扇区数，每个</a:t>
+            </a:r>
+            <a:r>
+              <a:rPr lang="en-US" altLang="zh-CN" dirty="0"/>
+              <a:t>MFT</a:t>
+            </a:r>
+            <a:r>
+              <a:rPr lang="zh-CN" altLang="en-US" dirty="0"/>
+              <a:t>记录的尺寸</a:t>
+            </a:r>
+            <a:r>
+              <a:rPr lang="zh-CN" altLang="en-US" dirty="0" smtClean="0"/>
+              <a:t>。</a:t>
+            </a:r>
+          </a:p>
+          <a:p>
+            <a:r>
+              <a:rPr lang="zh-CN" altLang="en-US" dirty="0"/>
+              <a:t>通过这些数据计算出</a:t>
+            </a:r>
+            <a:r>
+              <a:rPr lang="en-US" altLang="zh-CN" dirty="0"/>
+              <a:t>$MFT</a:t>
+            </a:r>
+            <a:r>
+              <a:rPr lang="zh-CN" altLang="en-US" dirty="0"/>
+              <a:t>所在的位置，读取第一个</a:t>
+            </a:r>
+            <a:r>
+              <a:rPr lang="en-US" altLang="zh-CN" dirty="0"/>
+              <a:t>MFT</a:t>
+            </a:r>
+            <a:r>
+              <a:rPr lang="zh-CN" altLang="en-US" dirty="0"/>
+              <a:t>记录，然后按照记录中描述的</a:t>
+            </a:r>
+            <a:r>
+              <a:rPr lang="en-US" altLang="zh-CN" dirty="0"/>
+              <a:t>$MFT</a:t>
+            </a:r>
+            <a:r>
+              <a:rPr lang="zh-CN" altLang="en-US" dirty="0"/>
+              <a:t>文件的存放位置读出文件名为“</a:t>
+            </a:r>
+            <a:r>
+              <a:rPr lang="en-US" altLang="zh-CN" dirty="0"/>
+              <a:t>.”</a:t>
+            </a:r>
+            <a:r>
+              <a:rPr lang="zh-CN" altLang="en-US" dirty="0"/>
+              <a:t>的</a:t>
+            </a:r>
+            <a:r>
+              <a:rPr lang="en-US" altLang="zh-CN" dirty="0"/>
+              <a:t>MFT</a:t>
+            </a:r>
+            <a:r>
+              <a:rPr lang="zh-CN" altLang="en-US" dirty="0"/>
+              <a:t>记录（根目录文件）</a:t>
+            </a:r>
+            <a:r>
+              <a:rPr lang="zh-CN" altLang="en-US" dirty="0" smtClean="0"/>
+              <a:t>。</a:t>
+            </a:r>
+          </a:p>
+          <a:p>
+            <a:r>
+              <a:rPr lang="zh-CN" altLang="en-US" dirty="0"/>
+              <a:t>然后在该记录中搜索要求的目录项。找到以后，获得它的描述在</a:t>
+            </a:r>
+            <a:r>
+              <a:rPr lang="en-US" altLang="zh-CN" dirty="0"/>
+              <a:t>$MFT</a:t>
+            </a:r>
+            <a:r>
+              <a:rPr lang="zh-CN" altLang="en-US" dirty="0"/>
+              <a:t>中的索引，再在其中寻找下级目录的索引</a:t>
+            </a:r>
+            <a:r>
+              <a:rPr lang="en-US" altLang="zh-CN" dirty="0"/>
+              <a:t>……</a:t>
+            </a:r>
+            <a:r>
+              <a:rPr lang="zh-CN" altLang="en-US" dirty="0"/>
+              <a:t>直到找到为止。</a:t>
+            </a:r>
+          </a:p>
+          <a:p>
+            <a:endParaRPr lang="en-US" dirty="0"/>
+          </a:p>
+        </p:txBody>
+      </p:sp>
+    </p:spTree>
+    <p:extLst>
+      <p:ext uri="{BB962C8B-B14F-4D97-AF65-F5344CB8AC3E}">
+        <p14:creationId xmlns:p14="http://schemas.microsoft.com/office/powerpoint/2010/main" val="885745207"/>
+      </p:ext>
+    </p:extLst>
+  </p:cSld>
+  <p:clrMapOvr>
+    <a:masterClrMapping/>
+  </p:clrMapOvr>
+  <p:timing>
+    <p:tnLst>
+      <p:par>
+        <p:cTn id="1" dur="indefinite" restart="never" nodeType="tmRoot"/>
+      </p:par>
+    </p:tnLst>
+  </p:timing>
+</p:sld>
+</file>
+
+<file path=ppt/slides/slide21.xml><?xml version="1.0" encoding="utf-8"?>
+<p:sld xmlns:a="http://schemas.openxmlformats.org/drawingml/2006/main" xmlns:r="http://schemas.openxmlformats.org/officeDocument/2006/relationships" xmlns:p="http://schemas.openxmlformats.org/presentationml/2006/main">
+  <p:cSld>
+    <p:spTree>
+      <p:nvGrpSpPr>
+        <p:cNvPr id="1" name=""/>
+        <p:cNvGrpSpPr/>
+        <p:nvPr/>
+      </p:nvGrpSpPr>
+      <p:grpSpPr>
+        <a:xfrm>
+          <a:off x="0" y="0"/>
+          <a:ext cx="0" cy="0"/>
+          <a:chOff x="0" y="0"/>
+          <a:chExt cx="0" cy="0"/>
+        </a:xfrm>
+      </p:grpSpPr>
+      <p:sp>
+        <p:nvSpPr>
+          <p:cNvPr id="2" name="Title 1"/>
+          <p:cNvSpPr>
+            <a:spLocks noGrp="1"/>
+          </p:cNvSpPr>
+          <p:nvPr>
+            <p:ph type="title"/>
+          </p:nvPr>
+        </p:nvSpPr>
+        <p:spPr/>
+        <p:txBody>
+          <a:bodyPr/>
+          <a:lstStyle/>
+          <a:p>
+            <a:r>
+              <a:rPr lang="zh-CN" altLang="en-US" dirty="0" smtClean="0"/>
+              <a:t>磁盘文件读写</a:t>
+            </a:r>
+            <a:endParaRPr lang="en-US" dirty="0"/>
+          </a:p>
+        </p:txBody>
+      </p:sp>
+      <p:sp>
+        <p:nvSpPr>
+          <p:cNvPr id="3" name="Content Placeholder 2"/>
+          <p:cNvSpPr>
+            <a:spLocks noGrp="1"/>
+          </p:cNvSpPr>
+          <p:nvPr>
+            <p:ph idx="1"/>
+          </p:nvPr>
+        </p:nvSpPr>
+        <p:spPr/>
+        <p:txBody>
+          <a:bodyPr/>
+          <a:lstStyle/>
+          <a:p>
+            <a:r>
+              <a:rPr lang="en-US" dirty="0" err="1"/>
+              <a:t>CreateFile</a:t>
+            </a:r>
+            <a:r>
+              <a:rPr lang="en-US" dirty="0"/>
+              <a:t>()打开磁盘，获取文件句柄；</a:t>
+            </a:r>
+          </a:p>
+          <a:p>
+            <a:r>
+              <a:rPr lang="en-US" dirty="0" err="1"/>
+              <a:t>SetFilePointer</a:t>
+            </a:r>
+            <a:r>
+              <a:rPr lang="en-US" dirty="0"/>
+              <a:t>()设置读写的位置；</a:t>
+            </a:r>
+          </a:p>
+          <a:p>
+            <a:r>
+              <a:rPr lang="en-US" dirty="0" err="1"/>
+              <a:t>ReadFile</a:t>
+            </a:r>
+            <a:r>
+              <a:rPr lang="en-US" dirty="0"/>
+              <a:t>()读取磁盘扇区数据。</a:t>
+            </a:r>
+          </a:p>
+          <a:p>
+            <a:endParaRPr lang="en-US" dirty="0"/>
+          </a:p>
+        </p:txBody>
+      </p:sp>
+    </p:spTree>
+    <p:extLst>
+      <p:ext uri="{BB962C8B-B14F-4D97-AF65-F5344CB8AC3E}">
+        <p14:creationId xmlns:p14="http://schemas.microsoft.com/office/powerpoint/2010/main" val="1624781108"/>
+      </p:ext>
+    </p:extLst>
+  </p:cSld>
+  <p:clrMapOvr>
+    <a:masterClrMapping/>
+  </p:clrMapOvr>
+  <p:timing>
+    <p:tnLst>
+      <p:par>
+        <p:cTn id="1" dur="indefinite" restart="never" nodeType="tmRoot"/>
+      </p:par>
+    </p:tnLst>
+  </p:timing>
 </p:sld>
 </file>
 
@@ -3505,6 +5806,25 @@
   <p:clrMapOvr>
     <a:masterClrMapping/>
   </p:clrMapOvr>
+  <mc:AlternateContent xmlns:mc="http://schemas.openxmlformats.org/markup-compatibility/2006">
+    <mc:Choice xmlns:p14="http://schemas.microsoft.com/office/powerpoint/2010/main" Requires="p14">
+      <p:transition spd="slow" p14:dur="1200">
+        <p14:prism/>
+      </p:transition>
+    </mc:Choice>
+    <mc:Fallback>
+      <p:transition spd="slow">
+        <p:fade/>
+      </p:transition>
+    </mc:Fallback>
+  </mc:AlternateContent>
+  <p:timing>
+    <p:tnLst>
+      <p:par>
+        <p:cTn id="1" dur="indefinite" restart="never" nodeType="tmRoot"/>
+      </p:par>
+    </p:tnLst>
+  </p:timing>
 </p:sld>
 </file>
 
@@ -3681,6 +6001,25 @@
   <p:clrMapOvr>
     <a:masterClrMapping/>
   </p:clrMapOvr>
+  <mc:AlternateContent xmlns:mc="http://schemas.openxmlformats.org/markup-compatibility/2006">
+    <mc:Choice xmlns:p14="http://schemas.microsoft.com/office/powerpoint/2010/main" Requires="p14">
+      <p:transition spd="slow" p14:dur="1400">
+        <p14:doors dir="vert"/>
+      </p:transition>
+    </mc:Choice>
+    <mc:Fallback>
+      <p:transition spd="slow">
+        <p:fade/>
+      </p:transition>
+    </mc:Fallback>
+  </mc:AlternateContent>
+  <p:timing>
+    <p:tnLst>
+      <p:par>
+        <p:cTn id="1" dur="indefinite" restart="never" nodeType="tmRoot"/>
+      </p:par>
+    </p:tnLst>
+  </p:timing>
 </p:sld>
 </file>
 
@@ -3811,6 +6150,21 @@
   <p:clrMapOvr>
     <a:masterClrMapping/>
   </p:clrMapOvr>
+  <mc:AlternateContent xmlns:mc="http://schemas.openxmlformats.org/markup-compatibility/2006">
+    <mc:Choice xmlns:p14="http://schemas.microsoft.com/office/powerpoint/2010/main" Requires="p14">
+      <p:transition p14:dur="0"/>
+    </mc:Choice>
+    <mc:Fallback>
+      <p:transition/>
+    </mc:Fallback>
+  </mc:AlternateContent>
+  <p:timing>
+    <p:tnLst>
+      <p:par>
+        <p:cTn id="1" dur="indefinite" restart="never" nodeType="tmRoot"/>
+      </p:par>
+    </p:tnLst>
+  </p:timing>
 </p:sld>
 </file>
 
@@ -3909,6 +6263,21 @@
   <p:clrMapOvr>
     <a:masterClrMapping/>
   </p:clrMapOvr>
+  <mc:AlternateContent xmlns:mc="http://schemas.openxmlformats.org/markup-compatibility/2006">
+    <mc:Choice xmlns:p14="http://schemas.microsoft.com/office/powerpoint/2010/main" Requires="p14">
+      <p:transition p14:dur="0"/>
+    </mc:Choice>
+    <mc:Fallback>
+      <p:transition/>
+    </mc:Fallback>
+  </mc:AlternateContent>
+  <p:timing>
+    <p:tnLst>
+      <p:par>
+        <p:cTn id="1" dur="indefinite" restart="never" nodeType="tmRoot"/>
+      </p:par>
+    </p:tnLst>
+  </p:timing>
 </p:sld>
 </file>
 
@@ -3931,7 +6300,7 @@
       </p:grpSpPr>
       <p:sp>
         <p:nvSpPr>
-          <p:cNvPr id="2" name="标题 1"/>
+          <p:cNvPr id="2" name="Title 1"/>
           <p:cNvSpPr>
             <a:spLocks noGrp="1"/>
           </p:cNvSpPr>
@@ -3950,15 +6319,34 @@
             </a:r>
             <a:r>
               <a:rPr lang="zh-CN" altLang="en-US" dirty="0" smtClean="0"/>
-              <a:t>原理</a:t>
-            </a:r>
-            <a:endParaRPr lang="zh-CN" altLang="en-US" dirty="0"/>
+              <a:t>文件系统</a:t>
+            </a:r>
+            <a:endParaRPr lang="en-US" dirty="0"/>
+          </a:p>
+        </p:txBody>
+      </p:sp>
+      <p:sp>
+        <p:nvSpPr>
+          <p:cNvPr id="3" name="Text Placeholder 2"/>
+          <p:cNvSpPr>
+            <a:spLocks noGrp="1"/>
+          </p:cNvSpPr>
+          <p:nvPr>
+            <p:ph type="body" idx="1"/>
+          </p:nvPr>
+        </p:nvSpPr>
+        <p:spPr/>
+        <p:txBody>
+          <a:bodyPr/>
+          <a:lstStyle/>
+          <a:p>
+            <a:endParaRPr lang="en-US"/>
           </a:p>
         </p:txBody>
       </p:sp>
       <p:pic>
         <p:nvPicPr>
-          <p:cNvPr id="3" name="图片 2"/>
+          <p:cNvPr id="4" name="图片 4" descr="OS (C:) 属性"/>
           <p:cNvPicPr>
             <a:picLocks noChangeAspect="1"/>
           </p:cNvPicPr>
@@ -3978,108 +6366,7 @@
         </p:blipFill>
         <p:spPr>
           <a:xfrm>
-            <a:off x="1760138" y="2321764"/>
-            <a:ext cx="8671724" cy="2034108"/>
-          </a:xfrm>
-          <a:prstGeom prst="rect">
-            <a:avLst/>
-          </a:prstGeom>
-        </p:spPr>
-      </p:pic>
-      <p:sp>
-        <p:nvSpPr>
-          <p:cNvPr id="4" name="文本框 3"/>
-          <p:cNvSpPr txBox="1"/>
-          <p:nvPr/>
-        </p:nvSpPr>
-        <p:spPr>
-          <a:xfrm>
-            <a:off x="2218112" y="5029201"/>
-            <a:ext cx="7755775" cy="923330"/>
-          </a:xfrm>
-          <a:prstGeom prst="rect">
-            <a:avLst/>
-          </a:prstGeom>
-          <a:noFill/>
-        </p:spPr>
-        <p:txBody>
-          <a:bodyPr wrap="square" rtlCol="0">
-            <a:spAutoFit/>
-          </a:bodyPr>
-          <a:lstStyle/>
-          <a:p>
-            <a:r>
-              <a:rPr lang="en-US" altLang="zh-CN" dirty="0"/>
-              <a:t>MFT</a:t>
-            </a:r>
-            <a:r>
-              <a:rPr lang="zh-CN" altLang="en-US" dirty="0"/>
-              <a:t>为主文件表，在创建</a:t>
-            </a:r>
-            <a:r>
-              <a:rPr lang="en-US" altLang="zh-CN" dirty="0"/>
-              <a:t>NTFS</a:t>
-            </a:r>
-            <a:r>
-              <a:rPr lang="zh-CN" altLang="en-US" dirty="0"/>
-              <a:t>文件系统的时候创建</a:t>
-            </a:r>
-            <a:r>
-              <a:rPr lang="en-US" altLang="zh-CN" dirty="0" smtClean="0"/>
-              <a:t>MFT</a:t>
-            </a:r>
-          </a:p>
-          <a:p>
-            <a:r>
-              <a:rPr lang="en-US" altLang="zh-CN" dirty="0" smtClean="0"/>
-              <a:t>MFT</a:t>
-            </a:r>
-            <a:r>
-              <a:rPr lang="zh-CN" altLang="en-US" dirty="0"/>
-              <a:t>有一个个</a:t>
-            </a:r>
-            <a:r>
-              <a:rPr lang="en-US" altLang="zh-CN" dirty="0"/>
-              <a:t>MFT</a:t>
-            </a:r>
-            <a:r>
-              <a:rPr lang="zh-CN" altLang="en-US" dirty="0"/>
-              <a:t>项组成，每个</a:t>
-            </a:r>
-            <a:r>
-              <a:rPr lang="en-US" altLang="zh-CN" dirty="0"/>
-              <a:t>MFT</a:t>
-            </a:r>
-            <a:r>
-              <a:rPr lang="zh-CN" altLang="en-US" dirty="0"/>
-              <a:t>项其实就是一个文件记录，其中保存这各种文件和目录的信息。</a:t>
-            </a:r>
-          </a:p>
-        </p:txBody>
-      </p:sp>
-      <p:pic>
-        <p:nvPicPr>
-          <p:cNvPr id="5" name="图片 4" descr="OS (C:) 属性"/>
-          <p:cNvPicPr>
-            <a:picLocks noChangeAspect="1"/>
-          </p:cNvPicPr>
-          <p:nvPr/>
-        </p:nvPicPr>
-        <p:blipFill>
-          <a:blip r:embed="rId3">
-            <a:extLst>
-              <a:ext uri="{28A0092B-C50C-407E-A947-70E740481C1C}">
-                <a14:useLocalDpi xmlns:a14="http://schemas.microsoft.com/office/drawing/2010/main" val="0"/>
-              </a:ext>
-            </a:extLst>
-          </a:blip>
-          <a:stretch>
-            <a:fillRect/>
-          </a:stretch>
-        </p:blipFill>
-        <p:spPr>
-          <a:xfrm>
-            <a:off x="7432242" y="649191"/>
+            <a:off x="7424829" y="383184"/>
             <a:ext cx="4143953" cy="5925377"/>
           </a:xfrm>
           <a:prstGeom prst="rect">
@@ -4090,13 +6377,398 @@
     </p:spTree>
     <p:extLst>
       <p:ext uri="{BB962C8B-B14F-4D97-AF65-F5344CB8AC3E}">
-        <p14:creationId xmlns:p14="http://schemas.microsoft.com/office/powerpoint/2010/main" val="465495358"/>
+        <p14:creationId xmlns:p14="http://schemas.microsoft.com/office/powerpoint/2010/main" val="1485135395"/>
       </p:ext>
     </p:extLst>
   </p:cSld>
   <p:clrMapOvr>
     <a:masterClrMapping/>
   </p:clrMapOvr>
+  <mc:AlternateContent xmlns:mc="http://schemas.openxmlformats.org/markup-compatibility/2006">
+    <mc:Choice xmlns:p14="http://schemas.microsoft.com/office/powerpoint/2010/main" Requires="p14">
+      <p:transition spd="slow" p14:dur="1200">
+        <p14:prism/>
+      </p:transition>
+    </mc:Choice>
+    <mc:Fallback>
+      <p:transition spd="slow">
+        <p:fade/>
+      </p:transition>
+    </mc:Fallback>
+  </mc:AlternateContent>
+  <p:timing>
+    <p:tnLst>
+      <p:par>
+        <p:cTn id="1" dur="indefinite" restart="never" nodeType="tmRoot">
+          <p:childTnLst>
+            <p:seq concurrent="1" nextAc="seek">
+              <p:cTn id="2" dur="indefinite" nodeType="mainSeq">
+                <p:childTnLst>
+                  <p:par>
+                    <p:cTn id="3" fill="hold">
+                      <p:stCondLst>
+                        <p:cond delay="indefinite"/>
+                      </p:stCondLst>
+                      <p:childTnLst>
+                        <p:par>
+                          <p:cTn id="4" fill="hold">
+                            <p:stCondLst>
+                              <p:cond delay="0"/>
+                            </p:stCondLst>
+                            <p:childTnLst>
+                              <p:par>
+                                <p:cTn id="5" presetID="43" presetClass="entr" presetSubtype="0" fill="hold" nodeType="clickEffect">
+                                  <p:stCondLst>
+                                    <p:cond delay="0"/>
+                                  </p:stCondLst>
+                                  <p:childTnLst>
+                                    <p:set>
+                                      <p:cBhvr>
+                                        <p:cTn id="6" dur="1" fill="hold">
+                                          <p:stCondLst>
+                                            <p:cond delay="0"/>
+                                          </p:stCondLst>
+                                        </p:cTn>
+                                        <p:tgtEl>
+                                          <p:spTgt spid="4"/>
+                                        </p:tgtEl>
+                                        <p:attrNameLst>
+                                          <p:attrName>style.visibility</p:attrName>
+                                        </p:attrNameLst>
+                                      </p:cBhvr>
+                                      <p:to>
+                                        <p:strVal val="visible"/>
+                                      </p:to>
+                                    </p:set>
+                                    <p:animEffect transition="in" filter="fade">
+                                      <p:cBhvr>
+                                        <p:cTn id="7" dur="100"/>
+                                        <p:tgtEl>
+                                          <p:spTgt spid="4"/>
+                                        </p:tgtEl>
+                                      </p:cBhvr>
+                                    </p:animEffect>
+                                    <p:anim calcmode="lin" valueType="num">
+                                      <p:cBhvr>
+                                        <p:cTn id="8" dur="400" fill="hold"/>
+                                        <p:tgtEl>
+                                          <p:spTgt spid="4"/>
+                                        </p:tgtEl>
+                                        <p:attrNameLst>
+                                          <p:attrName>ppt_x</p:attrName>
+                                        </p:attrNameLst>
+                                      </p:cBhvr>
+                                      <p:tavLst>
+                                        <p:tav tm="0">
+                                          <p:val>
+                                            <p:strVal val="#ppt_x"/>
+                                          </p:val>
+                                        </p:tav>
+                                        <p:tav tm="100000">
+                                          <p:val>
+                                            <p:strVal val="#ppt_x"/>
+                                          </p:val>
+                                        </p:tav>
+                                      </p:tavLst>
+                                    </p:anim>
+                                    <p:anim calcmode="lin" valueType="num">
+                                      <p:cBhvr>
+                                        <p:cTn id="9" dur="400" fill="hold"/>
+                                        <p:tgtEl>
+                                          <p:spTgt spid="4"/>
+                                        </p:tgtEl>
+                                        <p:attrNameLst>
+                                          <p:attrName>ppt_y</p:attrName>
+                                        </p:attrNameLst>
+                                      </p:cBhvr>
+                                      <p:tavLst>
+                                        <p:tav tm="0">
+                                          <p:val>
+                                            <p:strVal val="#ppt_y+0.31"/>
+                                          </p:val>
+                                        </p:tav>
+                                        <p:tav tm="100000">
+                                          <p:val>
+                                            <p:strVal val="#ppt_y+0.31"/>
+                                          </p:val>
+                                        </p:tav>
+                                      </p:tavLst>
+                                    </p:anim>
+                                    <p:anim calcmode="lin" valueType="num">
+                                      <p:cBhvr>
+                                        <p:cTn id="10" dur="600" decel="50000" fill="hold">
+                                          <p:stCondLst>
+                                            <p:cond delay="400"/>
+                                          </p:stCondLst>
+                                        </p:cTn>
+                                        <p:tgtEl>
+                                          <p:spTgt spid="4"/>
+                                        </p:tgtEl>
+                                        <p:attrNameLst>
+                                          <p:attrName>ppt_x</p:attrName>
+                                        </p:attrNameLst>
+                                      </p:cBhvr>
+                                      <p:tavLst>
+                                        <p:tav tm="0">
+                                          <p:val>
+                                            <p:strVal val="#ppt_x"/>
+                                          </p:val>
+                                        </p:tav>
+                                        <p:tav tm="5000">
+                                          <p:val>
+                                            <p:strVal val="#ppt_x+0.0242"/>
+                                          </p:val>
+                                        </p:tav>
+                                        <p:tav tm="10000">
+                                          <p:val>
+                                            <p:strVal val="#ppt_x+0.0479"/>
+                                          </p:val>
+                                        </p:tav>
+                                        <p:tav tm="15000">
+                                          <p:val>
+                                            <p:strVal val="#ppt_x+0.0704"/>
+                                          </p:val>
+                                        </p:tav>
+                                        <p:tav tm="20000">
+                                          <p:val>
+                                            <p:strVal val="#ppt_x+0.0911"/>
+                                          </p:val>
+                                        </p:tav>
+                                        <p:tav tm="25000">
+                                          <p:val>
+                                            <p:strVal val="#ppt_x+0.1096"/>
+                                          </p:val>
+                                        </p:tav>
+                                        <p:tav tm="30000">
+                                          <p:val>
+                                            <p:strVal val="#ppt_x+0.1254"/>
+                                          </p:val>
+                                        </p:tav>
+                                        <p:tav tm="35000">
+                                          <p:val>
+                                            <p:strVal val="#ppt_x+0.1381"/>
+                                          </p:val>
+                                        </p:tav>
+                                        <p:tav tm="40000">
+                                          <p:val>
+                                            <p:strVal val="#ppt_x+0.1474"/>
+                                          </p:val>
+                                        </p:tav>
+                                        <p:tav tm="45000">
+                                          <p:val>
+                                            <p:strVal val="#ppt_x+0.1531"/>
+                                          </p:val>
+                                        </p:tav>
+                                        <p:tav tm="50000">
+                                          <p:val>
+                                            <p:strVal val="#ppt_x+0.1550"/>
+                                          </p:val>
+                                        </p:tav>
+                                        <p:tav tm="55000">
+                                          <p:val>
+                                            <p:strVal val="#ppt_x+0.1531"/>
+                                          </p:val>
+                                        </p:tav>
+                                        <p:tav tm="60000">
+                                          <p:val>
+                                            <p:strVal val="#ppt_x+0.1474"/>
+                                          </p:val>
+                                        </p:tav>
+                                        <p:tav tm="65000">
+                                          <p:val>
+                                            <p:strVal val="#ppt_x+0.1381"/>
+                                          </p:val>
+                                        </p:tav>
+                                        <p:tav tm="70000">
+                                          <p:val>
+                                            <p:strVal val="#ppt_x+0.1254"/>
+                                          </p:val>
+                                        </p:tav>
+                                        <p:tav tm="75000">
+                                          <p:val>
+                                            <p:strVal val="#ppt_x+0.1096"/>
+                                          </p:val>
+                                        </p:tav>
+                                        <p:tav tm="80000">
+                                          <p:val>
+                                            <p:strVal val="#ppt_x+0.0911"/>
+                                          </p:val>
+                                        </p:tav>
+                                        <p:tav tm="85000">
+                                          <p:val>
+                                            <p:strVal val="#ppt_x+0.0704"/>
+                                          </p:val>
+                                        </p:tav>
+                                        <p:tav tm="90000">
+                                          <p:val>
+                                            <p:strVal val="#ppt_x+0.0479"/>
+                                          </p:val>
+                                        </p:tav>
+                                        <p:tav tm="95000">
+                                          <p:val>
+                                            <p:strVal val="#ppt_x+0.0242"/>
+                                          </p:val>
+                                        </p:tav>
+                                        <p:tav tm="100000">
+                                          <p:val>
+                                            <p:strVal val="#ppt_x"/>
+                                          </p:val>
+                                        </p:tav>
+                                      </p:tavLst>
+                                    </p:anim>
+                                    <p:anim calcmode="lin" valueType="num">
+                                      <p:cBhvr>
+                                        <p:cTn id="11" dur="600" decel="50000" fill="hold">
+                                          <p:stCondLst>
+                                            <p:cond delay="400"/>
+                                          </p:stCondLst>
+                                        </p:cTn>
+                                        <p:tgtEl>
+                                          <p:spTgt spid="4"/>
+                                        </p:tgtEl>
+                                        <p:attrNameLst>
+                                          <p:attrName>ppt_y</p:attrName>
+                                        </p:attrNameLst>
+                                      </p:cBhvr>
+                                      <p:tavLst>
+                                        <p:tav tm="0">
+                                          <p:val>
+                                            <p:strVal val="#ppt_y+0.31"/>
+                                          </p:val>
+                                        </p:tav>
+                                        <p:tav tm="5000">
+                                          <p:val>
+                                            <p:strVal val="#ppt_y+0.308"/>
+                                          </p:val>
+                                        </p:tav>
+                                        <p:tav tm="10000">
+                                          <p:val>
+                                            <p:strVal val="#ppt_y+0.3024"/>
+                                          </p:val>
+                                        </p:tav>
+                                        <p:tav tm="15000">
+                                          <p:val>
+                                            <p:strVal val="#ppt_y+0.2931"/>
+                                          </p:val>
+                                        </p:tav>
+                                        <p:tav tm="20000">
+                                          <p:val>
+                                            <p:strVal val="#ppt_y+0.2804"/>
+                                          </p:val>
+                                        </p:tav>
+                                        <p:tav tm="25000">
+                                          <p:val>
+                                            <p:strVal val="#ppt_y+0.2646"/>
+                                          </p:val>
+                                        </p:tav>
+                                        <p:tav tm="30000">
+                                          <p:val>
+                                            <p:strVal val="#ppt_y+0.2461"/>
+                                          </p:val>
+                                        </p:tav>
+                                        <p:tav tm="35000">
+                                          <p:val>
+                                            <p:strVal val="#ppt_y+0.2253"/>
+                                          </p:val>
+                                        </p:tav>
+                                        <p:tav tm="40000">
+                                          <p:val>
+                                            <p:strVal val="#ppt_y+0.2029"/>
+                                          </p:val>
+                                        </p:tav>
+                                        <p:tav tm="45000">
+                                          <p:val>
+                                            <p:strVal val="#ppt_y+0.1792"/>
+                                          </p:val>
+                                        </p:tav>
+                                        <p:tav tm="50000">
+                                          <p:val>
+                                            <p:strVal val="#ppt_y+0.155"/>
+                                          </p:val>
+                                        </p:tav>
+                                        <p:tav tm="55000">
+                                          <p:val>
+                                            <p:strVal val="#ppt_y+0.1307"/>
+                                          </p:val>
+                                        </p:tav>
+                                        <p:tav tm="60000">
+                                          <p:val>
+                                            <p:strVal val="#ppt_y+0.1071"/>
+                                          </p:val>
+                                        </p:tav>
+                                        <p:tav tm="65000">
+                                          <p:val>
+                                            <p:strVal val="#ppt_y+0.0846"/>
+                                          </p:val>
+                                        </p:tav>
+                                        <p:tav tm="70000">
+                                          <p:val>
+                                            <p:strVal val="#ppt_y+0.0639"/>
+                                          </p:val>
+                                        </p:tav>
+                                        <p:tav tm="75000">
+                                          <p:val>
+                                            <p:strVal val="#ppt_y+0.0454"/>
+                                          </p:val>
+                                        </p:tav>
+                                        <p:tav tm="80000">
+                                          <p:val>
+                                            <p:strVal val="#ppt_y+0.0296"/>
+                                          </p:val>
+                                        </p:tav>
+                                        <p:tav tm="85000">
+                                          <p:val>
+                                            <p:strVal val="#ppt_y+0.0169"/>
+                                          </p:val>
+                                        </p:tav>
+                                        <p:tav tm="90000">
+                                          <p:val>
+                                            <p:strVal val="#ppt_y+0.0076"/>
+                                          </p:val>
+                                        </p:tav>
+                                        <p:tav tm="95000">
+                                          <p:val>
+                                            <p:strVal val="#ppt_y+0.0019"/>
+                                          </p:val>
+                                        </p:tav>
+                                        <p:tav tm="100000">
+                                          <p:val>
+                                            <p:strVal val="#ppt_y"/>
+                                          </p:val>
+                                        </p:tav>
+                                      </p:tavLst>
+                                    </p:anim>
+                                  </p:childTnLst>
+                                </p:cTn>
+                              </p:par>
+                            </p:childTnLst>
+                          </p:cTn>
+                        </p:par>
+                      </p:childTnLst>
+                    </p:cTn>
+                  </p:par>
+                </p:childTnLst>
+              </p:cTn>
+              <p:prevCondLst>
+                <p:cond evt="onPrev" delay="0">
+                  <p:tgtEl>
+                    <p:sldTgt/>
+                  </p:tgtEl>
+                </p:cond>
+              </p:prevCondLst>
+              <p:nextCondLst>
+                <p:cond evt="onNext" delay="0">
+                  <p:tgtEl>
+                    <p:sldTgt/>
+                  </p:tgtEl>
+                </p:cond>
+              </p:nextCondLst>
+            </p:seq>
+          </p:childTnLst>
+        </p:cTn>
+      </p:par>
+    </p:tnLst>
+  </p:timing>
 </p:sld>
 </file>
 
@@ -4119,7 +6791,7 @@
       </p:grpSpPr>
       <p:sp>
         <p:nvSpPr>
-          <p:cNvPr id="2" name="标题 1"/>
+          <p:cNvPr id="2" name="Title 1"/>
           <p:cNvSpPr>
             <a:spLocks noGrp="1"/>
           </p:cNvSpPr>
@@ -4132,13 +6804,17 @@
           <a:bodyPr/>
           <a:lstStyle/>
           <a:p>
-            <a:endParaRPr lang="zh-CN" altLang="en-US"/>
-          </a:p>
-        </p:txBody>
-      </p:sp>
-      <p:sp>
-        <p:nvSpPr>
-          <p:cNvPr id="3" name="内容占位符 2"/>
+            <a:r>
+              <a:rPr lang="zh-CN" altLang="en-US" dirty="0"/>
+              <a:t>获取磁盘所有驱动器</a:t>
+            </a:r>
+            <a:endParaRPr lang="en-US" dirty="0"/>
+          </a:p>
+        </p:txBody>
+      </p:sp>
+      <p:sp>
+        <p:nvSpPr>
+          <p:cNvPr id="3" name="Content Placeholder 2"/>
           <p:cNvSpPr>
             <a:spLocks noGrp="1"/>
           </p:cNvSpPr>
@@ -4151,39 +6827,107 @@
           <a:bodyPr/>
           <a:lstStyle/>
           <a:p>
-            <a:endParaRPr lang="zh-CN" altLang="en-US"/>
-          </a:p>
-        </p:txBody>
-      </p:sp>
-      <p:sp>
-        <p:nvSpPr>
-          <p:cNvPr id="4" name="文本占位符 3"/>
-          <p:cNvSpPr>
-            <a:spLocks noGrp="1"/>
-          </p:cNvSpPr>
-          <p:nvPr>
-            <p:ph type="body" sz="half" idx="2"/>
-          </p:nvPr>
-        </p:nvSpPr>
-        <p:spPr/>
-        <p:txBody>
-          <a:bodyPr/>
-          <a:lstStyle/>
-          <a:p>
-            <a:endParaRPr lang="zh-CN" altLang="en-US"/>
+            <a:endParaRPr lang="zh-CN" altLang="en-US" dirty="0" smtClean="0"/>
+          </a:p>
+          <a:p>
+            <a:endParaRPr lang="zh-CN" altLang="en-US" dirty="0"/>
+          </a:p>
+          <a:p>
+            <a:r>
+              <a:rPr lang="en-US" dirty="0" smtClean="0"/>
+              <a:t>DWORD </a:t>
+            </a:r>
+            <a:r>
+              <a:rPr lang="en-US" dirty="0" err="1"/>
+              <a:t>allDrive</a:t>
+            </a:r>
+            <a:r>
+              <a:rPr lang="en-US" dirty="0"/>
+              <a:t> =</a:t>
+            </a:r>
+            <a:r>
+              <a:rPr lang="en-US" dirty="0"/>
+              <a:t> </a:t>
+            </a:r>
+            <a:r>
+              <a:rPr lang="en-US" dirty="0" err="1"/>
+              <a:t>GetLogicalDrive</a:t>
+            </a:r>
+            <a:r>
+              <a:rPr lang="en-US" dirty="0"/>
+              <a:t>(). </a:t>
+            </a:r>
+            <a:endParaRPr lang="zh-CN" altLang="en-US" dirty="0" smtClean="0"/>
+          </a:p>
+          <a:p>
+            <a:r>
+              <a:rPr lang="en-US" dirty="0" smtClean="0"/>
+              <a:t>// </a:t>
+            </a:r>
+            <a:r>
+              <a:rPr lang="en-US" dirty="0"/>
+              <a:t>返回值共有 32 </a:t>
+            </a:r>
+            <a:r>
+              <a:rPr lang="en-US" dirty="0" err="1"/>
+              <a:t>Bits，从低位到高位分别表示A,B,C,D,E</a:t>
+            </a:r>
+            <a:r>
+              <a:rPr lang="en-US" dirty="0" smtClean="0"/>
+              <a:t>,.....</a:t>
+            </a:r>
+            <a:endParaRPr lang="zh-CN" altLang="en-US" dirty="0" smtClean="0"/>
+          </a:p>
+          <a:p>
+            <a:r>
+              <a:rPr lang="en-US" dirty="0" smtClean="0"/>
+              <a:t> </a:t>
+            </a:r>
+            <a:r>
+              <a:rPr lang="en-US" dirty="0"/>
+              <a:t>// 比如0x0000 007C, 即 01111100, </a:t>
+            </a:r>
+            <a:r>
+              <a:rPr lang="en-US" dirty="0" err="1"/>
+              <a:t>表示有C,D,E,F,G</a:t>
+            </a:r>
+            <a:r>
+              <a:rPr lang="en-US" dirty="0"/>
+              <a:t> 共5个驱动器;</a:t>
+            </a:r>
+            <a:endParaRPr lang="en-US" dirty="0"/>
           </a:p>
         </p:txBody>
       </p:sp>
     </p:spTree>
     <p:extLst>
       <p:ext uri="{BB962C8B-B14F-4D97-AF65-F5344CB8AC3E}">
-        <p14:creationId xmlns:p14="http://schemas.microsoft.com/office/powerpoint/2010/main" val="522082204"/>
+        <p14:creationId xmlns:p14="http://schemas.microsoft.com/office/powerpoint/2010/main" val="910480511"/>
       </p:ext>
     </p:extLst>
   </p:cSld>
   <p:clrMapOvr>
     <a:masterClrMapping/>
   </p:clrMapOvr>
+  <mc:AlternateContent xmlns:mc="http://schemas.openxmlformats.org/markup-compatibility/2006">
+    <mc:Choice xmlns:p14="http://schemas.microsoft.com/office/powerpoint/2010/main" Requires="p14">
+      <p:transition spd="slow" p14:dur="1400">
+        <p14:doors dir="vert"/>
+      </p:transition>
+    </mc:Choice>
+    <mc:Fallback>
+      <p:transition spd="slow">
+        <p:fade/>
+      </p:transition>
+    </mc:Fallback>
+  </mc:AlternateContent>
+  <p:timing>
+    <p:tnLst>
+      <p:par>
+        <p:cTn id="1" dur="indefinite" restart="never" nodeType="tmRoot"/>
+      </p:par>
+    </p:tnLst>
+  </p:timing>
 </p:sld>
 </file>
 
@@ -4221,50 +6965,248 @@
           <a:p>
             <a:r>
               <a:rPr lang="en-US" altLang="zh-CN" dirty="0" smtClean="0"/>
-              <a:t>FAT</a:t>
+              <a:t>NTFS</a:t>
+            </a:r>
+            <a:r>
+              <a:rPr lang="zh-CN" altLang="en-US" dirty="0"/>
+              <a:t>文件</a:t>
             </a:r>
             <a:r>
               <a:rPr lang="zh-CN" altLang="en-US" dirty="0" smtClean="0"/>
-              <a:t>原理</a:t>
+              <a:t>系统</a:t>
+            </a:r>
+            <a:r>
+              <a:rPr lang="zh-CN" altLang="en-US" dirty="0" smtClean="0"/>
+              <a:t>分区</a:t>
             </a:r>
             <a:endParaRPr lang="zh-CN" altLang="en-US" dirty="0"/>
           </a:p>
         </p:txBody>
       </p:sp>
-      <p:pic>
-        <p:nvPicPr>
-          <p:cNvPr id="3" name="图片 2"/>
-          <p:cNvPicPr>
-            <a:picLocks noChangeAspect="1"/>
-          </p:cNvPicPr>
-          <p:nvPr/>
-        </p:nvPicPr>
-        <p:blipFill>
-          <a:blip r:embed="rId2"/>
-          <a:stretch>
-            <a:fillRect/>
-          </a:stretch>
-        </p:blipFill>
-        <p:spPr>
-          <a:xfrm>
-            <a:off x="2172854" y="3076973"/>
-            <a:ext cx="7846292" cy="1703677"/>
-          </a:xfrm>
-          <a:prstGeom prst="rect">
-            <a:avLst/>
-          </a:prstGeom>
-        </p:spPr>
-      </p:pic>
+      <p:sp>
+        <p:nvSpPr>
+          <p:cNvPr id="3" name="内容占位符 2"/>
+          <p:cNvSpPr>
+            <a:spLocks noGrp="1"/>
+          </p:cNvSpPr>
+          <p:nvPr>
+            <p:ph idx="1"/>
+          </p:nvPr>
+        </p:nvSpPr>
+        <p:spPr/>
+        <p:txBody>
+          <a:bodyPr>
+            <a:normAutofit/>
+          </a:bodyPr>
+          <a:lstStyle/>
+          <a:p>
+            <a:r>
+              <a:rPr lang="en-US" altLang="zh-CN" dirty="0"/>
+              <a:t>NTFS</a:t>
+            </a:r>
+            <a:r>
+              <a:rPr lang="zh-CN" altLang="en-US" dirty="0"/>
+              <a:t>文件系统使用逻辑簇号（</a:t>
+            </a:r>
+            <a:r>
+              <a:rPr lang="en-US" altLang="zh-CN" dirty="0"/>
+              <a:t>LCN</a:t>
+            </a:r>
+            <a:r>
+              <a:rPr lang="zh-CN" altLang="en-US" dirty="0"/>
+              <a:t>）和虚拟簇号（</a:t>
+            </a:r>
+            <a:r>
+              <a:rPr lang="en-US" altLang="zh-CN" dirty="0"/>
+              <a:t>VCN</a:t>
+            </a:r>
+            <a:r>
+              <a:rPr lang="zh-CN" altLang="en-US" dirty="0"/>
+              <a:t>）对分区进行管理</a:t>
+            </a:r>
+            <a:r>
+              <a:rPr lang="zh-CN" altLang="en-US" dirty="0" smtClean="0"/>
+              <a:t>。</a:t>
+            </a:r>
+          </a:p>
+          <a:p>
+            <a:r>
+              <a:rPr lang="zh-CN" altLang="en-US" dirty="0"/>
+              <a:t>在一个分区中引导记录扇区所在的簇编号为</a:t>
+            </a:r>
+            <a:r>
+              <a:rPr lang="en-US" altLang="zh-CN" dirty="0"/>
+              <a:t>0</a:t>
+            </a:r>
+            <a:r>
+              <a:rPr lang="zh-CN" altLang="en-US" dirty="0"/>
+              <a:t>，往后的簇编号</a:t>
+            </a:r>
+            <a:r>
+              <a:rPr lang="en-US" altLang="zh-CN" dirty="0"/>
+              <a:t>1,2,3</a:t>
+            </a:r>
+            <a:r>
+              <a:rPr lang="zh-CN" altLang="en-US" dirty="0"/>
+              <a:t>等等一直到卷尾，这就是一个分区的逻辑簇号</a:t>
+            </a:r>
+            <a:r>
+              <a:rPr lang="en-US" altLang="zh-CN" dirty="0"/>
+              <a:t>(LCN)</a:t>
+            </a:r>
+            <a:r>
+              <a:rPr lang="zh-CN" altLang="en-US" dirty="0"/>
+              <a:t>；计算</a:t>
+            </a:r>
+          </a:p>
+          <a:p>
+            <a:r>
+              <a:rPr lang="zh-CN" altLang="en-US" dirty="0"/>
+              <a:t>逻辑扇区号：</a:t>
+            </a:r>
+            <a:r>
+              <a:rPr lang="en-US" altLang="zh-CN" dirty="0"/>
+              <a:t>LCN * </a:t>
+            </a:r>
+            <a:r>
+              <a:rPr lang="zh-CN" altLang="en-US" dirty="0"/>
+              <a:t>簇大小，簇的大小在</a:t>
+            </a:r>
+            <a:r>
+              <a:rPr lang="en-US" altLang="zh-CN" dirty="0"/>
+              <a:t>BPB</a:t>
+            </a:r>
+            <a:r>
+              <a:rPr lang="zh-CN" altLang="en-US" dirty="0"/>
+              <a:t>参数中找到，一般为</a:t>
+            </a:r>
+            <a:r>
+              <a:rPr lang="en-US" altLang="zh-CN" dirty="0"/>
+              <a:t>8</a:t>
+            </a:r>
+            <a:r>
+              <a:rPr lang="zh-CN" altLang="en-US" dirty="0"/>
+              <a:t>个扇区</a:t>
+            </a:r>
+            <a:r>
+              <a:rPr lang="en-US" altLang="zh-CN" dirty="0"/>
+              <a:t>4KB</a:t>
+            </a:r>
+            <a:r>
+              <a:rPr lang="zh-CN" altLang="en-US" dirty="0"/>
+              <a:t>；以此可以由 </a:t>
+            </a:r>
+            <a:r>
+              <a:rPr lang="en-US" altLang="zh-CN" dirty="0"/>
+              <a:t>MFT </a:t>
+            </a:r>
+            <a:r>
+              <a:rPr lang="zh-CN" altLang="en-US" dirty="0"/>
+              <a:t>起始簇 </a:t>
+            </a:r>
+            <a:r>
+              <a:rPr lang="en-US" altLang="zh-CN" dirty="0" err="1"/>
+              <a:t>MFT_startClu</a:t>
+            </a:r>
+            <a:r>
+              <a:rPr lang="en-US" altLang="zh-CN" dirty="0"/>
+              <a:t> </a:t>
+            </a:r>
+            <a:r>
+              <a:rPr lang="zh-CN" altLang="en-US" dirty="0" smtClean="0"/>
+              <a:t>计算出</a:t>
+            </a:r>
+            <a:r>
+              <a:rPr lang="zh-CN" altLang="en-US" dirty="0"/>
+              <a:t>第一个 </a:t>
+            </a:r>
+            <a:r>
+              <a:rPr lang="en-US" altLang="zh-CN" dirty="0"/>
+              <a:t>MFT </a:t>
+            </a:r>
+            <a:r>
+              <a:rPr lang="zh-CN" altLang="en-US" dirty="0"/>
+              <a:t>项</a:t>
+            </a:r>
+            <a:r>
+              <a:rPr lang="en-US" altLang="zh-CN" dirty="0"/>
+              <a:t>(</a:t>
+            </a:r>
+            <a:r>
+              <a:rPr lang="zh-CN" altLang="en-US" dirty="0"/>
+              <a:t>记录</a:t>
+            </a:r>
+            <a:r>
+              <a:rPr lang="en-US" altLang="zh-CN" dirty="0"/>
+              <a:t>)</a:t>
+            </a:r>
+            <a:r>
+              <a:rPr lang="zh-CN" altLang="en-US" dirty="0"/>
+              <a:t>的位置。</a:t>
+            </a:r>
+          </a:p>
+          <a:p>
+            <a:r>
+              <a:rPr lang="en-US" altLang="zh-CN" dirty="0" smtClean="0"/>
+              <a:t>VCN</a:t>
+            </a:r>
+            <a:r>
+              <a:rPr lang="zh-CN" altLang="en-US" dirty="0"/>
+              <a:t>，虚拟簇号，给一个文件从它的首簇开始编号，为</a:t>
+            </a:r>
+            <a:r>
+              <a:rPr lang="en-US" altLang="zh-CN" dirty="0"/>
+              <a:t>0</a:t>
+            </a:r>
+            <a:r>
+              <a:rPr lang="zh-CN" altLang="en-US" dirty="0"/>
+              <a:t>，依次递增一直到文件的尾簇，在物理上不一定连续。</a:t>
+            </a:r>
+          </a:p>
+          <a:p>
+            <a:endParaRPr lang="zh-CN" altLang="en-US" dirty="0" smtClean="0"/>
+          </a:p>
+          <a:p>
+            <a:endParaRPr lang="zh-CN" altLang="en-US" dirty="0"/>
+          </a:p>
+        </p:txBody>
+      </p:sp>
+      <p:sp>
+        <p:nvSpPr>
+          <p:cNvPr id="4" name="文本占位符 3"/>
+          <p:cNvSpPr>
+            <a:spLocks noGrp="1"/>
+          </p:cNvSpPr>
+          <p:nvPr>
+            <p:ph type="body" sz="half" idx="2"/>
+          </p:nvPr>
+        </p:nvSpPr>
+        <p:spPr/>
+        <p:txBody>
+          <a:bodyPr/>
+          <a:lstStyle/>
+          <a:p>
+            <a:endParaRPr lang="zh-CN" altLang="en-US" dirty="0"/>
+          </a:p>
+        </p:txBody>
+      </p:sp>
     </p:spTree>
     <p:extLst>
       <p:ext uri="{BB962C8B-B14F-4D97-AF65-F5344CB8AC3E}">
-        <p14:creationId xmlns:p14="http://schemas.microsoft.com/office/powerpoint/2010/main" val="489036089"/>
+        <p14:creationId xmlns:p14="http://schemas.microsoft.com/office/powerpoint/2010/main" val="522082204"/>
       </p:ext>
     </p:extLst>
   </p:cSld>
   <p:clrMapOvr>
     <a:masterClrMapping/>
   </p:clrMapOvr>
+  <p:timing>
+    <p:tnLst>
+      <p:par>
+        <p:cTn id="1" dur="indefinite" restart="never" nodeType="tmRoot"/>
+      </p:par>
+    </p:tnLst>
+  </p:timing>
 </p:sld>
 </file>
 

--- a/Windows Fs.pptx
+++ b/Windows Fs.pptx
@@ -10,22 +10,21 @@
     <p:sldId id="257" r:id="rId4"/>
     <p:sldId id="258" r:id="rId5"/>
     <p:sldId id="260" r:id="rId6"/>
-    <p:sldId id="261" r:id="rId7"/>
-    <p:sldId id="268" r:id="rId8"/>
-    <p:sldId id="269" r:id="rId9"/>
-    <p:sldId id="264" r:id="rId10"/>
-    <p:sldId id="262" r:id="rId11"/>
-    <p:sldId id="270" r:id="rId12"/>
-    <p:sldId id="266" r:id="rId13"/>
-    <p:sldId id="265" r:id="rId14"/>
-    <p:sldId id="272" r:id="rId15"/>
-    <p:sldId id="275" r:id="rId16"/>
-    <p:sldId id="277" r:id="rId17"/>
-    <p:sldId id="276" r:id="rId18"/>
-    <p:sldId id="273" r:id="rId19"/>
-    <p:sldId id="271" r:id="rId20"/>
-    <p:sldId id="278" r:id="rId21"/>
-    <p:sldId id="274" r:id="rId22"/>
+    <p:sldId id="268" r:id="rId7"/>
+    <p:sldId id="269" r:id="rId8"/>
+    <p:sldId id="264" r:id="rId9"/>
+    <p:sldId id="262" r:id="rId10"/>
+    <p:sldId id="270" r:id="rId11"/>
+    <p:sldId id="266" r:id="rId12"/>
+    <p:sldId id="265" r:id="rId13"/>
+    <p:sldId id="272" r:id="rId14"/>
+    <p:sldId id="275" r:id="rId15"/>
+    <p:sldId id="277" r:id="rId16"/>
+    <p:sldId id="276" r:id="rId17"/>
+    <p:sldId id="273" r:id="rId18"/>
+    <p:sldId id="271" r:id="rId19"/>
+    <p:sldId id="278" r:id="rId20"/>
+    <p:sldId id="274" r:id="rId21"/>
   </p:sldIdLst>
   <p:sldSz cx="12192000" cy="6858000"/>
   <p:notesSz cx="6858000" cy="9144000"/>
@@ -295,7 +294,7 @@
           <a:p>
             <a:fld id="{1160EA64-D806-43AC-9DF2-F8C432F32B4C}" type="datetimeFigureOut">
               <a:rPr lang="en-US" dirty="0"/>
-              <a:t>10/18/17</a:t>
+              <a:t>10/25/2017</a:t>
             </a:fld>
             <a:endParaRPr lang="en-US" dirty="0"/>
           </a:p>
@@ -461,7 +460,7 @@
           <a:p>
             <a:fld id="{E9F9C37B-1D36-470B-8223-D6C91242EC14}" type="datetimeFigureOut">
               <a:rPr lang="en-US" dirty="0"/>
-              <a:t>10/18/17</a:t>
+              <a:t>10/25/2017</a:t>
             </a:fld>
             <a:endParaRPr lang="en-US" dirty="0"/>
           </a:p>
@@ -636,7 +635,7 @@
           <a:p>
             <a:fld id="{67C6F52A-A82B-47A2-A83A-8C4C91F2D59F}" type="datetimeFigureOut">
               <a:rPr lang="en-US" dirty="0"/>
-              <a:t>10/18/17</a:t>
+              <a:t>10/25/2017</a:t>
             </a:fld>
             <a:endParaRPr lang="en-US" dirty="0"/>
           </a:p>
@@ -801,7 +800,7 @@
           <a:p>
             <a:fld id="{F070A7B3-6521-4DCA-87E5-044747A908C1}" type="datetimeFigureOut">
               <a:rPr lang="en-US" dirty="0"/>
-              <a:t>10/18/17</a:t>
+              <a:t>10/25/2017</a:t>
             </a:fld>
             <a:endParaRPr lang="en-US" dirty="0"/>
           </a:p>
@@ -1065,7 +1064,7 @@
           <a:p>
             <a:fld id="{1160EA64-D806-43AC-9DF2-F8C432F32B4C}" type="datetimeFigureOut">
               <a:rPr lang="en-US" dirty="0"/>
-              <a:t>10/18/17</a:t>
+              <a:t>10/25/2017</a:t>
             </a:fld>
             <a:endParaRPr lang="en-US" dirty="0"/>
           </a:p>
@@ -1293,7 +1292,7 @@
           <a:p>
             <a:fld id="{AB134690-1557-4C89-A502-4959FE7FAD70}" type="datetimeFigureOut">
               <a:rPr lang="en-US" dirty="0"/>
-              <a:t>10/18/17</a:t>
+              <a:t>10/25/2017</a:t>
             </a:fld>
             <a:endParaRPr lang="en-US" dirty="0"/>
           </a:p>
@@ -1647,7 +1646,7 @@
           <a:p>
             <a:fld id="{4F7D4976-E339-4826-83B7-FBD03F55ECF8}" type="datetimeFigureOut">
               <a:rPr lang="en-US" dirty="0"/>
-              <a:t>10/18/17</a:t>
+              <a:t>10/25/2017</a:t>
             </a:fld>
             <a:endParaRPr lang="en-US" dirty="0"/>
           </a:p>
@@ -1783,7 +1782,7 @@
           <a:p>
             <a:fld id="{E1037C31-9E7A-4F99-8774-A0E530DE1A42}" type="datetimeFigureOut">
               <a:rPr lang="en-US" dirty="0"/>
-              <a:t>10/18/17</a:t>
+              <a:t>10/25/2017</a:t>
             </a:fld>
             <a:endParaRPr lang="en-US" dirty="0"/>
           </a:p>
@@ -1873,7 +1872,7 @@
           <a:p>
             <a:fld id="{C278504F-A551-4DE0-9316-4DCD1D8CC752}" type="datetimeFigureOut">
               <a:rPr lang="en-US" dirty="0"/>
-              <a:t>10/18/17</a:t>
+              <a:t>10/25/2017</a:t>
             </a:fld>
             <a:endParaRPr lang="en-US" dirty="0"/>
           </a:p>
@@ -2225,7 +2224,7 @@
           <a:p>
             <a:fld id="{D1BE4249-C0D0-4B06-8692-E8BB871AF643}" type="datetimeFigureOut">
               <a:rPr lang="en-US" dirty="0"/>
-              <a:t>10/18/17</a:t>
+              <a:t>10/25/2017</a:t>
             </a:fld>
             <a:endParaRPr lang="en-US" dirty="0"/>
           </a:p>
@@ -2577,7 +2576,7 @@
           <a:p>
             <a:fld id="{042B0DB6-F5C7-45FB-8CF3-31B45F9C2DAC}" type="datetimeFigureOut">
               <a:rPr lang="en-US" dirty="0"/>
-              <a:t>10/18/17</a:t>
+              <a:t>10/25/2017</a:t>
             </a:fld>
             <a:endParaRPr lang="en-US" dirty="0"/>
           </a:p>
@@ -2813,7 +2812,7 @@
           <a:p>
             <a:fld id="{1160EA64-D806-43AC-9DF2-F8C432F32B4C}" type="datetimeFigureOut">
               <a:rPr lang="en-US" dirty="0"/>
-              <a:t>10/18/17</a:t>
+              <a:t>10/25/2017</a:t>
             </a:fld>
             <a:endParaRPr lang="en-US" dirty="0"/>
           </a:p>
@@ -3329,13 +3328,13 @@
   <p:clrMapOvr>
     <a:masterClrMapping/>
   </p:clrMapOvr>
-  <mc:AlternateContent xmlns:mc="http://schemas.openxmlformats.org/markup-compatibility/2006">
-    <mc:Choice xmlns:p14="http://schemas.microsoft.com/office/powerpoint/2010/main" Requires="p14">
+  <mc:AlternateContent xmlns:mc="http://schemas.openxmlformats.org/markup-compatibility/2006" xmlns:p14="http://schemas.microsoft.com/office/powerpoint/2010/main">
+    <mc:Choice Requires="p14">
       <p:transition spd="slow" p14:dur="1200">
         <p14:prism/>
       </p:transition>
     </mc:Choice>
-    <mc:Fallback>
+    <mc:Fallback xmlns="">
       <p:transition spd="slow">
         <p:fade/>
       </p:transition>
@@ -3370,280 +3369,6 @@
       </p:grpSpPr>
       <p:sp>
         <p:nvSpPr>
-          <p:cNvPr id="2" name="标题 1"/>
-          <p:cNvSpPr>
-            <a:spLocks noGrp="1"/>
-          </p:cNvSpPr>
-          <p:nvPr>
-            <p:ph type="title"/>
-          </p:nvPr>
-        </p:nvSpPr>
-        <p:spPr/>
-        <p:txBody>
-          <a:bodyPr/>
-          <a:lstStyle/>
-          <a:p>
-            <a:r>
-              <a:rPr lang="en-US" altLang="zh-CN" dirty="0" smtClean="0"/>
-              <a:t>NTFS</a:t>
-            </a:r>
-            <a:r>
-              <a:rPr lang="zh-CN" altLang="en-US" dirty="0" smtClean="0"/>
-              <a:t>文件系统</a:t>
-            </a:r>
-            <a:endParaRPr lang="zh-CN" altLang="en-US" dirty="0"/>
-          </a:p>
-        </p:txBody>
-      </p:sp>
-      <p:pic>
-        <p:nvPicPr>
-          <p:cNvPr id="6" name="Picture 5"/>
-          <p:cNvPicPr>
-            <a:picLocks noChangeAspect="1"/>
-          </p:cNvPicPr>
-          <p:nvPr/>
-        </p:nvPicPr>
-        <p:blipFill>
-          <a:blip r:embed="rId2"/>
-          <a:stretch>
-            <a:fillRect/>
-          </a:stretch>
-        </p:blipFill>
-        <p:spPr>
-          <a:xfrm>
-            <a:off x="2565400" y="3657600"/>
-            <a:ext cx="7061200" cy="3200400"/>
-          </a:xfrm>
-          <a:prstGeom prst="rect">
-            <a:avLst/>
-          </a:prstGeom>
-        </p:spPr>
-      </p:pic>
-      <p:sp>
-        <p:nvSpPr>
-          <p:cNvPr id="7" name="TextBox 6"/>
-          <p:cNvSpPr txBox="1"/>
-          <p:nvPr/>
-        </p:nvSpPr>
-        <p:spPr>
-          <a:xfrm>
-            <a:off x="2795847" y="2726575"/>
-            <a:ext cx="6600306" cy="646331"/>
-          </a:xfrm>
-          <a:prstGeom prst="rect">
-            <a:avLst/>
-          </a:prstGeom>
-          <a:noFill/>
-        </p:spPr>
-        <p:txBody>
-          <a:bodyPr wrap="square" rtlCol="0">
-            <a:spAutoFit/>
-          </a:bodyPr>
-          <a:lstStyle/>
-          <a:p>
-            <a:r>
-              <a:rPr lang="zh-CN" altLang="en-US" dirty="0"/>
-              <a:t>一个</a:t>
-            </a:r>
-            <a:r>
-              <a:rPr lang="en-US" altLang="zh-CN" dirty="0"/>
-              <a:t>NTFS</a:t>
-            </a:r>
-            <a:r>
-              <a:rPr lang="zh-CN" altLang="en-US" dirty="0"/>
-              <a:t>系统是由引导扇区，主文件表</a:t>
-            </a:r>
-            <a:r>
-              <a:rPr lang="en-US" altLang="zh-CN" dirty="0"/>
-              <a:t>MFT</a:t>
-            </a:r>
-            <a:r>
-              <a:rPr lang="zh-CN" altLang="en-US" dirty="0"/>
-              <a:t>，和数据区组成；另外</a:t>
-            </a:r>
-            <a:r>
-              <a:rPr lang="en-US" altLang="zh-CN" dirty="0"/>
-              <a:t>MFT</a:t>
-            </a:r>
-            <a:r>
-              <a:rPr lang="zh-CN" altLang="en-US" dirty="0"/>
-              <a:t>有一部分重要备份在数据区。</a:t>
-            </a:r>
-            <a:endParaRPr lang="en-US" dirty="0"/>
-          </a:p>
-        </p:txBody>
-      </p:sp>
-    </p:spTree>
-    <p:extLst>
-      <p:ext uri="{BB962C8B-B14F-4D97-AF65-F5344CB8AC3E}">
-        <p14:creationId xmlns:p14="http://schemas.microsoft.com/office/powerpoint/2010/main" val="465495358"/>
-      </p:ext>
-    </p:extLst>
-  </p:cSld>
-  <p:clrMapOvr>
-    <a:masterClrMapping/>
-  </p:clrMapOvr>
-  <p:timing>
-    <p:tnLst>
-      <p:par>
-        <p:cTn id="1" dur="indefinite" restart="never" nodeType="tmRoot">
-          <p:childTnLst>
-            <p:seq concurrent="1" nextAc="seek">
-              <p:cTn id="2" dur="indefinite" nodeType="mainSeq">
-                <p:childTnLst>
-                  <p:par>
-                    <p:cTn id="3" fill="hold">
-                      <p:stCondLst>
-                        <p:cond delay="indefinite"/>
-                      </p:stCondLst>
-                      <p:childTnLst>
-                        <p:par>
-                          <p:cTn id="4" fill="hold">
-                            <p:stCondLst>
-                              <p:cond delay="0"/>
-                            </p:stCondLst>
-                            <p:childTnLst>
-                              <p:par>
-                                <p:cTn id="5" presetID="9" presetClass="entr" presetSubtype="0" fill="hold" grpId="0" nodeType="clickEffect">
-                                  <p:stCondLst>
-                                    <p:cond delay="0"/>
-                                  </p:stCondLst>
-                                  <p:childTnLst>
-                                    <p:set>
-                                      <p:cBhvr>
-                                        <p:cTn id="6" dur="1" fill="hold">
-                                          <p:stCondLst>
-                                            <p:cond delay="0"/>
-                                          </p:stCondLst>
-                                        </p:cTn>
-                                        <p:tgtEl>
-                                          <p:spTgt spid="7"/>
-                                        </p:tgtEl>
-                                        <p:attrNameLst>
-                                          <p:attrName>style.visibility</p:attrName>
-                                        </p:attrNameLst>
-                                      </p:cBhvr>
-                                      <p:to>
-                                        <p:strVal val="visible"/>
-                                      </p:to>
-                                    </p:set>
-                                    <p:animEffect transition="in" filter="dissolve">
-                                      <p:cBhvr>
-                                        <p:cTn id="7" dur="500"/>
-                                        <p:tgtEl>
-                                          <p:spTgt spid="7"/>
-                                        </p:tgtEl>
-                                      </p:cBhvr>
-                                    </p:animEffect>
-                                  </p:childTnLst>
-                                </p:cTn>
-                              </p:par>
-                            </p:childTnLst>
-                          </p:cTn>
-                        </p:par>
-                      </p:childTnLst>
-                    </p:cTn>
-                  </p:par>
-                  <p:par>
-                    <p:cTn id="8" fill="hold">
-                      <p:stCondLst>
-                        <p:cond delay="indefinite"/>
-                      </p:stCondLst>
-                      <p:childTnLst>
-                        <p:par>
-                          <p:cTn id="9" fill="hold">
-                            <p:stCondLst>
-                              <p:cond delay="0"/>
-                            </p:stCondLst>
-                            <p:childTnLst>
-                              <p:par>
-                                <p:cTn id="10" presetID="9" presetClass="entr" presetSubtype="0" fill="hold" nodeType="clickEffect">
-                                  <p:stCondLst>
-                                    <p:cond delay="0"/>
-                                  </p:stCondLst>
-                                  <p:childTnLst>
-                                    <p:set>
-                                      <p:cBhvr>
-                                        <p:cTn id="11" dur="1" fill="hold">
-                                          <p:stCondLst>
-                                            <p:cond delay="0"/>
-                                          </p:stCondLst>
-                                        </p:cTn>
-                                        <p:tgtEl>
-                                          <p:spTgt spid="6"/>
-                                        </p:tgtEl>
-                                        <p:attrNameLst>
-                                          <p:attrName>style.visibility</p:attrName>
-                                        </p:attrNameLst>
-                                      </p:cBhvr>
-                                      <p:to>
-                                        <p:strVal val="visible"/>
-                                      </p:to>
-                                    </p:set>
-                                    <p:animEffect transition="in" filter="dissolve">
-                                      <p:cBhvr>
-                                        <p:cTn id="12" dur="500"/>
-                                        <p:tgtEl>
-                                          <p:spTgt spid="6"/>
-                                        </p:tgtEl>
-                                      </p:cBhvr>
-                                    </p:animEffect>
-                                  </p:childTnLst>
-                                </p:cTn>
-                              </p:par>
-                            </p:childTnLst>
-                          </p:cTn>
-                        </p:par>
-                      </p:childTnLst>
-                    </p:cTn>
-                  </p:par>
-                </p:childTnLst>
-              </p:cTn>
-              <p:prevCondLst>
-                <p:cond evt="onPrev" delay="0">
-                  <p:tgtEl>
-                    <p:sldTgt/>
-                  </p:tgtEl>
-                </p:cond>
-              </p:prevCondLst>
-              <p:nextCondLst>
-                <p:cond evt="onNext" delay="0">
-                  <p:tgtEl>
-                    <p:sldTgt/>
-                  </p:tgtEl>
-                </p:cond>
-              </p:nextCondLst>
-            </p:seq>
-          </p:childTnLst>
-        </p:cTn>
-      </p:par>
-    </p:tnLst>
-    <p:bldLst>
-      <p:bldP spid="7" grpId="0"/>
-    </p:bldLst>
-  </p:timing>
-</p:sld>
-</file>
-
-<file path=ppt/slides/slide11.xml><?xml version="1.0" encoding="utf-8"?>
-<p:sld xmlns:a="http://schemas.openxmlformats.org/drawingml/2006/main" xmlns:r="http://schemas.openxmlformats.org/officeDocument/2006/relationships" xmlns:p="http://schemas.openxmlformats.org/presentationml/2006/main">
-  <p:cSld>
-    <p:spTree>
-      <p:nvGrpSpPr>
-        <p:cNvPr id="1" name=""/>
-        <p:cNvGrpSpPr/>
-        <p:nvPr/>
-      </p:nvGrpSpPr>
-      <p:grpSpPr>
-        <a:xfrm>
-          <a:off x="0" y="0"/>
-          <a:ext cx="0" cy="0"/>
-          <a:chOff x="0" y="0"/>
-          <a:chExt cx="0" cy="0"/>
-        </a:xfrm>
-      </p:grpSpPr>
-      <p:sp>
-        <p:nvSpPr>
           <p:cNvPr id="2" name="Title 1"/>
           <p:cNvSpPr>
             <a:spLocks noGrp="1"/>
@@ -3915,7 +3640,7 @@
 </p:sld>
 </file>
 
-<file path=ppt/slides/slide12.xml><?xml version="1.0" encoding="utf-8"?>
+<file path=ppt/slides/slide11.xml><?xml version="1.0" encoding="utf-8"?>
 <p:sld xmlns:a="http://schemas.openxmlformats.org/drawingml/2006/main" xmlns:r="http://schemas.openxmlformats.org/officeDocument/2006/relationships" xmlns:p="http://schemas.openxmlformats.org/presentationml/2006/main">
   <p:cSld>
     <p:spTree>
@@ -4085,6 +3810,266 @@
 </p:sld>
 </file>
 
+<file path=ppt/slides/slide12.xml><?xml version="1.0" encoding="utf-8"?>
+<p:sld xmlns:a="http://schemas.openxmlformats.org/drawingml/2006/main" xmlns:r="http://schemas.openxmlformats.org/officeDocument/2006/relationships" xmlns:p="http://schemas.openxmlformats.org/presentationml/2006/main">
+  <p:cSld>
+    <p:spTree>
+      <p:nvGrpSpPr>
+        <p:cNvPr id="1" name=""/>
+        <p:cNvGrpSpPr/>
+        <p:nvPr/>
+      </p:nvGrpSpPr>
+      <p:grpSpPr>
+        <a:xfrm>
+          <a:off x="0" y="0"/>
+          <a:ext cx="0" cy="0"/>
+          <a:chOff x="0" y="0"/>
+          <a:chExt cx="0" cy="0"/>
+        </a:xfrm>
+      </p:grpSpPr>
+      <p:sp>
+        <p:nvSpPr>
+          <p:cNvPr id="2" name="Title 1"/>
+          <p:cNvSpPr>
+            <a:spLocks noGrp="1"/>
+          </p:cNvSpPr>
+          <p:nvPr>
+            <p:ph type="title"/>
+          </p:nvPr>
+        </p:nvSpPr>
+        <p:spPr/>
+        <p:txBody>
+          <a:bodyPr/>
+          <a:lstStyle/>
+          <a:p>
+            <a:r>
+              <a:rPr lang="en-US" altLang="zh-CN" dirty="0"/>
+              <a:t>$</a:t>
+            </a:r>
+            <a:r>
+              <a:rPr lang="en-US" altLang="zh-CN" dirty="0" smtClean="0"/>
+              <a:t>MTF</a:t>
+            </a:r>
+            <a:r>
+              <a:rPr lang="zh-CN" altLang="en-US" dirty="0" smtClean="0"/>
+              <a:t>文件</a:t>
+            </a:r>
+            <a:endParaRPr lang="en-US" dirty="0"/>
+          </a:p>
+        </p:txBody>
+      </p:sp>
+      <p:sp>
+        <p:nvSpPr>
+          <p:cNvPr id="3" name="Content Placeholder 2"/>
+          <p:cNvSpPr>
+            <a:spLocks noGrp="1"/>
+          </p:cNvSpPr>
+          <p:nvPr>
+            <p:ph idx="1"/>
+          </p:nvPr>
+        </p:nvSpPr>
+        <p:spPr/>
+        <p:txBody>
+          <a:bodyPr>
+            <a:normAutofit/>
+          </a:bodyPr>
+          <a:lstStyle/>
+          <a:p>
+            <a:r>
+              <a:rPr lang="en-US" altLang="zh-CN" dirty="0"/>
+              <a:t>MFT </a:t>
+            </a:r>
+            <a:r>
+              <a:rPr lang="zh-CN" altLang="en-US" dirty="0"/>
+              <a:t>是由一条条 </a:t>
+            </a:r>
+            <a:r>
+              <a:rPr lang="en-US" altLang="zh-CN" dirty="0"/>
+              <a:t>MFT </a:t>
+            </a:r>
+            <a:r>
+              <a:rPr lang="zh-CN" altLang="en-US" dirty="0"/>
+              <a:t>记录单元</a:t>
+            </a:r>
+            <a:r>
+              <a:rPr lang="zh-CN" altLang="en-US" dirty="0" smtClean="0"/>
+              <a:t>所</a:t>
+            </a:r>
+            <a:r>
+              <a:rPr lang="zh-CN" altLang="en-US" dirty="0"/>
+              <a:t>组成的，而且</a:t>
+            </a:r>
+            <a:r>
+              <a:rPr lang="zh-CN" altLang="en-US" dirty="0" smtClean="0"/>
+              <a:t>每个大小</a:t>
+            </a:r>
+            <a:r>
+              <a:rPr lang="zh-CN" altLang="en-US" dirty="0"/>
+              <a:t>是固定的</a:t>
+            </a:r>
+            <a:r>
+              <a:rPr lang="en-US" altLang="zh-CN" dirty="0"/>
+              <a:t>(</a:t>
+            </a:r>
+            <a:r>
+              <a:rPr lang="zh-CN" altLang="en-US" dirty="0"/>
+              <a:t>一般为</a:t>
+            </a:r>
+            <a:r>
+              <a:rPr lang="en-US" altLang="zh-CN" dirty="0" smtClean="0"/>
+              <a:t>1KB)</a:t>
+            </a:r>
+            <a:endParaRPr lang="zh-CN" altLang="en-US" dirty="0"/>
+          </a:p>
+          <a:p>
+            <a:endParaRPr lang="zh-CN" altLang="en-US" dirty="0" smtClean="0"/>
+          </a:p>
+          <a:p>
+            <a:r>
+              <a:rPr lang="zh-CN" altLang="en-US" dirty="0"/>
+              <a:t>每个记录单元记录着文件的建立时间、在分区中的位置、长度、属性、文件名等信息。</a:t>
+            </a:r>
+          </a:p>
+          <a:p>
+            <a:pPr marL="0" indent="0">
+              <a:buNone/>
+            </a:pPr>
+            <a:endParaRPr lang="zh-CN" altLang="en-US" dirty="0"/>
+          </a:p>
+          <a:p>
+            <a:r>
+              <a:rPr lang="en-US" altLang="zh-CN" dirty="0" smtClean="0"/>
+              <a:t>MFT</a:t>
+            </a:r>
+            <a:r>
+              <a:rPr lang="zh-CN" altLang="en-US" dirty="0"/>
+              <a:t>保留了前</a:t>
+            </a:r>
+            <a:r>
+              <a:rPr lang="en-US" altLang="zh-CN" dirty="0"/>
+              <a:t>16</a:t>
+            </a:r>
+            <a:r>
+              <a:rPr lang="zh-CN" altLang="en-US" dirty="0"/>
+              <a:t>项用于特殊文件记录，称为元</a:t>
+            </a:r>
+            <a:r>
+              <a:rPr lang="zh-CN" altLang="en-US" dirty="0" smtClean="0"/>
+              <a:t>数据</a:t>
+            </a:r>
+            <a:r>
+              <a:rPr lang="zh-CN" altLang="en-US" dirty="0"/>
+              <a:t>，</a:t>
+            </a:r>
+            <a:r>
+              <a:rPr lang="zh-CN" altLang="en-US" dirty="0" smtClean="0"/>
+              <a:t>元</a:t>
+            </a:r>
+            <a:r>
+              <a:rPr lang="zh-CN" altLang="en-US" dirty="0"/>
+              <a:t>数据在磁盘上是物理连续的，编号为</a:t>
+            </a:r>
+            <a:r>
+              <a:rPr lang="en-US" altLang="zh-CN" dirty="0"/>
+              <a:t>0~15</a:t>
+            </a:r>
+            <a:r>
+              <a:rPr lang="zh-CN" altLang="en-US" dirty="0" smtClean="0"/>
+              <a:t>；</a:t>
+            </a:r>
+          </a:p>
+          <a:p>
+            <a:pPr marL="0" indent="0">
+              <a:buNone/>
+            </a:pPr>
+            <a:endParaRPr lang="zh-CN" altLang="en-US" dirty="0"/>
+          </a:p>
+          <a:p>
+            <a:r>
+              <a:rPr lang="zh-CN" altLang="en-US" dirty="0" smtClean="0"/>
+              <a:t>如果</a:t>
+            </a:r>
+            <a:r>
+              <a:rPr lang="en-US" altLang="zh-CN" dirty="0"/>
+              <a:t>$MFT</a:t>
+            </a:r>
+            <a:r>
+              <a:rPr lang="zh-CN" altLang="en-US" dirty="0"/>
+              <a:t>的偏移为</a:t>
+            </a:r>
+            <a:r>
+              <a:rPr lang="en-US" altLang="zh-CN" dirty="0"/>
+              <a:t>0x0C0000000, </a:t>
+            </a:r>
+            <a:r>
+              <a:rPr lang="zh-CN" altLang="en-US" dirty="0"/>
+              <a:t>那么下一项的偏移就是</a:t>
+            </a:r>
+            <a:r>
+              <a:rPr lang="en-US" altLang="zh-CN" dirty="0"/>
+              <a:t>0x0C0000400</a:t>
+            </a:r>
+            <a:r>
+              <a:rPr lang="zh-CN" altLang="en-US" dirty="0"/>
+              <a:t>，在下一项就</a:t>
+            </a:r>
+            <a:r>
+              <a:rPr lang="zh-CN" altLang="en-US" dirty="0" smtClean="0"/>
+              <a:t>是</a:t>
+            </a:r>
+            <a:r>
+              <a:rPr lang="en-US" altLang="zh-CN" dirty="0" smtClean="0"/>
+              <a:t>0x0C0000800</a:t>
+            </a:r>
+            <a:r>
+              <a:rPr lang="zh-CN" altLang="en-US" dirty="0"/>
+              <a:t>等等；</a:t>
+            </a:r>
+          </a:p>
+          <a:p>
+            <a:endParaRPr lang="en-US" dirty="0"/>
+          </a:p>
+        </p:txBody>
+      </p:sp>
+      <p:sp>
+        <p:nvSpPr>
+          <p:cNvPr id="4" name="Text Placeholder 3"/>
+          <p:cNvSpPr>
+            <a:spLocks noGrp="1"/>
+          </p:cNvSpPr>
+          <p:nvPr>
+            <p:ph type="body" sz="half" idx="2"/>
+          </p:nvPr>
+        </p:nvSpPr>
+        <p:spPr/>
+        <p:txBody>
+          <a:bodyPr/>
+          <a:lstStyle/>
+          <a:p>
+            <a:endParaRPr lang="en-US"/>
+          </a:p>
+        </p:txBody>
+      </p:sp>
+    </p:spTree>
+    <p:extLst>
+      <p:ext uri="{BB962C8B-B14F-4D97-AF65-F5344CB8AC3E}">
+        <p14:creationId xmlns:p14="http://schemas.microsoft.com/office/powerpoint/2010/main" val="1945624548"/>
+      </p:ext>
+    </p:extLst>
+  </p:cSld>
+  <p:clrMapOvr>
+    <a:masterClrMapping/>
+  </p:clrMapOvr>
+  <p:timing>
+    <p:tnLst>
+      <p:par>
+        <p:cTn id="1" dur="indefinite" restart="never" nodeType="tmRoot"/>
+      </p:par>
+    </p:tnLst>
+  </p:timing>
+</p:sld>
+</file>
+
 <file path=ppt/slides/slide13.xml><?xml version="1.0" encoding="utf-8"?>
 <p:sld xmlns:a="http://schemas.openxmlformats.org/drawingml/2006/main" xmlns:r="http://schemas.openxmlformats.org/officeDocument/2006/relationships" xmlns:p="http://schemas.openxmlformats.org/presentationml/2006/main">
   <p:cSld>
@@ -4118,12 +4103,8 @@
           <a:lstStyle/>
           <a:p>
             <a:r>
-              <a:rPr lang="en-US" altLang="zh-CN" dirty="0"/>
-              <a:t>$</a:t>
-            </a:r>
-            <a:r>
               <a:rPr lang="en-US" altLang="zh-CN" dirty="0" smtClean="0"/>
-              <a:t>MTF</a:t>
+              <a:t>$MTF</a:t>
             </a:r>
             <a:r>
               <a:rPr lang="zh-CN" altLang="en-US" dirty="0" smtClean="0"/>
@@ -4145,173 +4126,81 @@
         </p:nvSpPr>
         <p:spPr/>
         <p:txBody>
-          <a:bodyPr>
-            <a:normAutofit/>
-          </a:bodyPr>
-          <a:lstStyle/>
-          <a:p>
-            <a:r>
-              <a:rPr lang="en-US" altLang="zh-CN" dirty="0"/>
-              <a:t>MFT </a:t>
-            </a:r>
-            <a:r>
-              <a:rPr lang="zh-CN" altLang="en-US" dirty="0"/>
-              <a:t>是由一条条 </a:t>
-            </a:r>
-            <a:r>
-              <a:rPr lang="en-US" altLang="zh-CN" dirty="0"/>
-              <a:t>MFT </a:t>
-            </a:r>
-            <a:r>
-              <a:rPr lang="zh-CN" altLang="en-US" dirty="0"/>
-              <a:t>记录单元</a:t>
+          <a:bodyPr/>
+          <a:lstStyle/>
+          <a:p>
+            <a:r>
+              <a:rPr lang="en-US" altLang="zh-CN" dirty="0"/>
+              <a:t>MFT</a:t>
+            </a:r>
+            <a:r>
+              <a:rPr lang="zh-CN" altLang="en-US" dirty="0"/>
+              <a:t>记录了整个卷的所有文件 </a:t>
+            </a:r>
+            <a:r>
+              <a:rPr lang="en-US" altLang="zh-CN" dirty="0"/>
+              <a:t>(</a:t>
+            </a:r>
+            <a:r>
+              <a:rPr lang="zh-CN" altLang="en-US" dirty="0"/>
+              <a:t>包括</a:t>
+            </a:r>
+            <a:r>
+              <a:rPr lang="en-US" altLang="zh-CN" dirty="0"/>
+              <a:t>MFT</a:t>
+            </a:r>
+            <a:r>
+              <a:rPr lang="zh-CN" altLang="en-US" dirty="0"/>
+              <a:t>本身、数据文件、文件夹等等</a:t>
+            </a:r>
+            <a:r>
+              <a:rPr lang="en-US" altLang="zh-CN" dirty="0"/>
+              <a:t>) </a:t>
             </a:r>
             <a:r>
               <a:rPr lang="zh-CN" altLang="en-US" dirty="0" smtClean="0"/>
-              <a:t>所</a:t>
-            </a:r>
-            <a:r>
-              <a:rPr lang="zh-CN" altLang="en-US" dirty="0"/>
-              <a:t>组成的，而且</a:t>
-            </a:r>
+              <a:t>信息。</a:t>
+            </a:r>
+          </a:p>
+          <a:p>
+            <a:endParaRPr lang="zh-CN" altLang="en-US" dirty="0" smtClean="0"/>
+          </a:p>
+          <a:p>
             <a:r>
               <a:rPr lang="zh-CN" altLang="en-US" dirty="0" smtClean="0"/>
               <a:t>每</a:t>
             </a:r>
             <a:r>
-              <a:rPr lang="zh-CN" altLang="en-US" dirty="0" smtClean="0"/>
-              <a:t>个</a:t>
-            </a:r>
-            <a:r>
-              <a:rPr lang="zh-CN" altLang="en-US" dirty="0" smtClean="0"/>
-              <a:t>大小</a:t>
-            </a:r>
-            <a:r>
-              <a:rPr lang="zh-CN" altLang="en-US" dirty="0"/>
-              <a:t>是固定的</a:t>
-            </a:r>
-            <a:r>
-              <a:rPr lang="en-US" altLang="zh-CN" dirty="0"/>
-              <a:t>(</a:t>
-            </a:r>
-            <a:r>
-              <a:rPr lang="zh-CN" altLang="en-US" dirty="0"/>
-              <a:t>一般为</a:t>
-            </a:r>
-            <a:r>
-              <a:rPr lang="en-US" altLang="zh-CN" dirty="0" smtClean="0"/>
-              <a:t>1KB)</a:t>
-            </a:r>
-            <a:endParaRPr lang="zh-CN" altLang="en-US" dirty="0"/>
-          </a:p>
-          <a:p>
-            <a:endParaRPr lang="zh-CN" altLang="en-US" dirty="0" smtClean="0"/>
-          </a:p>
-          <a:p>
-            <a:r>
-              <a:rPr lang="zh-CN" altLang="en-US" dirty="0"/>
-              <a:t>每个记录单元记录着文件的建立时间、在分区中的位置、长度、属性、文件名等信息。</a:t>
-            </a:r>
-          </a:p>
-          <a:p>
-            <a:pPr marL="0" indent="0">
-              <a:buNone/>
-            </a:pPr>
-            <a:endParaRPr lang="zh-CN" altLang="en-US" dirty="0"/>
-          </a:p>
-          <a:p>
-            <a:r>
-              <a:rPr lang="en-US" altLang="zh-CN" dirty="0" smtClean="0"/>
-              <a:t>MFT</a:t>
-            </a:r>
-            <a:r>
-              <a:rPr lang="zh-CN" altLang="en-US" dirty="0"/>
-              <a:t>保留了前</a:t>
-            </a:r>
-            <a:r>
-              <a:rPr lang="en-US" altLang="zh-CN" dirty="0"/>
-              <a:t>16</a:t>
-            </a:r>
-            <a:r>
-              <a:rPr lang="zh-CN" altLang="en-US" dirty="0"/>
-              <a:t>项用于特殊文件记录，称为元</a:t>
+              <a:rPr lang="zh-CN" altLang="en-US" dirty="0"/>
+              <a:t>一个文件在 </a:t>
+            </a:r>
+            <a:r>
+              <a:rPr lang="en-US" altLang="zh-CN" dirty="0"/>
+              <a:t>MFT </a:t>
+            </a:r>
+            <a:r>
+              <a:rPr lang="zh-CN" altLang="en-US" dirty="0"/>
+              <a:t>中都有一个或多个 </a:t>
+            </a:r>
+            <a:r>
+              <a:rPr lang="en-US" altLang="zh-CN" dirty="0"/>
+              <a:t>MFT </a:t>
+            </a:r>
+            <a:r>
+              <a:rPr lang="zh-CN" altLang="en-US" dirty="0"/>
+              <a:t>项记录文件属性信息，这里的属性包括</a:t>
             </a:r>
             <a:r>
               <a:rPr lang="zh-CN" altLang="en-US" dirty="0" smtClean="0"/>
               <a:t>数据</a:t>
             </a:r>
-            <a:r>
-              <a:rPr lang="zh-CN" altLang="en-US" dirty="0"/>
-              <a:t>，</a:t>
-            </a:r>
-            <a:r>
-              <a:rPr lang="zh-CN" altLang="en-US" dirty="0" smtClean="0"/>
-              <a:t>元</a:t>
-            </a:r>
-            <a:r>
-              <a:rPr lang="zh-CN" altLang="en-US" dirty="0"/>
-              <a:t>数据在磁盘上是物理连续的，编号为</a:t>
-            </a:r>
-            <a:r>
-              <a:rPr lang="en-US" altLang="zh-CN" dirty="0"/>
-              <a:t>0~15</a:t>
-            </a:r>
-            <a:r>
-              <a:rPr lang="zh-CN" altLang="en-US" dirty="0" smtClean="0"/>
-              <a:t>；</a:t>
-            </a:r>
-          </a:p>
-          <a:p>
-            <a:pPr marL="0" indent="0">
-              <a:buNone/>
-            </a:pPr>
+          </a:p>
+          <a:p>
+            <a:endParaRPr lang="zh-CN" altLang="en-US" dirty="0" smtClean="0"/>
+          </a:p>
+          <a:p>
             <a:endParaRPr lang="zh-CN" altLang="en-US" dirty="0"/>
           </a:p>
-          <a:p>
-            <a:r>
-              <a:rPr lang="zh-CN" altLang="en-US" dirty="0" smtClean="0"/>
-              <a:t>如果</a:t>
-            </a:r>
-            <a:r>
-              <a:rPr lang="en-US" altLang="zh-CN" dirty="0"/>
-              <a:t>$MFT</a:t>
-            </a:r>
-            <a:r>
-              <a:rPr lang="zh-CN" altLang="en-US" dirty="0"/>
-              <a:t>的偏移为</a:t>
-            </a:r>
-            <a:r>
-              <a:rPr lang="en-US" altLang="zh-CN" dirty="0"/>
-              <a:t>0x0C0000000, </a:t>
-            </a:r>
-            <a:r>
-              <a:rPr lang="zh-CN" altLang="en-US" dirty="0"/>
-              <a:t>那么下一项的偏移就是</a:t>
-            </a:r>
-            <a:r>
-              <a:rPr lang="en-US" altLang="zh-CN" dirty="0"/>
-              <a:t>0x0C0000400</a:t>
-            </a:r>
-            <a:r>
-              <a:rPr lang="zh-CN" altLang="en-US" dirty="0"/>
-              <a:t>，在下一项就</a:t>
-            </a:r>
-            <a:r>
-              <a:rPr lang="zh-CN" altLang="en-US" dirty="0" smtClean="0"/>
-              <a:t>是</a:t>
-            </a:r>
-            <a:r>
-              <a:rPr lang="en-US" altLang="zh-CN" dirty="0" smtClean="0"/>
-              <a:t>0x0C0000800</a:t>
-            </a:r>
-            <a:r>
-              <a:rPr lang="zh-CN" altLang="en-US" dirty="0"/>
-              <a:t>等等；</a:t>
-            </a:r>
-          </a:p>
-          <a:p>
-            <a:endParaRPr lang="en-US" dirty="0"/>
-          </a:p>
         </p:txBody>
       </p:sp>
       <p:sp>
@@ -4329,14 +4218,14 @@
           <a:bodyPr/>
           <a:lstStyle/>
           <a:p>
-            <a:endParaRPr lang="en-US"/>
+            <a:endParaRPr lang="en-US" dirty="0"/>
           </a:p>
         </p:txBody>
       </p:sp>
     </p:spTree>
     <p:extLst>
       <p:ext uri="{BB962C8B-B14F-4D97-AF65-F5344CB8AC3E}">
-        <p14:creationId xmlns:p14="http://schemas.microsoft.com/office/powerpoint/2010/main" val="1945624548"/>
+        <p14:creationId xmlns:p14="http://schemas.microsoft.com/office/powerpoint/2010/main" val="2072246969"/>
       </p:ext>
     </p:extLst>
   </p:cSld>
@@ -4386,103 +4275,120 @@
           <a:lstStyle/>
           <a:p>
             <a:r>
+              <a:rPr lang="en-US" altLang="zh-CN" dirty="0"/>
+              <a:t>$Bitmap</a:t>
+            </a:r>
+            <a:r>
+              <a:rPr lang="zh-CN" altLang="en-US" dirty="0"/>
+              <a:t>文件</a:t>
+            </a:r>
+            <a:endParaRPr lang="en-US" dirty="0"/>
+          </a:p>
+        </p:txBody>
+      </p:sp>
+      <p:sp>
+        <p:nvSpPr>
+          <p:cNvPr id="3" name="Content Placeholder 2"/>
+          <p:cNvSpPr>
+            <a:spLocks noGrp="1"/>
+          </p:cNvSpPr>
+          <p:nvPr>
+            <p:ph idx="1"/>
+          </p:nvPr>
+        </p:nvSpPr>
+        <p:spPr/>
+        <p:txBody>
+          <a:bodyPr/>
+          <a:lstStyle/>
+          <a:p>
+            <a:endParaRPr lang="zh-CN" altLang="en-US" dirty="0"/>
+          </a:p>
+          <a:p>
+            <a:endParaRPr lang="zh-CN" altLang="en-US" dirty="0" smtClean="0"/>
+          </a:p>
+          <a:p>
+            <a:endParaRPr lang="zh-CN" altLang="en-US" dirty="0"/>
+          </a:p>
+          <a:p>
+            <a:endParaRPr lang="zh-CN" altLang="en-US" dirty="0" smtClean="0"/>
+          </a:p>
+          <a:p>
+            <a:r>
+              <a:rPr lang="zh-CN" altLang="en-US" dirty="0" smtClean="0"/>
+              <a:t>记录</a:t>
+            </a:r>
+            <a:r>
+              <a:rPr lang="zh-CN" altLang="en-US" dirty="0"/>
+              <a:t>着分区中存储单元（簇）使用状况</a:t>
+            </a:r>
+            <a:r>
+              <a:rPr lang="zh-CN" altLang="en-US" dirty="0" smtClean="0"/>
+              <a:t>。</a:t>
+            </a:r>
+          </a:p>
+          <a:p>
+            <a:endParaRPr lang="zh-CN" altLang="en-US" dirty="0"/>
+          </a:p>
+          <a:p>
+            <a:r>
+              <a:rPr lang="zh-CN" altLang="en-US" dirty="0" smtClean="0"/>
+              <a:t>类似于</a:t>
+            </a:r>
+            <a:r>
               <a:rPr lang="en-US" altLang="zh-CN" dirty="0" smtClean="0"/>
-              <a:t>$MTF</a:t>
+              <a:t>UNIX</a:t>
             </a:r>
             <a:r>
               <a:rPr lang="zh-CN" altLang="en-US" dirty="0" smtClean="0"/>
-              <a:t>文件</a:t>
-            </a:r>
-            <a:endParaRPr lang="en-US" dirty="0"/>
-          </a:p>
-        </p:txBody>
-      </p:sp>
-      <p:sp>
-        <p:nvSpPr>
-          <p:cNvPr id="3" name="Content Placeholder 2"/>
-          <p:cNvSpPr>
-            <a:spLocks noGrp="1"/>
-          </p:cNvSpPr>
-          <p:nvPr>
-            <p:ph idx="1"/>
-          </p:nvPr>
-        </p:nvSpPr>
-        <p:spPr/>
-        <p:txBody>
-          <a:bodyPr/>
-          <a:lstStyle/>
-          <a:p>
-            <a:r>
-              <a:rPr lang="en-US" altLang="zh-CN" dirty="0"/>
-              <a:t>MFT</a:t>
-            </a:r>
-            <a:r>
-              <a:rPr lang="zh-CN" altLang="en-US" dirty="0"/>
-              <a:t>记录了整个卷的所有文件 </a:t>
-            </a:r>
-            <a:r>
-              <a:rPr lang="en-US" altLang="zh-CN" dirty="0"/>
-              <a:t>(</a:t>
-            </a:r>
-            <a:r>
-              <a:rPr lang="zh-CN" altLang="en-US" dirty="0"/>
-              <a:t>包括</a:t>
-            </a:r>
-            <a:r>
-              <a:rPr lang="en-US" altLang="zh-CN" dirty="0"/>
-              <a:t>MFT</a:t>
-            </a:r>
-            <a:r>
-              <a:rPr lang="zh-CN" altLang="en-US" dirty="0"/>
-              <a:t>本身、数据文件、文件夹等等</a:t>
-            </a:r>
-            <a:r>
-              <a:rPr lang="en-US" altLang="zh-CN" dirty="0"/>
-              <a:t>) </a:t>
+              <a:t> </a:t>
+            </a:r>
+            <a:r>
+              <a:rPr lang="en-US" altLang="zh-CN" dirty="0" smtClean="0"/>
+              <a:t>FS</a:t>
             </a:r>
             <a:r>
               <a:rPr lang="zh-CN" altLang="en-US" dirty="0" smtClean="0"/>
-              <a:t>信息。</a:t>
-            </a:r>
-          </a:p>
-          <a:p>
-            <a:endParaRPr lang="zh-CN" altLang="en-US" dirty="0" smtClean="0"/>
-          </a:p>
-          <a:p>
+              <a:t>中的</a:t>
+            </a:r>
+            <a:r>
+              <a:rPr lang="en-US" altLang="zh-CN" dirty="0" smtClean="0"/>
+              <a:t>Bitmap</a:t>
+            </a:r>
             <a:r>
               <a:rPr lang="zh-CN" altLang="en-US" dirty="0" smtClean="0"/>
-              <a:t>每</a:t>
-            </a:r>
-            <a:r>
-              <a:rPr lang="zh-CN" altLang="en-US" dirty="0"/>
-              <a:t>一个文件在 </a:t>
-            </a:r>
-            <a:r>
-              <a:rPr lang="en-US" altLang="zh-CN" dirty="0"/>
-              <a:t>MFT </a:t>
-            </a:r>
-            <a:r>
-              <a:rPr lang="zh-CN" altLang="en-US" dirty="0"/>
-              <a:t>中都有一个或多个 </a:t>
-            </a:r>
-            <a:r>
-              <a:rPr lang="en-US" altLang="zh-CN" dirty="0"/>
-              <a:t>MFT </a:t>
-            </a:r>
-            <a:r>
-              <a:rPr lang="zh-CN" altLang="en-US" dirty="0"/>
-              <a:t>项记录文件属性信息，这里的属性包括</a:t>
-            </a:r>
-            <a:r>
-              <a:rPr lang="zh-CN" altLang="en-US" dirty="0" smtClean="0"/>
-              <a:t>数据</a:t>
-            </a:r>
-          </a:p>
-          <a:p>
-            <a:endParaRPr lang="zh-CN" altLang="en-US" dirty="0" smtClean="0"/>
-          </a:p>
-          <a:p>
-            <a:endParaRPr lang="zh-CN" altLang="en-US" dirty="0"/>
+              <a:t>，</a:t>
+            </a:r>
+            <a:r>
+              <a:rPr lang="zh-CN" altLang="en-US" dirty="0"/>
+              <a:t>但不以索引的形式记录，而是每一个</a:t>
+            </a:r>
+            <a:r>
+              <a:rPr lang="en-US" altLang="zh-CN" dirty="0"/>
+              <a:t>Bit</a:t>
+            </a:r>
+            <a:r>
+              <a:rPr lang="zh-CN" altLang="en-US" dirty="0"/>
+              <a:t>表示一个簇。其值为</a:t>
+            </a:r>
+            <a:r>
+              <a:rPr lang="en-US" altLang="zh-CN" dirty="0"/>
+              <a:t>1</a:t>
+            </a:r>
+            <a:r>
+              <a:rPr lang="zh-CN" altLang="en-US" dirty="0"/>
+              <a:t>表示该簇已被使用，为</a:t>
+            </a:r>
+            <a:r>
+              <a:rPr lang="en-US" altLang="zh-CN" dirty="0"/>
+              <a:t>0</a:t>
+            </a:r>
+            <a:r>
+              <a:rPr lang="zh-CN" altLang="en-US" dirty="0"/>
+              <a:t>则表示空闲。</a:t>
+            </a:r>
+          </a:p>
+          <a:p>
+            <a:endParaRPr lang="en-US" dirty="0"/>
           </a:p>
         </p:txBody>
       </p:sp>
@@ -4501,14 +4407,14 @@
           <a:bodyPr/>
           <a:lstStyle/>
           <a:p>
-            <a:endParaRPr lang="en-US" dirty="0"/>
+            <a:endParaRPr lang="en-US"/>
           </a:p>
         </p:txBody>
       </p:sp>
     </p:spTree>
     <p:extLst>
       <p:ext uri="{BB962C8B-B14F-4D97-AF65-F5344CB8AC3E}">
-        <p14:creationId xmlns:p14="http://schemas.microsoft.com/office/powerpoint/2010/main" val="2072246969"/>
+        <p14:creationId xmlns:p14="http://schemas.microsoft.com/office/powerpoint/2010/main" val="942061449"/>
       </p:ext>
     </p:extLst>
   </p:cSld>
@@ -4558,12 +4464,8 @@
           <a:lstStyle/>
           <a:p>
             <a:r>
-              <a:rPr lang="en-US" altLang="zh-CN" dirty="0"/>
-              <a:t>$Bitmap</a:t>
-            </a:r>
-            <a:r>
-              <a:rPr lang="zh-CN" altLang="en-US" dirty="0"/>
-              <a:t>文件</a:t>
+              <a:rPr lang="zh-CN" altLang="en-US" dirty="0" smtClean="0"/>
+              <a:t>存储文件的单元</a:t>
             </a:r>
             <a:endParaRPr lang="en-US" dirty="0"/>
           </a:p>
@@ -4584,120 +4486,90 @@
           <a:bodyPr/>
           <a:lstStyle/>
           <a:p>
+            <a:r>
+              <a:rPr lang="zh-CN" altLang="en-US" dirty="0"/>
+              <a:t>扇区是磁盘最小的物理存储单元，一般而言是</a:t>
+            </a:r>
+            <a:r>
+              <a:rPr lang="en-US" altLang="zh-CN" dirty="0"/>
+              <a:t>512kb</a:t>
+            </a:r>
+            <a:r>
+              <a:rPr lang="zh-CN" altLang="en-US" dirty="0"/>
+              <a:t>大小每个扇区，但是操作通常不直接管理每一个扇区，而是通过将若干个扇区组成的一个更大的集合来去进行操作管理。</a:t>
+            </a:r>
+            <a:r>
+              <a:rPr lang="zh-CN" altLang="en-US" b="1" dirty="0"/>
+              <a:t/>
+            </a:r>
+            <a:br>
+              <a:rPr lang="zh-CN" altLang="en-US" b="1" dirty="0"/>
+            </a:br>
             <a:endParaRPr lang="zh-CN" altLang="en-US" dirty="0"/>
           </a:p>
           <a:p>
-            <a:endParaRPr lang="zh-CN" altLang="en-US" dirty="0" smtClean="0"/>
-          </a:p>
-          <a:p>
-            <a:endParaRPr lang="zh-CN" altLang="en-US" dirty="0"/>
-          </a:p>
-          <a:p>
-            <a:endParaRPr lang="zh-CN" altLang="en-US" dirty="0" smtClean="0"/>
-          </a:p>
-          <a:p>
+            <a:r>
+              <a:rPr lang="zh-CN" altLang="en-US" dirty="0"/>
+              <a:t> </a:t>
+            </a:r>
             <a:r>
               <a:rPr lang="zh-CN" altLang="en-US" dirty="0" smtClean="0"/>
-              <a:t>记录</a:t>
-            </a:r>
-            <a:r>
-              <a:rPr lang="zh-CN" altLang="en-US" dirty="0"/>
-              <a:t>着分区中存储单元（簇）使用状况</a:t>
-            </a:r>
-            <a:r>
-              <a:rPr lang="zh-CN" altLang="en-US" dirty="0" smtClean="0"/>
+              <a:t>这个</a:t>
+            </a:r>
+            <a:r>
+              <a:rPr lang="zh-CN" altLang="en-US" dirty="0"/>
+              <a:t>比扇区更大的集合，在</a:t>
+            </a:r>
+            <a:r>
+              <a:rPr lang="en-US" altLang="zh-CN" dirty="0"/>
+              <a:t>Windows</a:t>
+            </a:r>
+            <a:r>
+              <a:rPr lang="zh-CN" altLang="en-US" dirty="0"/>
+              <a:t>下叫做</a:t>
+            </a:r>
+            <a:r>
+              <a:rPr lang="zh-CN" altLang="en-US" b="1" dirty="0"/>
+              <a:t>簇</a:t>
+            </a:r>
+            <a:r>
+              <a:rPr lang="zh-CN" altLang="en-US" dirty="0"/>
+              <a:t>；在</a:t>
+            </a:r>
+            <a:r>
+              <a:rPr lang="en-US" altLang="zh-CN" dirty="0"/>
+              <a:t>Linux</a:t>
+            </a:r>
+            <a:r>
+              <a:rPr lang="zh-CN" altLang="en-US" dirty="0"/>
+              <a:t>下叫做</a:t>
+            </a:r>
+            <a:r>
+              <a:rPr lang="zh-CN" altLang="en-US" b="1" dirty="0"/>
+              <a:t>块（</a:t>
+            </a:r>
+            <a:r>
+              <a:rPr lang="en-US" altLang="zh-CN" b="1" dirty="0"/>
+              <a:t>block</a:t>
+            </a:r>
+            <a:r>
+              <a:rPr lang="zh-CN" altLang="en-US" b="1" dirty="0"/>
+              <a:t>）</a:t>
+            </a:r>
+            <a:r>
+              <a:rPr lang="zh-CN" altLang="en-US" dirty="0"/>
               <a:t>。</a:t>
             </a:r>
           </a:p>
           <a:p>
-            <a:endParaRPr lang="zh-CN" altLang="en-US" dirty="0"/>
-          </a:p>
-          <a:p>
-            <a:r>
-              <a:rPr lang="zh-CN" altLang="en-US" dirty="0" smtClean="0"/>
-              <a:t>类似于</a:t>
-            </a:r>
-            <a:r>
-              <a:rPr lang="en-US" altLang="zh-CN" dirty="0" smtClean="0"/>
-              <a:t>UNIX</a:t>
-            </a:r>
-            <a:r>
-              <a:rPr lang="zh-CN" altLang="en-US" dirty="0" smtClean="0"/>
-              <a:t> </a:t>
-            </a:r>
-            <a:r>
-              <a:rPr lang="en-US" altLang="zh-CN" dirty="0" smtClean="0"/>
-              <a:t>FS</a:t>
-            </a:r>
-            <a:r>
-              <a:rPr lang="zh-CN" altLang="en-US" dirty="0" smtClean="0"/>
-              <a:t>中的</a:t>
-            </a:r>
-            <a:r>
-              <a:rPr lang="en-US" altLang="zh-CN" dirty="0" smtClean="0"/>
-              <a:t>Bitmap</a:t>
-            </a:r>
-            <a:r>
-              <a:rPr lang="zh-CN" altLang="en-US" dirty="0" smtClean="0"/>
-              <a:t>，</a:t>
-            </a:r>
-            <a:r>
-              <a:rPr lang="zh-CN" altLang="en-US" dirty="0"/>
-              <a:t>但不以索引的形式记录，而是每一个</a:t>
-            </a:r>
-            <a:r>
-              <a:rPr lang="en-US" altLang="zh-CN" dirty="0"/>
-              <a:t>Bit</a:t>
-            </a:r>
-            <a:r>
-              <a:rPr lang="zh-CN" altLang="en-US" dirty="0"/>
-              <a:t>表示一个簇。其值为</a:t>
-            </a:r>
-            <a:r>
-              <a:rPr lang="en-US" altLang="zh-CN" dirty="0"/>
-              <a:t>1</a:t>
-            </a:r>
-            <a:r>
-              <a:rPr lang="zh-CN" altLang="en-US" dirty="0"/>
-              <a:t>表示该簇已被使用，为</a:t>
-            </a:r>
-            <a:r>
-              <a:rPr lang="en-US" altLang="zh-CN" dirty="0"/>
-              <a:t>0</a:t>
-            </a:r>
-            <a:r>
-              <a:rPr lang="zh-CN" altLang="en-US" dirty="0"/>
-              <a:t>则表示空闲。</a:t>
-            </a:r>
-          </a:p>
-          <a:p>
-            <a:endParaRPr lang="en-US" dirty="0"/>
-          </a:p>
-        </p:txBody>
-      </p:sp>
-      <p:sp>
-        <p:nvSpPr>
-          <p:cNvPr id="4" name="Text Placeholder 3"/>
-          <p:cNvSpPr>
-            <a:spLocks noGrp="1"/>
-          </p:cNvSpPr>
-          <p:nvPr>
-            <p:ph type="body" sz="half" idx="2"/>
-          </p:nvPr>
-        </p:nvSpPr>
-        <p:spPr/>
-        <p:txBody>
-          <a:bodyPr/>
-          <a:lstStyle/>
-          <a:p>
-            <a:endParaRPr lang="en-US"/>
+            <a:endParaRPr lang="en-US" dirty="0"/>
           </a:p>
         </p:txBody>
       </p:sp>
     </p:spTree>
     <p:extLst>
       <p:ext uri="{BB962C8B-B14F-4D97-AF65-F5344CB8AC3E}">
-        <p14:creationId xmlns:p14="http://schemas.microsoft.com/office/powerpoint/2010/main" val="942061449"/>
+        <p14:creationId xmlns:p14="http://schemas.microsoft.com/office/powerpoint/2010/main" val="351228989"/>
       </p:ext>
     </p:extLst>
   </p:cSld>
@@ -4733,7 +4605,167 @@
       </p:grpSpPr>
       <p:sp>
         <p:nvSpPr>
-          <p:cNvPr id="2" name="Title 1"/>
+          <p:cNvPr id="2" name="Text Placeholder 1"/>
+          <p:cNvSpPr>
+            <a:spLocks noGrp="1"/>
+          </p:cNvSpPr>
+          <p:nvPr>
+            <p:ph type="body" idx="1"/>
+          </p:nvPr>
+        </p:nvSpPr>
+        <p:spPr/>
+        <p:txBody>
+          <a:bodyPr/>
+          <a:lstStyle/>
+          <a:p>
+            <a:r>
+              <a:rPr lang="en-US" dirty="0" err="1"/>
+              <a:t>Windows：簇</a:t>
+            </a:r>
+            <a:endParaRPr lang="en-US" dirty="0"/>
+          </a:p>
+        </p:txBody>
+      </p:sp>
+      <p:sp>
+        <p:nvSpPr>
+          <p:cNvPr id="3" name="Content Placeholder 2"/>
+          <p:cNvSpPr>
+            <a:spLocks noGrp="1"/>
+          </p:cNvSpPr>
+          <p:nvPr>
+            <p:ph sz="half" idx="2"/>
+          </p:nvPr>
+        </p:nvSpPr>
+        <p:spPr/>
+        <p:txBody>
+          <a:bodyPr>
+            <a:normAutofit/>
+          </a:bodyPr>
+          <a:lstStyle/>
+          <a:p>
+            <a:r>
+              <a:rPr lang="zh-CN" altLang="en-US" dirty="0" smtClean="0"/>
+              <a:t>一</a:t>
+            </a:r>
+            <a:r>
+              <a:rPr lang="zh-CN" altLang="en-US" dirty="0"/>
+              <a:t>个文件通常存放在一个或多个簇里，但至少要单独占据一个“簇”。 也就是说两个文件不能存放在同一个簇中</a:t>
+            </a:r>
+            <a:r>
+              <a:rPr lang="zh-CN" altLang="en-US" dirty="0" smtClean="0"/>
+              <a:t>。</a:t>
+            </a:r>
+          </a:p>
+          <a:p>
+            <a:r>
+              <a:rPr lang="en-US" altLang="zh-CN" dirty="0"/>
+              <a:t>Windows</a:t>
+            </a:r>
+            <a:r>
+              <a:rPr lang="zh-CN" altLang="en-US" dirty="0"/>
+              <a:t>下对应于上述</a:t>
+            </a:r>
+            <a:r>
+              <a:rPr lang="en-US" altLang="zh-CN" dirty="0" err="1"/>
+              <a:t>st_blksize</a:t>
+            </a:r>
+            <a:r>
+              <a:rPr lang="zh-CN" altLang="en-US" dirty="0"/>
+              <a:t>的值为“一个簇的大小 </a:t>
+            </a:r>
+            <a:r>
+              <a:rPr lang="en-US" altLang="zh-CN" dirty="0"/>
+              <a:t>= </a:t>
+            </a:r>
+            <a:r>
+              <a:rPr lang="zh-CN" altLang="en-US" dirty="0"/>
+              <a:t>一个簇的扇区数 * 一个扇区的字节数”。</a:t>
+            </a:r>
+            <a:endParaRPr lang="en-US" dirty="0"/>
+          </a:p>
+        </p:txBody>
+      </p:sp>
+      <p:sp>
+        <p:nvSpPr>
+          <p:cNvPr id="4" name="Content Placeholder 3"/>
+          <p:cNvSpPr>
+            <a:spLocks noGrp="1"/>
+          </p:cNvSpPr>
+          <p:nvPr>
+            <p:ph sz="quarter" idx="4"/>
+          </p:nvPr>
+        </p:nvSpPr>
+        <p:spPr/>
+        <p:txBody>
+          <a:bodyPr/>
+          <a:lstStyle/>
+          <a:p>
+            <a:r>
+              <a:rPr lang="zh-CN" altLang="en-US" dirty="0"/>
+              <a:t>一般的硬盘以</a:t>
+            </a:r>
+            <a:r>
+              <a:rPr lang="en-US" altLang="zh-CN" dirty="0"/>
+              <a:t>512</a:t>
+            </a:r>
+            <a:r>
+              <a:rPr lang="zh-CN" altLang="en-US" dirty="0"/>
+              <a:t>个字节为一个扇区，磁盘中一个</a:t>
+            </a:r>
+            <a:r>
+              <a:rPr lang="en-US" altLang="zh-CN" dirty="0"/>
+              <a:t>Block</a:t>
+            </a:r>
+            <a:r>
+              <a:rPr lang="zh-CN" altLang="en-US" dirty="0"/>
+              <a:t>的大小是扇区的倍数，</a:t>
+            </a:r>
+            <a:r>
+              <a:rPr lang="en-US" altLang="zh-CN" dirty="0"/>
+              <a:t>PC</a:t>
+            </a:r>
+            <a:r>
+              <a:rPr lang="zh-CN" altLang="en-US" dirty="0"/>
+              <a:t>默认设置的大小是</a:t>
+            </a:r>
+            <a:r>
+              <a:rPr lang="en-US" altLang="zh-CN" dirty="0"/>
+              <a:t>4096</a:t>
+            </a:r>
+            <a:r>
+              <a:rPr lang="zh-CN" altLang="en-US" dirty="0"/>
+              <a:t>的大小。</a:t>
+            </a:r>
+            <a:endParaRPr lang="en-US" dirty="0"/>
+          </a:p>
+        </p:txBody>
+      </p:sp>
+      <p:sp>
+        <p:nvSpPr>
+          <p:cNvPr id="5" name="Text Placeholder 4"/>
+          <p:cNvSpPr>
+            <a:spLocks noGrp="1"/>
+          </p:cNvSpPr>
+          <p:nvPr>
+            <p:ph type="body" sz="quarter" idx="13"/>
+          </p:nvPr>
+        </p:nvSpPr>
+        <p:spPr/>
+        <p:txBody>
+          <a:bodyPr/>
+          <a:lstStyle/>
+          <a:p>
+            <a:r>
+              <a:rPr lang="en-US" dirty="0" err="1"/>
+              <a:t>Linux：块</a:t>
+            </a:r>
+            <a:endParaRPr lang="en-US" dirty="0"/>
+          </a:p>
+        </p:txBody>
+      </p:sp>
+      <p:sp>
+        <p:nvSpPr>
+          <p:cNvPr id="6" name="Title 5"/>
           <p:cNvSpPr>
             <a:spLocks noGrp="1"/>
           </p:cNvSpPr>
@@ -4750,101 +4782,6 @@
               <a:rPr lang="zh-CN" altLang="en-US" dirty="0" smtClean="0"/>
               <a:t>存储文件的单元</a:t>
             </a:r>
-            <a:endParaRPr lang="en-US" dirty="0"/>
-          </a:p>
-        </p:txBody>
-      </p:sp>
-      <p:sp>
-        <p:nvSpPr>
-          <p:cNvPr id="3" name="Content Placeholder 2"/>
-          <p:cNvSpPr>
-            <a:spLocks noGrp="1"/>
-          </p:cNvSpPr>
-          <p:nvPr>
-            <p:ph idx="1"/>
-          </p:nvPr>
-        </p:nvSpPr>
-        <p:spPr/>
-        <p:txBody>
-          <a:bodyPr/>
-          <a:lstStyle/>
-          <a:p>
-            <a:r>
-              <a:rPr lang="zh-CN" altLang="en-US" dirty="0"/>
-              <a:t>扇区是磁盘最小的物理存储单元，一般而言是</a:t>
-            </a:r>
-            <a:r>
-              <a:rPr lang="en-US" altLang="zh-CN" dirty="0"/>
-              <a:t>512kb</a:t>
-            </a:r>
-            <a:r>
-              <a:rPr lang="zh-CN" altLang="en-US" dirty="0"/>
-              <a:t>大小每个扇区，但是操作通常不直接管理每一个扇区，而是通过将若干个扇区组成的一个更大的集合来去进行操作管理。</a:t>
-            </a:r>
-            <a:r>
-              <a:rPr lang="zh-CN" altLang="en-US" b="1" dirty="0"/>
-              <a:t/>
-            </a:r>
-            <a:br>
-              <a:rPr lang="zh-CN" altLang="en-US" b="1" dirty="0"/>
-            </a:br>
-            <a:endParaRPr lang="zh-CN" altLang="en-US" dirty="0"/>
-          </a:p>
-          <a:p>
-            <a:r>
-              <a:rPr lang="zh-CN" altLang="en-US" dirty="0"/>
-              <a:t> </a:t>
-            </a:r>
-            <a:r>
-              <a:rPr lang="zh-CN" altLang="en-US" dirty="0" smtClean="0"/>
-              <a:t>这个</a:t>
-            </a:r>
-            <a:r>
-              <a:rPr lang="zh-CN" altLang="en-US" dirty="0"/>
-              <a:t>比扇区更大的集合，在</a:t>
-            </a:r>
-            <a:r>
-              <a:rPr lang="en-US" altLang="zh-CN" dirty="0"/>
-              <a:t>Windows</a:t>
-            </a:r>
-            <a:r>
-              <a:rPr lang="zh-CN" altLang="en-US" dirty="0"/>
-              <a:t>下叫做</a:t>
-            </a:r>
-            <a:r>
-              <a:rPr lang="zh-CN" altLang="en-US" b="1" dirty="0"/>
-              <a:t>簇</a:t>
-            </a:r>
-            <a:r>
-              <a:rPr lang="zh-CN" altLang="en-US" dirty="0"/>
-              <a:t>；在</a:t>
-            </a:r>
-            <a:r>
-              <a:rPr lang="en-US" altLang="zh-CN" dirty="0"/>
-              <a:t>Linux</a:t>
-            </a:r>
-            <a:r>
-              <a:rPr lang="zh-CN" altLang="en-US" dirty="0"/>
-              <a:t>下叫做</a:t>
-            </a:r>
-            <a:r>
-              <a:rPr lang="zh-CN" altLang="en-US" b="1" dirty="0"/>
-              <a:t>块（</a:t>
-            </a:r>
-            <a:r>
-              <a:rPr lang="en-US" altLang="zh-CN" b="1" dirty="0"/>
-              <a:t>block</a:t>
-            </a:r>
-            <a:r>
-              <a:rPr lang="zh-CN" altLang="en-US" b="1" dirty="0"/>
-              <a:t>）</a:t>
-            </a:r>
-            <a:r>
-              <a:rPr lang="zh-CN" altLang="en-US" dirty="0"/>
-              <a:t>。</a:t>
-            </a:r>
-          </a:p>
-          <a:p>
             <a:endParaRPr lang="en-US" dirty="0"/>
           </a:p>
         </p:txBody>
@@ -4852,13 +4789,21 @@
     </p:spTree>
     <p:extLst>
       <p:ext uri="{BB962C8B-B14F-4D97-AF65-F5344CB8AC3E}">
-        <p14:creationId xmlns:p14="http://schemas.microsoft.com/office/powerpoint/2010/main" val="351228989"/>
+        <p14:creationId xmlns:p14="http://schemas.microsoft.com/office/powerpoint/2010/main" val="907947930"/>
       </p:ext>
     </p:extLst>
   </p:cSld>
   <p:clrMapOvr>
     <a:masterClrMapping/>
   </p:clrMapOvr>
+  <mc:AlternateContent xmlns:mc="http://schemas.openxmlformats.org/markup-compatibility/2006" xmlns:p14="http://schemas.microsoft.com/office/powerpoint/2010/main">
+    <mc:Choice Requires="p14">
+      <p:transition p14:dur="0"/>
+    </mc:Choice>
+    <mc:Fallback xmlns="">
+      <p:transition/>
+    </mc:Fallback>
+  </mc:AlternateContent>
   <p:timing>
     <p:tnLst>
       <p:par>
@@ -4888,234 +4833,6 @@
       </p:grpSpPr>
       <p:sp>
         <p:nvSpPr>
-          <p:cNvPr id="2" name="Text Placeholder 1"/>
-          <p:cNvSpPr>
-            <a:spLocks noGrp="1"/>
-          </p:cNvSpPr>
-          <p:nvPr>
-            <p:ph type="body" idx="1"/>
-          </p:nvPr>
-        </p:nvSpPr>
-        <p:spPr/>
-        <p:txBody>
-          <a:bodyPr/>
-          <a:lstStyle/>
-          <a:p>
-            <a:r>
-              <a:rPr lang="en-US" dirty="0" err="1"/>
-              <a:t>Windows：簇</a:t>
-            </a:r>
-            <a:endParaRPr lang="en-US" dirty="0"/>
-          </a:p>
-        </p:txBody>
-      </p:sp>
-      <p:sp>
-        <p:nvSpPr>
-          <p:cNvPr id="3" name="Content Placeholder 2"/>
-          <p:cNvSpPr>
-            <a:spLocks noGrp="1"/>
-          </p:cNvSpPr>
-          <p:nvPr>
-            <p:ph sz="half" idx="2"/>
-          </p:nvPr>
-        </p:nvSpPr>
-        <p:spPr/>
-        <p:txBody>
-          <a:bodyPr>
-            <a:normAutofit/>
-          </a:bodyPr>
-          <a:lstStyle/>
-          <a:p>
-            <a:r>
-              <a:rPr lang="zh-CN" altLang="en-US" dirty="0" smtClean="0"/>
-              <a:t>一</a:t>
-            </a:r>
-            <a:r>
-              <a:rPr lang="zh-CN" altLang="en-US" dirty="0"/>
-              <a:t>个文件通常存放在一个或多个簇里，但至少要单独占据一个“簇”。 也就是说两个文件不能存放在同一个簇中</a:t>
-            </a:r>
-            <a:r>
-              <a:rPr lang="zh-CN" altLang="en-US" dirty="0" smtClean="0"/>
-              <a:t>。</a:t>
-            </a:r>
-          </a:p>
-          <a:p>
-            <a:r>
-              <a:rPr lang="en-US" altLang="zh-CN" dirty="0"/>
-              <a:t>Windows</a:t>
-            </a:r>
-            <a:r>
-              <a:rPr lang="zh-CN" altLang="en-US" dirty="0"/>
-              <a:t>下对应于上述</a:t>
-            </a:r>
-            <a:r>
-              <a:rPr lang="en-US" altLang="zh-CN" dirty="0" err="1"/>
-              <a:t>st_blksize</a:t>
-            </a:r>
-            <a:r>
-              <a:rPr lang="zh-CN" altLang="en-US" dirty="0"/>
-              <a:t>的值为“一个簇的大小 </a:t>
-            </a:r>
-            <a:r>
-              <a:rPr lang="en-US" altLang="zh-CN" dirty="0"/>
-              <a:t>= </a:t>
-            </a:r>
-            <a:r>
-              <a:rPr lang="zh-CN" altLang="en-US" dirty="0"/>
-              <a:t>一个簇的扇区数 * 一个扇区的字节数”。</a:t>
-            </a:r>
-            <a:endParaRPr lang="en-US" dirty="0"/>
-          </a:p>
-        </p:txBody>
-      </p:sp>
-      <p:sp>
-        <p:nvSpPr>
-          <p:cNvPr id="4" name="Content Placeholder 3"/>
-          <p:cNvSpPr>
-            <a:spLocks noGrp="1"/>
-          </p:cNvSpPr>
-          <p:nvPr>
-            <p:ph sz="quarter" idx="4"/>
-          </p:nvPr>
-        </p:nvSpPr>
-        <p:spPr/>
-        <p:txBody>
-          <a:bodyPr/>
-          <a:lstStyle/>
-          <a:p>
-            <a:r>
-              <a:rPr lang="zh-CN" altLang="en-US" dirty="0"/>
-              <a:t>一般的硬盘以</a:t>
-            </a:r>
-            <a:r>
-              <a:rPr lang="en-US" altLang="zh-CN" dirty="0"/>
-              <a:t>512</a:t>
-            </a:r>
-            <a:r>
-              <a:rPr lang="zh-CN" altLang="en-US" dirty="0"/>
-              <a:t>个字节为一个扇区，磁盘中一个</a:t>
-            </a:r>
-            <a:r>
-              <a:rPr lang="en-US" altLang="zh-CN" dirty="0"/>
-              <a:t>Block</a:t>
-            </a:r>
-            <a:r>
-              <a:rPr lang="zh-CN" altLang="en-US" dirty="0"/>
-              <a:t>的大小是扇区的倍数，</a:t>
-            </a:r>
-            <a:r>
-              <a:rPr lang="en-US" altLang="zh-CN" dirty="0"/>
-              <a:t>PC</a:t>
-            </a:r>
-            <a:r>
-              <a:rPr lang="zh-CN" altLang="en-US" dirty="0"/>
-              <a:t>默认设置的大小是</a:t>
-            </a:r>
-            <a:r>
-              <a:rPr lang="en-US" altLang="zh-CN" dirty="0"/>
-              <a:t>4096</a:t>
-            </a:r>
-            <a:r>
-              <a:rPr lang="zh-CN" altLang="en-US" dirty="0"/>
-              <a:t>的大小。</a:t>
-            </a:r>
-            <a:endParaRPr lang="en-US" dirty="0"/>
-          </a:p>
-        </p:txBody>
-      </p:sp>
-      <p:sp>
-        <p:nvSpPr>
-          <p:cNvPr id="5" name="Text Placeholder 4"/>
-          <p:cNvSpPr>
-            <a:spLocks noGrp="1"/>
-          </p:cNvSpPr>
-          <p:nvPr>
-            <p:ph type="body" sz="quarter" idx="13"/>
-          </p:nvPr>
-        </p:nvSpPr>
-        <p:spPr/>
-        <p:txBody>
-          <a:bodyPr/>
-          <a:lstStyle/>
-          <a:p>
-            <a:r>
-              <a:rPr lang="en-US" dirty="0" err="1"/>
-              <a:t>Linux：块</a:t>
-            </a:r>
-            <a:endParaRPr lang="en-US" dirty="0"/>
-          </a:p>
-        </p:txBody>
-      </p:sp>
-      <p:sp>
-        <p:nvSpPr>
-          <p:cNvPr id="6" name="Title 5"/>
-          <p:cNvSpPr>
-            <a:spLocks noGrp="1"/>
-          </p:cNvSpPr>
-          <p:nvPr>
-            <p:ph type="title"/>
-          </p:nvPr>
-        </p:nvSpPr>
-        <p:spPr/>
-        <p:txBody>
-          <a:bodyPr/>
-          <a:lstStyle/>
-          <a:p>
-            <a:r>
-              <a:rPr lang="zh-CN" altLang="en-US" dirty="0" smtClean="0"/>
-              <a:t>存储文件的单元</a:t>
-            </a:r>
-            <a:endParaRPr lang="en-US" dirty="0"/>
-          </a:p>
-        </p:txBody>
-      </p:sp>
-    </p:spTree>
-    <p:extLst>
-      <p:ext uri="{BB962C8B-B14F-4D97-AF65-F5344CB8AC3E}">
-        <p14:creationId xmlns:p14="http://schemas.microsoft.com/office/powerpoint/2010/main" val="907947930"/>
-      </p:ext>
-    </p:extLst>
-  </p:cSld>
-  <p:clrMapOvr>
-    <a:masterClrMapping/>
-  </p:clrMapOvr>
-  <mc:AlternateContent xmlns:mc="http://schemas.openxmlformats.org/markup-compatibility/2006">
-    <mc:Choice xmlns:p14="http://schemas.microsoft.com/office/powerpoint/2010/main" Requires="p14">
-      <p:transition p14:dur="0"/>
-    </mc:Choice>
-    <mc:Fallback>
-      <p:transition/>
-    </mc:Fallback>
-  </mc:AlternateContent>
-  <p:timing>
-    <p:tnLst>
-      <p:par>
-        <p:cTn id="1" dur="indefinite" restart="never" nodeType="tmRoot"/>
-      </p:par>
-    </p:tnLst>
-  </p:timing>
-</p:sld>
-</file>
-
-<file path=ppt/slides/slide18.xml><?xml version="1.0" encoding="utf-8"?>
-<p:sld xmlns:a="http://schemas.openxmlformats.org/drawingml/2006/main" xmlns:r="http://schemas.openxmlformats.org/officeDocument/2006/relationships" xmlns:p="http://schemas.openxmlformats.org/presentationml/2006/main">
-  <p:cSld>
-    <p:spTree>
-      <p:nvGrpSpPr>
-        <p:cNvPr id="1" name=""/>
-        <p:cNvGrpSpPr/>
-        <p:nvPr/>
-      </p:nvGrpSpPr>
-      <p:grpSpPr>
-        <a:xfrm>
-          <a:off x="0" y="0"/>
-          <a:ext cx="0" cy="0"/>
-          <a:chOff x="0" y="0"/>
-          <a:chExt cx="0" cy="0"/>
-        </a:xfrm>
-      </p:grpSpPr>
-      <p:sp>
-        <p:nvSpPr>
           <p:cNvPr id="2" name="Title 1"/>
           <p:cNvSpPr>
             <a:spLocks noGrp="1"/>
@@ -5174,13 +4891,13 @@
   <p:clrMapOvr>
     <a:masterClrMapping/>
   </p:clrMapOvr>
-  <mc:AlternateContent xmlns:mc="http://schemas.openxmlformats.org/markup-compatibility/2006">
-    <mc:Choice xmlns:p14="http://schemas.microsoft.com/office/powerpoint/2010/main" Requires="p14">
+  <mc:AlternateContent xmlns:mc="http://schemas.openxmlformats.org/markup-compatibility/2006" xmlns:p14="http://schemas.microsoft.com/office/powerpoint/2010/main">
+    <mc:Choice Requires="p14">
       <p:transition spd="slow" p14:dur="1200">
         <p14:prism/>
       </p:transition>
     </mc:Choice>
-    <mc:Fallback>
+    <mc:Fallback xmlns="">
       <p:transition spd="slow">
         <p:fade/>
       </p:transition>
@@ -5196,7 +4913,7 @@
 </p:sld>
 </file>
 
-<file path=ppt/slides/slide19.xml><?xml version="1.0" encoding="utf-8"?>
+<file path=ppt/slides/slide18.xml><?xml version="1.0" encoding="utf-8"?>
 <p:sld xmlns:a="http://schemas.openxmlformats.org/drawingml/2006/main" xmlns:r="http://schemas.openxmlformats.org/officeDocument/2006/relationships" xmlns:p="http://schemas.openxmlformats.org/presentationml/2006/main">
   <p:cSld>
     <p:spTree>
@@ -5253,18 +4970,227 @@
   <p:clrMapOvr>
     <a:masterClrMapping/>
   </p:clrMapOvr>
-  <mc:AlternateContent xmlns:mc="http://schemas.openxmlformats.org/markup-compatibility/2006">
-    <mc:Choice xmlns:p14="http://schemas.microsoft.com/office/powerpoint/2010/main" Requires="p14">
+  <mc:AlternateContent xmlns:mc="http://schemas.openxmlformats.org/markup-compatibility/2006" xmlns:p14="http://schemas.microsoft.com/office/powerpoint/2010/main">
+    <mc:Choice Requires="p14">
       <p:transition spd="slow" p14:dur="1400">
         <p14:doors dir="vert"/>
       </p:transition>
     </mc:Choice>
-    <mc:Fallback>
+    <mc:Fallback xmlns="">
       <p:transition spd="slow">
         <p:fade/>
       </p:transition>
     </mc:Fallback>
   </mc:AlternateContent>
+  <p:timing>
+    <p:tnLst>
+      <p:par>
+        <p:cTn id="1" dur="indefinite" restart="never" nodeType="tmRoot"/>
+      </p:par>
+    </p:tnLst>
+  </p:timing>
+</p:sld>
+</file>
+
+<file path=ppt/slides/slide19.xml><?xml version="1.0" encoding="utf-8"?>
+<p:sld xmlns:a="http://schemas.openxmlformats.org/drawingml/2006/main" xmlns:r="http://schemas.openxmlformats.org/officeDocument/2006/relationships" xmlns:p="http://schemas.openxmlformats.org/presentationml/2006/main">
+  <p:cSld>
+    <p:spTree>
+      <p:nvGrpSpPr>
+        <p:cNvPr id="1" name=""/>
+        <p:cNvGrpSpPr/>
+        <p:nvPr/>
+      </p:nvGrpSpPr>
+      <p:grpSpPr>
+        <a:xfrm>
+          <a:off x="0" y="0"/>
+          <a:ext cx="0" cy="0"/>
+          <a:chOff x="0" y="0"/>
+          <a:chExt cx="0" cy="0"/>
+        </a:xfrm>
+      </p:grpSpPr>
+      <p:sp>
+        <p:nvSpPr>
+          <p:cNvPr id="2" name="Title 1"/>
+          <p:cNvSpPr>
+            <a:spLocks noGrp="1"/>
+          </p:cNvSpPr>
+          <p:nvPr>
+            <p:ph type="title"/>
+          </p:nvPr>
+        </p:nvSpPr>
+        <p:spPr/>
+        <p:txBody>
+          <a:bodyPr/>
+          <a:lstStyle/>
+          <a:p>
+            <a:r>
+              <a:rPr lang="en-US" altLang="zh-CN" dirty="0" smtClean="0"/>
+              <a:t>Read</a:t>
+            </a:r>
+            <a:r>
+              <a:rPr lang="zh-CN" altLang="en-US" dirty="0" smtClean="0"/>
+              <a:t> 流程</a:t>
+            </a:r>
+            <a:endParaRPr lang="en-US" dirty="0"/>
+          </a:p>
+        </p:txBody>
+      </p:sp>
+      <p:sp>
+        <p:nvSpPr>
+          <p:cNvPr id="3" name="Content Placeholder 2"/>
+          <p:cNvSpPr>
+            <a:spLocks noGrp="1"/>
+          </p:cNvSpPr>
+          <p:nvPr>
+            <p:ph idx="1"/>
+          </p:nvPr>
+        </p:nvSpPr>
+        <p:spPr/>
+        <p:txBody>
+          <a:bodyPr>
+            <a:normAutofit/>
+          </a:bodyPr>
+          <a:lstStyle/>
+          <a:p>
+            <a:r>
+              <a:rPr lang="zh-CN" altLang="en-US" dirty="0"/>
+              <a:t>首先从硬盘的分区表中计算出分区开始的</a:t>
+            </a:r>
+            <a:r>
+              <a:rPr lang="zh-CN" altLang="en-US" dirty="0" smtClean="0"/>
+              <a:t>位置</a:t>
+            </a:r>
+          </a:p>
+          <a:p>
+            <a:r>
+              <a:rPr lang="zh-CN" altLang="en-US" dirty="0"/>
+              <a:t>再读取分区数据区中的第一个扇区（</a:t>
+            </a:r>
+            <a:r>
+              <a:rPr lang="en-US" altLang="zh-CN" dirty="0"/>
+              <a:t>$Boot</a:t>
+            </a:r>
+            <a:r>
+              <a:rPr lang="zh-CN" altLang="en-US" dirty="0"/>
+              <a:t>文件的第一个扇区）从中取得隐藏扇区数目</a:t>
+            </a:r>
+            <a:r>
+              <a:rPr lang="zh-CN" altLang="en-US" dirty="0" smtClean="0"/>
+              <a:t>，</a:t>
+            </a:r>
+            <a:r>
+              <a:rPr lang="zh-CN" altLang="en-US" dirty="0"/>
+              <a:t> </a:t>
+            </a:r>
+            <a:r>
+              <a:rPr lang="en-US" altLang="zh-CN" dirty="0"/>
+              <a:t>$MFT</a:t>
+            </a:r>
+            <a:r>
+              <a:rPr lang="zh-CN" altLang="en-US" dirty="0"/>
+              <a:t>开始的簇号，每簇扇区数，每个</a:t>
+            </a:r>
+            <a:r>
+              <a:rPr lang="en-US" altLang="zh-CN" dirty="0"/>
+              <a:t>MFT</a:t>
+            </a:r>
+            <a:r>
+              <a:rPr lang="zh-CN" altLang="en-US" dirty="0"/>
+              <a:t>记录的尺寸</a:t>
+            </a:r>
+            <a:r>
+              <a:rPr lang="zh-CN" altLang="en-US" dirty="0" smtClean="0"/>
+              <a:t>。</a:t>
+            </a:r>
+          </a:p>
+          <a:p>
+            <a:r>
+              <a:rPr lang="zh-CN" altLang="en-US" dirty="0"/>
+              <a:t>通过这些数据计算出</a:t>
+            </a:r>
+            <a:r>
+              <a:rPr lang="en-US" altLang="zh-CN" dirty="0"/>
+              <a:t>$MFT</a:t>
+            </a:r>
+            <a:r>
+              <a:rPr lang="zh-CN" altLang="en-US" dirty="0"/>
+              <a:t>所在的位置，读取第一个</a:t>
+            </a:r>
+            <a:r>
+              <a:rPr lang="en-US" altLang="zh-CN" dirty="0"/>
+              <a:t>MFT</a:t>
+            </a:r>
+            <a:r>
+              <a:rPr lang="zh-CN" altLang="en-US" dirty="0"/>
+              <a:t>记录，然后按照记录中描述的</a:t>
+            </a:r>
+            <a:r>
+              <a:rPr lang="en-US" altLang="zh-CN" dirty="0"/>
+              <a:t>$MFT</a:t>
+            </a:r>
+            <a:r>
+              <a:rPr lang="zh-CN" altLang="en-US" dirty="0"/>
+              <a:t>文件的存放位置读出文件名为“</a:t>
+            </a:r>
+            <a:r>
+              <a:rPr lang="en-US" altLang="zh-CN" dirty="0"/>
+              <a:t>.”</a:t>
+            </a:r>
+            <a:r>
+              <a:rPr lang="zh-CN" altLang="en-US" dirty="0"/>
+              <a:t>的</a:t>
+            </a:r>
+            <a:r>
+              <a:rPr lang="en-US" altLang="zh-CN" dirty="0"/>
+              <a:t>MFT</a:t>
+            </a:r>
+            <a:r>
+              <a:rPr lang="zh-CN" altLang="en-US" dirty="0"/>
+              <a:t>记录（根目录文件）</a:t>
+            </a:r>
+            <a:r>
+              <a:rPr lang="zh-CN" altLang="en-US" dirty="0" smtClean="0"/>
+              <a:t>。</a:t>
+            </a:r>
+          </a:p>
+          <a:p>
+            <a:r>
+              <a:rPr lang="zh-CN" altLang="en-US" dirty="0"/>
+              <a:t>然后在该记录中搜索要求的目录项。找到以后，获得它的描述在</a:t>
+            </a:r>
+            <a:r>
+              <a:rPr lang="en-US" altLang="zh-CN" dirty="0"/>
+              <a:t>$MFT</a:t>
+            </a:r>
+            <a:r>
+              <a:rPr lang="zh-CN" altLang="en-US" dirty="0"/>
+              <a:t>中的索引，再在其中寻找下级目录的索引</a:t>
+            </a:r>
+            <a:r>
+              <a:rPr lang="en-US" altLang="zh-CN" dirty="0"/>
+              <a:t>……</a:t>
+            </a:r>
+            <a:r>
+              <a:rPr lang="zh-CN" altLang="en-US" dirty="0"/>
+              <a:t>直到找到为止。</a:t>
+            </a:r>
+          </a:p>
+          <a:p>
+            <a:endParaRPr lang="en-US" dirty="0"/>
+          </a:p>
+        </p:txBody>
+      </p:sp>
+    </p:spTree>
+    <p:extLst>
+      <p:ext uri="{BB962C8B-B14F-4D97-AF65-F5344CB8AC3E}">
+        <p14:creationId xmlns:p14="http://schemas.microsoft.com/office/powerpoint/2010/main" val="885745207"/>
+      </p:ext>
+    </p:extLst>
+  </p:cSld>
+  <p:clrMapOvr>
+    <a:masterClrMapping/>
+  </p:clrMapOvr>
   <p:timing>
     <p:tnLst>
       <p:par>
@@ -5369,13 +5295,13 @@
   <p:clrMapOvr>
     <a:masterClrMapping/>
   </p:clrMapOvr>
-  <mc:AlternateContent xmlns:mc="http://schemas.openxmlformats.org/markup-compatibility/2006">
-    <mc:Choice xmlns:p14="http://schemas.microsoft.com/office/powerpoint/2010/main" Requires="p14">
+  <mc:AlternateContent xmlns:mc="http://schemas.openxmlformats.org/markup-compatibility/2006" xmlns:p14="http://schemas.microsoft.com/office/powerpoint/2010/main">
+    <mc:Choice Requires="p14">
       <p:transition spd="slow" p14:dur="1400">
         <p14:doors dir="vert"/>
       </p:transition>
     </mc:Choice>
-    <mc:Fallback>
+    <mc:Fallback xmlns="">
       <p:transition spd="slow">
         <p:fade/>
       </p:transition>
@@ -5392,219 +5318,6 @@
 </file>
 
 <file path=ppt/slides/slide20.xml><?xml version="1.0" encoding="utf-8"?>
-<p:sld xmlns:a="http://schemas.openxmlformats.org/drawingml/2006/main" xmlns:r="http://schemas.openxmlformats.org/officeDocument/2006/relationships" xmlns:p="http://schemas.openxmlformats.org/presentationml/2006/main">
-  <p:cSld>
-    <p:spTree>
-      <p:nvGrpSpPr>
-        <p:cNvPr id="1" name=""/>
-        <p:cNvGrpSpPr/>
-        <p:nvPr/>
-      </p:nvGrpSpPr>
-      <p:grpSpPr>
-        <a:xfrm>
-          <a:off x="0" y="0"/>
-          <a:ext cx="0" cy="0"/>
-          <a:chOff x="0" y="0"/>
-          <a:chExt cx="0" cy="0"/>
-        </a:xfrm>
-      </p:grpSpPr>
-      <p:sp>
-        <p:nvSpPr>
-          <p:cNvPr id="2" name="Title 1"/>
-          <p:cNvSpPr>
-            <a:spLocks noGrp="1"/>
-          </p:cNvSpPr>
-          <p:nvPr>
-            <p:ph type="title"/>
-          </p:nvPr>
-        </p:nvSpPr>
-        <p:spPr/>
-        <p:txBody>
-          <a:bodyPr/>
-          <a:lstStyle/>
-          <a:p>
-            <a:r>
-              <a:rPr lang="en-US" altLang="zh-CN" dirty="0" smtClean="0"/>
-              <a:t>Read</a:t>
-            </a:r>
-            <a:r>
-              <a:rPr lang="zh-CN" altLang="en-US" dirty="0" smtClean="0"/>
-              <a:t> </a:t>
-            </a:r>
-            <a:r>
-              <a:rPr lang="zh-CN" altLang="en-US" dirty="0" smtClean="0"/>
-              <a:t>流程</a:t>
-            </a:r>
-            <a:endParaRPr lang="en-US" dirty="0"/>
-          </a:p>
-        </p:txBody>
-      </p:sp>
-      <p:sp>
-        <p:nvSpPr>
-          <p:cNvPr id="3" name="Content Placeholder 2"/>
-          <p:cNvSpPr>
-            <a:spLocks noGrp="1"/>
-          </p:cNvSpPr>
-          <p:nvPr>
-            <p:ph idx="1"/>
-          </p:nvPr>
-        </p:nvSpPr>
-        <p:spPr/>
-        <p:txBody>
-          <a:bodyPr>
-            <a:normAutofit/>
-          </a:bodyPr>
-          <a:lstStyle/>
-          <a:p>
-            <a:r>
-              <a:rPr lang="zh-CN" altLang="en-US" dirty="0"/>
-              <a:t>首先从硬盘的分区表中计算出分区开始的</a:t>
-            </a:r>
-            <a:r>
-              <a:rPr lang="zh-CN" altLang="en-US" dirty="0" smtClean="0"/>
-              <a:t>位置</a:t>
-            </a:r>
-          </a:p>
-          <a:p>
-            <a:r>
-              <a:rPr lang="zh-CN" altLang="en-US" dirty="0"/>
-              <a:t>再读取分区数据区中的第一个扇区（</a:t>
-            </a:r>
-            <a:r>
-              <a:rPr lang="en-US" altLang="zh-CN" dirty="0"/>
-              <a:t>$Boot</a:t>
-            </a:r>
-            <a:r>
-              <a:rPr lang="zh-CN" altLang="en-US" dirty="0"/>
-              <a:t>文件的第一个扇区）从中取得隐藏扇区数目</a:t>
-            </a:r>
-            <a:r>
-              <a:rPr lang="zh-CN" altLang="en-US" dirty="0" smtClean="0"/>
-              <a:t>，</a:t>
-            </a:r>
-            <a:r>
-              <a:rPr lang="zh-CN" altLang="en-US" dirty="0"/>
-              <a:t> </a:t>
-            </a:r>
-            <a:r>
-              <a:rPr lang="en-US" altLang="zh-CN" dirty="0"/>
-              <a:t>$MFT</a:t>
-            </a:r>
-            <a:r>
-              <a:rPr lang="zh-CN" altLang="en-US" dirty="0"/>
-              <a:t>开始的簇号，每簇扇区数，每个</a:t>
-            </a:r>
-            <a:r>
-              <a:rPr lang="en-US" altLang="zh-CN" dirty="0"/>
-              <a:t>MFT</a:t>
-            </a:r>
-            <a:r>
-              <a:rPr lang="zh-CN" altLang="en-US" dirty="0"/>
-              <a:t>记录的尺寸</a:t>
-            </a:r>
-            <a:r>
-              <a:rPr lang="zh-CN" altLang="en-US" dirty="0" smtClean="0"/>
-              <a:t>。</a:t>
-            </a:r>
-          </a:p>
-          <a:p>
-            <a:r>
-              <a:rPr lang="zh-CN" altLang="en-US" dirty="0"/>
-              <a:t>通过这些数据计算出</a:t>
-            </a:r>
-            <a:r>
-              <a:rPr lang="en-US" altLang="zh-CN" dirty="0"/>
-              <a:t>$MFT</a:t>
-            </a:r>
-            <a:r>
-              <a:rPr lang="zh-CN" altLang="en-US" dirty="0"/>
-              <a:t>所在的位置，读取第一个</a:t>
-            </a:r>
-            <a:r>
-              <a:rPr lang="en-US" altLang="zh-CN" dirty="0"/>
-              <a:t>MFT</a:t>
-            </a:r>
-            <a:r>
-              <a:rPr lang="zh-CN" altLang="en-US" dirty="0"/>
-              <a:t>记录，然后按照记录中描述的</a:t>
-            </a:r>
-            <a:r>
-              <a:rPr lang="en-US" altLang="zh-CN" dirty="0"/>
-              <a:t>$MFT</a:t>
-            </a:r>
-            <a:r>
-              <a:rPr lang="zh-CN" altLang="en-US" dirty="0"/>
-              <a:t>文件的存放位置读出文件名为“</a:t>
-            </a:r>
-            <a:r>
-              <a:rPr lang="en-US" altLang="zh-CN" dirty="0"/>
-              <a:t>.”</a:t>
-            </a:r>
-            <a:r>
-              <a:rPr lang="zh-CN" altLang="en-US" dirty="0"/>
-              <a:t>的</a:t>
-            </a:r>
-            <a:r>
-              <a:rPr lang="en-US" altLang="zh-CN" dirty="0"/>
-              <a:t>MFT</a:t>
-            </a:r>
-            <a:r>
-              <a:rPr lang="zh-CN" altLang="en-US" dirty="0"/>
-              <a:t>记录（根目录文件）</a:t>
-            </a:r>
-            <a:r>
-              <a:rPr lang="zh-CN" altLang="en-US" dirty="0" smtClean="0"/>
-              <a:t>。</a:t>
-            </a:r>
-          </a:p>
-          <a:p>
-            <a:r>
-              <a:rPr lang="zh-CN" altLang="en-US" dirty="0"/>
-              <a:t>然后在该记录中搜索要求的目录项。找到以后，获得它的描述在</a:t>
-            </a:r>
-            <a:r>
-              <a:rPr lang="en-US" altLang="zh-CN" dirty="0"/>
-              <a:t>$MFT</a:t>
-            </a:r>
-            <a:r>
-              <a:rPr lang="zh-CN" altLang="en-US" dirty="0"/>
-              <a:t>中的索引，再在其中寻找下级目录的索引</a:t>
-            </a:r>
-            <a:r>
-              <a:rPr lang="en-US" altLang="zh-CN" dirty="0"/>
-              <a:t>……</a:t>
-            </a:r>
-            <a:r>
-              <a:rPr lang="zh-CN" altLang="en-US" dirty="0"/>
-              <a:t>直到找到为止。</a:t>
-            </a:r>
-          </a:p>
-          <a:p>
-            <a:endParaRPr lang="en-US" dirty="0"/>
-          </a:p>
-        </p:txBody>
-      </p:sp>
-    </p:spTree>
-    <p:extLst>
-      <p:ext uri="{BB962C8B-B14F-4D97-AF65-F5344CB8AC3E}">
-        <p14:creationId xmlns:p14="http://schemas.microsoft.com/office/powerpoint/2010/main" val="885745207"/>
-      </p:ext>
-    </p:extLst>
-  </p:cSld>
-  <p:clrMapOvr>
-    <a:masterClrMapping/>
-  </p:clrMapOvr>
-  <p:timing>
-    <p:tnLst>
-      <p:par>
-        <p:cTn id="1" dur="indefinite" restart="never" nodeType="tmRoot"/>
-      </p:par>
-    </p:tnLst>
-  </p:timing>
-</p:sld>
-</file>
-
-<file path=ppt/slides/slide21.xml><?xml version="1.0" encoding="utf-8"?>
 <p:sld xmlns:a="http://schemas.openxmlformats.org/drawingml/2006/main" xmlns:r="http://schemas.openxmlformats.org/officeDocument/2006/relationships" xmlns:p="http://schemas.openxmlformats.org/presentationml/2006/main">
   <p:cSld>
     <p:spTree>
@@ -5806,13 +5519,13 @@
   <p:clrMapOvr>
     <a:masterClrMapping/>
   </p:clrMapOvr>
-  <mc:AlternateContent xmlns:mc="http://schemas.openxmlformats.org/markup-compatibility/2006">
-    <mc:Choice xmlns:p14="http://schemas.microsoft.com/office/powerpoint/2010/main" Requires="p14">
+  <mc:AlternateContent xmlns:mc="http://schemas.openxmlformats.org/markup-compatibility/2006" xmlns:p14="http://schemas.microsoft.com/office/powerpoint/2010/main">
+    <mc:Choice Requires="p14">
       <p:transition spd="slow" p14:dur="1200">
         <p14:prism/>
       </p:transition>
     </mc:Choice>
-    <mc:Fallback>
+    <mc:Fallback xmlns="">
       <p:transition spd="slow">
         <p:fade/>
       </p:transition>
@@ -5865,8 +5578,12 @@
               <a:t>NTFS</a:t>
             </a:r>
             <a:r>
+              <a:rPr lang="zh-CN" altLang="en-US" b="1" dirty="0" smtClean="0"/>
+              <a:t>文件</a:t>
+            </a:r>
+            <a:r>
               <a:rPr lang="zh-CN" altLang="en-US" b="1" dirty="0"/>
-              <a:t>文件格式</a:t>
+              <a:t>系统</a:t>
             </a:r>
             <a:endParaRPr lang="zh-CN" altLang="en-US" dirty="0"/>
           </a:p>
@@ -6001,13 +5718,13 @@
   <p:clrMapOvr>
     <a:masterClrMapping/>
   </p:clrMapOvr>
-  <mc:AlternateContent xmlns:mc="http://schemas.openxmlformats.org/markup-compatibility/2006">
-    <mc:Choice xmlns:p14="http://schemas.microsoft.com/office/powerpoint/2010/main" Requires="p14">
+  <mc:AlternateContent xmlns:mc="http://schemas.openxmlformats.org/markup-compatibility/2006" xmlns:p14="http://schemas.microsoft.com/office/powerpoint/2010/main">
+    <mc:Choice Requires="p14">
       <p:transition spd="slow" p14:dur="1400">
         <p14:doors dir="vert"/>
       </p:transition>
     </mc:Choice>
-    <mc:Fallback>
+    <mc:Fallback xmlns="">
       <p:transition spd="slow">
         <p:fade/>
       </p:transition>
@@ -6060,8 +5777,12 @@
               <a:t>FAT32</a:t>
             </a:r>
             <a:r>
+              <a:rPr lang="zh-CN" altLang="en-US" b="1" dirty="0" smtClean="0"/>
+              <a:t>文件</a:t>
+            </a:r>
+            <a:r>
               <a:rPr lang="zh-CN" altLang="en-US" b="1" dirty="0"/>
-              <a:t>文件格式</a:t>
+              <a:t>系统</a:t>
             </a:r>
             <a:endParaRPr lang="zh-CN" altLang="en-US" dirty="0"/>
           </a:p>
@@ -6150,11 +5871,11 @@
   <p:clrMapOvr>
     <a:masterClrMapping/>
   </p:clrMapOvr>
-  <mc:AlternateContent xmlns:mc="http://schemas.openxmlformats.org/markup-compatibility/2006">
-    <mc:Choice xmlns:p14="http://schemas.microsoft.com/office/powerpoint/2010/main" Requires="p14">
+  <mc:AlternateContent xmlns:mc="http://schemas.openxmlformats.org/markup-compatibility/2006" xmlns:p14="http://schemas.microsoft.com/office/powerpoint/2010/main">
+    <mc:Choice Requires="p14">
       <p:transition p14:dur="0"/>
     </mc:Choice>
-    <mc:Fallback>
+    <mc:Fallback xmlns="">
       <p:transition/>
     </mc:Fallback>
   </mc:AlternateContent>
@@ -6169,119 +5890,6 @@
 </file>
 
 <file path=ppt/slides/slide6.xml><?xml version="1.0" encoding="utf-8"?>
-<p:sld xmlns:a="http://schemas.openxmlformats.org/drawingml/2006/main" xmlns:r="http://schemas.openxmlformats.org/officeDocument/2006/relationships" xmlns:p="http://schemas.openxmlformats.org/presentationml/2006/main">
-  <p:cSld>
-    <p:spTree>
-      <p:nvGrpSpPr>
-        <p:cNvPr id="1" name=""/>
-        <p:cNvGrpSpPr/>
-        <p:nvPr/>
-      </p:nvGrpSpPr>
-      <p:grpSpPr>
-        <a:xfrm>
-          <a:off x="0" y="0"/>
-          <a:ext cx="0" cy="0"/>
-          <a:chOff x="0" y="0"/>
-          <a:chExt cx="0" cy="0"/>
-        </a:xfrm>
-      </p:grpSpPr>
-      <p:sp>
-        <p:nvSpPr>
-          <p:cNvPr id="2" name="标题 1"/>
-          <p:cNvSpPr>
-            <a:spLocks noGrp="1"/>
-          </p:cNvSpPr>
-          <p:nvPr>
-            <p:ph type="title"/>
-          </p:nvPr>
-        </p:nvSpPr>
-        <p:spPr/>
-        <p:txBody>
-          <a:bodyPr/>
-          <a:lstStyle/>
-          <a:p>
-            <a:r>
-              <a:rPr lang="en-US" altLang="zh-CN" b="1" dirty="0"/>
-              <a:t>FAT16</a:t>
-            </a:r>
-            <a:r>
-              <a:rPr lang="zh-CN" altLang="en-US" b="1" dirty="0"/>
-              <a:t>文件格式</a:t>
-            </a:r>
-            <a:r>
-              <a:rPr lang="zh-CN" altLang="en-US" dirty="0"/>
-              <a:t> </a:t>
-            </a:r>
-          </a:p>
-        </p:txBody>
-      </p:sp>
-      <p:sp>
-        <p:nvSpPr>
-          <p:cNvPr id="3" name="内容占位符 2"/>
-          <p:cNvSpPr>
-            <a:spLocks noGrp="1"/>
-          </p:cNvSpPr>
-          <p:nvPr>
-            <p:ph idx="1"/>
-          </p:nvPr>
-        </p:nvSpPr>
-        <p:spPr/>
-        <p:txBody>
-          <a:bodyPr/>
-          <a:lstStyle/>
-          <a:p>
-            <a:endParaRPr lang="zh-CN" altLang="en-US"/>
-          </a:p>
-        </p:txBody>
-      </p:sp>
-      <p:sp>
-        <p:nvSpPr>
-          <p:cNvPr id="4" name="文本占位符 3"/>
-          <p:cNvSpPr>
-            <a:spLocks noGrp="1"/>
-          </p:cNvSpPr>
-          <p:nvPr>
-            <p:ph type="body" sz="half" idx="2"/>
-          </p:nvPr>
-        </p:nvSpPr>
-        <p:spPr/>
-        <p:txBody>
-          <a:bodyPr/>
-          <a:lstStyle/>
-          <a:p>
-            <a:endParaRPr lang="zh-CN" altLang="en-US" dirty="0"/>
-          </a:p>
-        </p:txBody>
-      </p:sp>
-    </p:spTree>
-    <p:extLst>
-      <p:ext uri="{BB962C8B-B14F-4D97-AF65-F5344CB8AC3E}">
-        <p14:creationId xmlns:p14="http://schemas.microsoft.com/office/powerpoint/2010/main" val="2317063747"/>
-      </p:ext>
-    </p:extLst>
-  </p:cSld>
-  <p:clrMapOvr>
-    <a:masterClrMapping/>
-  </p:clrMapOvr>
-  <mc:AlternateContent xmlns:mc="http://schemas.openxmlformats.org/markup-compatibility/2006">
-    <mc:Choice xmlns:p14="http://schemas.microsoft.com/office/powerpoint/2010/main" Requires="p14">
-      <p:transition p14:dur="0"/>
-    </mc:Choice>
-    <mc:Fallback>
-      <p:transition/>
-    </mc:Fallback>
-  </mc:AlternateContent>
-  <p:timing>
-    <p:tnLst>
-      <p:par>
-        <p:cTn id="1" dur="indefinite" restart="never" nodeType="tmRoot"/>
-      </p:par>
-    </p:tnLst>
-  </p:timing>
-</p:sld>
-</file>
-
-<file path=ppt/slides/slide7.xml><?xml version="1.0" encoding="utf-8"?>
 <p:sld xmlns:a="http://schemas.openxmlformats.org/drawingml/2006/main" xmlns:r="http://schemas.openxmlformats.org/officeDocument/2006/relationships" xmlns:p="http://schemas.openxmlformats.org/presentationml/2006/main">
   <p:cSld>
     <p:spTree>
@@ -6384,13 +5992,13 @@
   <p:clrMapOvr>
     <a:masterClrMapping/>
   </p:clrMapOvr>
-  <mc:AlternateContent xmlns:mc="http://schemas.openxmlformats.org/markup-compatibility/2006">
-    <mc:Choice xmlns:p14="http://schemas.microsoft.com/office/powerpoint/2010/main" Requires="p14">
+  <mc:AlternateContent xmlns:mc="http://schemas.openxmlformats.org/markup-compatibility/2006" xmlns:p14="http://schemas.microsoft.com/office/powerpoint/2010/main">
+    <mc:Choice Requires="p14">
       <p:transition spd="slow" p14:dur="1200">
         <p14:prism/>
       </p:transition>
     </mc:Choice>
-    <mc:Fallback>
+    <mc:Fallback xmlns="">
       <p:transition spd="slow">
         <p:fade/>
       </p:transition>
@@ -6772,6 +6380,160 @@
 </p:sld>
 </file>
 
+<file path=ppt/slides/slide7.xml><?xml version="1.0" encoding="utf-8"?>
+<p:sld xmlns:a="http://schemas.openxmlformats.org/drawingml/2006/main" xmlns:r="http://schemas.openxmlformats.org/officeDocument/2006/relationships" xmlns:p="http://schemas.openxmlformats.org/presentationml/2006/main">
+  <p:cSld>
+    <p:spTree>
+      <p:nvGrpSpPr>
+        <p:cNvPr id="1" name=""/>
+        <p:cNvGrpSpPr/>
+        <p:nvPr/>
+      </p:nvGrpSpPr>
+      <p:grpSpPr>
+        <a:xfrm>
+          <a:off x="0" y="0"/>
+          <a:ext cx="0" cy="0"/>
+          <a:chOff x="0" y="0"/>
+          <a:chExt cx="0" cy="0"/>
+        </a:xfrm>
+      </p:grpSpPr>
+      <p:sp>
+        <p:nvSpPr>
+          <p:cNvPr id="2" name="Title 1"/>
+          <p:cNvSpPr>
+            <a:spLocks noGrp="1"/>
+          </p:cNvSpPr>
+          <p:nvPr>
+            <p:ph type="title"/>
+          </p:nvPr>
+        </p:nvSpPr>
+        <p:spPr/>
+        <p:txBody>
+          <a:bodyPr/>
+          <a:lstStyle/>
+          <a:p>
+            <a:r>
+              <a:rPr lang="zh-CN" altLang="en-US" dirty="0"/>
+              <a:t>获取磁盘所有驱动器</a:t>
+            </a:r>
+            <a:endParaRPr lang="en-US" dirty="0"/>
+          </a:p>
+        </p:txBody>
+      </p:sp>
+      <p:sp>
+        <p:nvSpPr>
+          <p:cNvPr id="3" name="Content Placeholder 2"/>
+          <p:cNvSpPr>
+            <a:spLocks noGrp="1"/>
+          </p:cNvSpPr>
+          <p:nvPr>
+            <p:ph idx="1"/>
+          </p:nvPr>
+        </p:nvSpPr>
+        <p:spPr/>
+        <p:txBody>
+          <a:bodyPr/>
+          <a:lstStyle/>
+          <a:p>
+            <a:endParaRPr lang="zh-CN" altLang="en-US" dirty="0" smtClean="0"/>
+          </a:p>
+          <a:p>
+            <a:endParaRPr lang="zh-CN" altLang="en-US" dirty="0"/>
+          </a:p>
+          <a:p>
+            <a:r>
+              <a:rPr lang="en-US" dirty="0" smtClean="0"/>
+              <a:t>DWORD </a:t>
+            </a:r>
+            <a:r>
+              <a:rPr lang="en-US" dirty="0" err="1"/>
+              <a:t>allDrive</a:t>
+            </a:r>
+            <a:r>
+              <a:rPr lang="en-US" dirty="0"/>
+              <a:t> = </a:t>
+            </a:r>
+            <a:r>
+              <a:rPr lang="en-US" dirty="0" err="1"/>
+              <a:t>GetLogicalDrive</a:t>
+            </a:r>
+            <a:r>
+              <a:rPr lang="en-US" dirty="0"/>
+              <a:t>(). </a:t>
+            </a:r>
+            <a:endParaRPr lang="zh-CN" altLang="en-US" dirty="0" smtClean="0"/>
+          </a:p>
+          <a:p>
+            <a:r>
+              <a:rPr lang="en-US" dirty="0" smtClean="0"/>
+              <a:t>// </a:t>
+            </a:r>
+            <a:r>
+              <a:rPr lang="en-US" dirty="0"/>
+              <a:t>返回值共有 32 </a:t>
+            </a:r>
+            <a:r>
+              <a:rPr lang="en-US" dirty="0" err="1"/>
+              <a:t>Bits，从低位到高位分别表示A,B,C,D,E</a:t>
+            </a:r>
+            <a:r>
+              <a:rPr lang="en-US" dirty="0" smtClean="0"/>
+              <a:t>,.....</a:t>
+            </a:r>
+            <a:endParaRPr lang="zh-CN" altLang="en-US" dirty="0" smtClean="0"/>
+          </a:p>
+          <a:p>
+            <a:r>
+              <a:rPr lang="en-US" dirty="0" smtClean="0"/>
+              <a:t> </a:t>
+            </a:r>
+            <a:r>
+              <a:rPr lang="en-US" dirty="0"/>
+              <a:t>// 比如0x0000 007C, 即 01111100, </a:t>
+            </a:r>
+            <a:r>
+              <a:rPr lang="en-US" dirty="0" err="1"/>
+              <a:t>表示有C,D,E,F,G</a:t>
+            </a:r>
+            <a:r>
+              <a:rPr lang="en-US" dirty="0"/>
+              <a:t> 共5个驱动器;</a:t>
+            </a:r>
+          </a:p>
+        </p:txBody>
+      </p:sp>
+    </p:spTree>
+    <p:extLst>
+      <p:ext uri="{BB962C8B-B14F-4D97-AF65-F5344CB8AC3E}">
+        <p14:creationId xmlns:p14="http://schemas.microsoft.com/office/powerpoint/2010/main" val="910480511"/>
+      </p:ext>
+    </p:extLst>
+  </p:cSld>
+  <p:clrMapOvr>
+    <a:masterClrMapping/>
+  </p:clrMapOvr>
+  <mc:AlternateContent xmlns:mc="http://schemas.openxmlformats.org/markup-compatibility/2006" xmlns:p14="http://schemas.microsoft.com/office/powerpoint/2010/main">
+    <mc:Choice Requires="p14">
+      <p:transition spd="slow" p14:dur="1400">
+        <p14:doors dir="vert"/>
+      </p:transition>
+    </mc:Choice>
+    <mc:Fallback xmlns="">
+      <p:transition spd="slow">
+        <p:fade/>
+      </p:transition>
+    </mc:Fallback>
+  </mc:AlternateContent>
+  <p:timing>
+    <p:tnLst>
+      <p:par>
+        <p:cTn id="1" dur="indefinite" restart="never" nodeType="tmRoot"/>
+      </p:par>
+    </p:tnLst>
+  </p:timing>
+</p:sld>
+</file>
+
 <file path=ppt/slides/slide8.xml><?xml version="1.0" encoding="utf-8"?>
 <p:sld xmlns:a="http://schemas.openxmlformats.org/drawingml/2006/main" xmlns:r="http://schemas.openxmlformats.org/officeDocument/2006/relationships" xmlns:p="http://schemas.openxmlformats.org/presentationml/2006/main">
   <p:cSld>
@@ -6791,7 +6553,7 @@
       </p:grpSpPr>
       <p:sp>
         <p:nvSpPr>
-          <p:cNvPr id="2" name="Title 1"/>
+          <p:cNvPr id="2" name="标题 1"/>
           <p:cNvSpPr>
             <a:spLocks noGrp="1"/>
           </p:cNvSpPr>
@@ -6805,16 +6567,24 @@
           <a:lstStyle/>
           <a:p>
             <a:r>
-              <a:rPr lang="zh-CN" altLang="en-US" dirty="0"/>
-              <a:t>获取磁盘所有驱动器</a:t>
-            </a:r>
-            <a:endParaRPr lang="en-US" dirty="0"/>
-          </a:p>
-        </p:txBody>
-      </p:sp>
-      <p:sp>
-        <p:nvSpPr>
-          <p:cNvPr id="3" name="Content Placeholder 2"/>
+              <a:rPr lang="en-US" altLang="zh-CN" dirty="0" smtClean="0"/>
+              <a:t>NTFS</a:t>
+            </a:r>
+            <a:r>
+              <a:rPr lang="zh-CN" altLang="en-US" dirty="0"/>
+              <a:t>文件</a:t>
+            </a:r>
+            <a:r>
+              <a:rPr lang="zh-CN" altLang="en-US" dirty="0" smtClean="0"/>
+              <a:t>系统分区</a:t>
+            </a:r>
+            <a:endParaRPr lang="zh-CN" altLang="en-US" dirty="0"/>
+          </a:p>
+        </p:txBody>
+      </p:sp>
+      <p:sp>
+        <p:nvSpPr>
+          <p:cNvPr id="3" name="内容占位符 2"/>
           <p:cNvSpPr>
             <a:spLocks noGrp="1"/>
           </p:cNvSpPr>
@@ -6824,103 +6594,211 @@
         </p:nvSpPr>
         <p:spPr/>
         <p:txBody>
-          <a:bodyPr/>
-          <a:lstStyle/>
+          <a:bodyPr>
+            <a:normAutofit/>
+          </a:bodyPr>
+          <a:lstStyle/>
+          <a:p>
+            <a:r>
+              <a:rPr lang="en-US" altLang="zh-CN" dirty="0"/>
+              <a:t>NTFS</a:t>
+            </a:r>
+            <a:r>
+              <a:rPr lang="zh-CN" altLang="en-US" dirty="0"/>
+              <a:t>文件系统使用逻辑簇号（</a:t>
+            </a:r>
+            <a:r>
+              <a:rPr lang="en-US" altLang="zh-CN" dirty="0"/>
+              <a:t>LCN</a:t>
+            </a:r>
+            <a:r>
+              <a:rPr lang="zh-CN" altLang="en-US" dirty="0"/>
+              <a:t>）和虚拟簇号（</a:t>
+            </a:r>
+            <a:r>
+              <a:rPr lang="en-US" altLang="zh-CN" dirty="0"/>
+              <a:t>VCN</a:t>
+            </a:r>
+            <a:r>
+              <a:rPr lang="zh-CN" altLang="en-US" dirty="0"/>
+              <a:t>）对分区进行管理</a:t>
+            </a:r>
+            <a:r>
+              <a:rPr lang="zh-CN" altLang="en-US" dirty="0" smtClean="0"/>
+              <a:t>。</a:t>
+            </a:r>
+          </a:p>
+          <a:p>
+            <a:r>
+              <a:rPr lang="zh-CN" altLang="en-US" dirty="0"/>
+              <a:t>在一个分区中引导记录扇区所在的簇编号为</a:t>
+            </a:r>
+            <a:r>
+              <a:rPr lang="en-US" altLang="zh-CN" dirty="0"/>
+              <a:t>0</a:t>
+            </a:r>
+            <a:r>
+              <a:rPr lang="zh-CN" altLang="en-US" dirty="0"/>
+              <a:t>，往后的簇编号</a:t>
+            </a:r>
+            <a:r>
+              <a:rPr lang="en-US" altLang="zh-CN" dirty="0"/>
+              <a:t>1,2,3</a:t>
+            </a:r>
+            <a:r>
+              <a:rPr lang="zh-CN" altLang="en-US" dirty="0"/>
+              <a:t>等等一直到卷尾，这就是一个分区的逻辑簇号</a:t>
+            </a:r>
+            <a:r>
+              <a:rPr lang="en-US" altLang="zh-CN" dirty="0"/>
+              <a:t>(LCN)</a:t>
+            </a:r>
+            <a:r>
+              <a:rPr lang="zh-CN" altLang="en-US" dirty="0"/>
+              <a:t>；计算</a:t>
+            </a:r>
+          </a:p>
+          <a:p>
+            <a:r>
+              <a:rPr lang="zh-CN" altLang="en-US" dirty="0"/>
+              <a:t>逻辑扇区号：</a:t>
+            </a:r>
+            <a:r>
+              <a:rPr lang="en-US" altLang="zh-CN" dirty="0"/>
+              <a:t>LCN * </a:t>
+            </a:r>
+            <a:r>
+              <a:rPr lang="zh-CN" altLang="en-US" dirty="0"/>
+              <a:t>簇大小，簇的大小在</a:t>
+            </a:r>
+            <a:r>
+              <a:rPr lang="en-US" altLang="zh-CN" dirty="0"/>
+              <a:t>BPB</a:t>
+            </a:r>
+            <a:r>
+              <a:rPr lang="zh-CN" altLang="en-US" dirty="0"/>
+              <a:t>参数中找到，一般为</a:t>
+            </a:r>
+            <a:r>
+              <a:rPr lang="en-US" altLang="zh-CN" dirty="0"/>
+              <a:t>8</a:t>
+            </a:r>
+            <a:r>
+              <a:rPr lang="zh-CN" altLang="en-US" dirty="0"/>
+              <a:t>个扇区</a:t>
+            </a:r>
+            <a:r>
+              <a:rPr lang="en-US" altLang="zh-CN" dirty="0"/>
+              <a:t>4KB</a:t>
+            </a:r>
+            <a:r>
+              <a:rPr lang="zh-CN" altLang="en-US" dirty="0"/>
+              <a:t>；以此可以由 </a:t>
+            </a:r>
+            <a:r>
+              <a:rPr lang="en-US" altLang="zh-CN" dirty="0"/>
+              <a:t>MFT </a:t>
+            </a:r>
+            <a:r>
+              <a:rPr lang="zh-CN" altLang="en-US" dirty="0"/>
+              <a:t>起始簇 </a:t>
+            </a:r>
+            <a:r>
+              <a:rPr lang="en-US" altLang="zh-CN" dirty="0" err="1"/>
+              <a:t>MFT_startClu</a:t>
+            </a:r>
+            <a:r>
+              <a:rPr lang="en-US" altLang="zh-CN" dirty="0"/>
+              <a:t> </a:t>
+            </a:r>
+            <a:r>
+              <a:rPr lang="zh-CN" altLang="en-US" dirty="0" smtClean="0"/>
+              <a:t>计算出</a:t>
+            </a:r>
+            <a:r>
+              <a:rPr lang="zh-CN" altLang="en-US" dirty="0"/>
+              <a:t>第一个 </a:t>
+            </a:r>
+            <a:r>
+              <a:rPr lang="en-US" altLang="zh-CN" dirty="0"/>
+              <a:t>MFT </a:t>
+            </a:r>
+            <a:r>
+              <a:rPr lang="zh-CN" altLang="en-US" dirty="0"/>
+              <a:t>项</a:t>
+            </a:r>
+            <a:r>
+              <a:rPr lang="en-US" altLang="zh-CN" dirty="0"/>
+              <a:t>(</a:t>
+            </a:r>
+            <a:r>
+              <a:rPr lang="zh-CN" altLang="en-US" dirty="0"/>
+              <a:t>记录</a:t>
+            </a:r>
+            <a:r>
+              <a:rPr lang="en-US" altLang="zh-CN" dirty="0"/>
+              <a:t>)</a:t>
+            </a:r>
+            <a:r>
+              <a:rPr lang="zh-CN" altLang="en-US" dirty="0"/>
+              <a:t>的位置。</a:t>
+            </a:r>
+          </a:p>
+          <a:p>
+            <a:r>
+              <a:rPr lang="en-US" altLang="zh-CN" dirty="0" smtClean="0"/>
+              <a:t>VCN</a:t>
+            </a:r>
+            <a:r>
+              <a:rPr lang="zh-CN" altLang="en-US" dirty="0"/>
+              <a:t>，虚拟簇号，给一个文件从它的首簇开始编号，为</a:t>
+            </a:r>
+            <a:r>
+              <a:rPr lang="en-US" altLang="zh-CN" dirty="0"/>
+              <a:t>0</a:t>
+            </a:r>
+            <a:r>
+              <a:rPr lang="zh-CN" altLang="en-US" dirty="0"/>
+              <a:t>，依次递增一直到文件的尾簇，在物理上不一定连续。</a:t>
+            </a:r>
+          </a:p>
           <a:p>
             <a:endParaRPr lang="zh-CN" altLang="en-US" dirty="0" smtClean="0"/>
           </a:p>
           <a:p>
             <a:endParaRPr lang="zh-CN" altLang="en-US" dirty="0"/>
           </a:p>
-          <a:p>
-            <a:r>
-              <a:rPr lang="en-US" dirty="0" smtClean="0"/>
-              <a:t>DWORD </a:t>
-            </a:r>
-            <a:r>
-              <a:rPr lang="en-US" dirty="0" err="1"/>
-              <a:t>allDrive</a:t>
-            </a:r>
-            <a:r>
-              <a:rPr lang="en-US" dirty="0"/>
-              <a:t> =</a:t>
-            </a:r>
-            <a:r>
-              <a:rPr lang="en-US" dirty="0"/>
-              <a:t> </a:t>
-            </a:r>
-            <a:r>
-              <a:rPr lang="en-US" dirty="0" err="1"/>
-              <a:t>GetLogicalDrive</a:t>
-            </a:r>
-            <a:r>
-              <a:rPr lang="en-US" dirty="0"/>
-              <a:t>(). </a:t>
-            </a:r>
-            <a:endParaRPr lang="zh-CN" altLang="en-US" dirty="0" smtClean="0"/>
-          </a:p>
-          <a:p>
-            <a:r>
-              <a:rPr lang="en-US" dirty="0" smtClean="0"/>
-              <a:t>// </a:t>
-            </a:r>
-            <a:r>
-              <a:rPr lang="en-US" dirty="0"/>
-              <a:t>返回值共有 32 </a:t>
-            </a:r>
-            <a:r>
-              <a:rPr lang="en-US" dirty="0" err="1"/>
-              <a:t>Bits，从低位到高位分别表示A,B,C,D,E</a:t>
-            </a:r>
-            <a:r>
-              <a:rPr lang="en-US" dirty="0" smtClean="0"/>
-              <a:t>,.....</a:t>
-            </a:r>
-            <a:endParaRPr lang="zh-CN" altLang="en-US" dirty="0" smtClean="0"/>
-          </a:p>
-          <a:p>
-            <a:r>
-              <a:rPr lang="en-US" dirty="0" smtClean="0"/>
-              <a:t> </a:t>
-            </a:r>
-            <a:r>
-              <a:rPr lang="en-US" dirty="0"/>
-              <a:t>// 比如0x0000 007C, 即 01111100, </a:t>
-            </a:r>
-            <a:r>
-              <a:rPr lang="en-US" dirty="0" err="1"/>
-              <a:t>表示有C,D,E,F,G</a:t>
-            </a:r>
-            <a:r>
-              <a:rPr lang="en-US" dirty="0"/>
-              <a:t> 共5个驱动器;</a:t>
-            </a:r>
-            <a:endParaRPr lang="en-US" dirty="0"/>
+        </p:txBody>
+      </p:sp>
+      <p:sp>
+        <p:nvSpPr>
+          <p:cNvPr id="4" name="文本占位符 3"/>
+          <p:cNvSpPr>
+            <a:spLocks noGrp="1"/>
+          </p:cNvSpPr>
+          <p:nvPr>
+            <p:ph type="body" sz="half" idx="2"/>
+          </p:nvPr>
+        </p:nvSpPr>
+        <p:spPr/>
+        <p:txBody>
+          <a:bodyPr/>
+          <a:lstStyle/>
+          <a:p>
+            <a:endParaRPr lang="zh-CN" altLang="en-US" dirty="0"/>
           </a:p>
         </p:txBody>
       </p:sp>
     </p:spTree>
     <p:extLst>
       <p:ext uri="{BB962C8B-B14F-4D97-AF65-F5344CB8AC3E}">
-        <p14:creationId xmlns:p14="http://schemas.microsoft.com/office/powerpoint/2010/main" val="910480511"/>
+        <p14:creationId xmlns:p14="http://schemas.microsoft.com/office/powerpoint/2010/main" val="522082204"/>
       </p:ext>
     </p:extLst>
   </p:cSld>
   <p:clrMapOvr>
     <a:masterClrMapping/>
   </p:clrMapOvr>
-  <mc:AlternateContent xmlns:mc="http://schemas.openxmlformats.org/markup-compatibility/2006">
-    <mc:Choice xmlns:p14="http://schemas.microsoft.com/office/powerpoint/2010/main" Requires="p14">
-      <p:transition spd="slow" p14:dur="1400">
-        <p14:doors dir="vert"/>
-      </p:transition>
-    </mc:Choice>
-    <mc:Fallback>
-      <p:transition spd="slow">
-        <p:fade/>
-      </p:transition>
-    </mc:Fallback>
-  </mc:AlternateContent>
   <p:timing>
     <p:tnLst>
       <p:par>
@@ -6968,232 +6846,95 @@
               <a:t>NTFS</a:t>
             </a:r>
             <a:r>
-              <a:rPr lang="zh-CN" altLang="en-US" dirty="0"/>
-              <a:t>文件</a:t>
-            </a:r>
-            <a:r>
               <a:rPr lang="zh-CN" altLang="en-US" dirty="0" smtClean="0"/>
-              <a:t>系统</a:t>
-            </a:r>
-            <a:r>
-              <a:rPr lang="zh-CN" altLang="en-US" dirty="0" smtClean="0"/>
-              <a:t>分区</a:t>
+              <a:t>文件系统</a:t>
             </a:r>
             <a:endParaRPr lang="zh-CN" altLang="en-US" dirty="0"/>
           </a:p>
         </p:txBody>
       </p:sp>
-      <p:sp>
-        <p:nvSpPr>
-          <p:cNvPr id="3" name="内容占位符 2"/>
-          <p:cNvSpPr>
-            <a:spLocks noGrp="1"/>
-          </p:cNvSpPr>
-          <p:nvPr>
-            <p:ph idx="1"/>
-          </p:nvPr>
-        </p:nvSpPr>
-        <p:spPr/>
-        <p:txBody>
-          <a:bodyPr>
-            <a:normAutofit/>
+      <p:pic>
+        <p:nvPicPr>
+          <p:cNvPr id="6" name="Picture 5"/>
+          <p:cNvPicPr>
+            <a:picLocks noChangeAspect="1"/>
+          </p:cNvPicPr>
+          <p:nvPr/>
+        </p:nvPicPr>
+        <p:blipFill>
+          <a:blip r:embed="rId2"/>
+          <a:stretch>
+            <a:fillRect/>
+          </a:stretch>
+        </p:blipFill>
+        <p:spPr>
+          <a:xfrm>
+            <a:off x="2565400" y="3657600"/>
+            <a:ext cx="7061200" cy="3200400"/>
+          </a:xfrm>
+          <a:prstGeom prst="rect">
+            <a:avLst/>
+          </a:prstGeom>
+        </p:spPr>
+      </p:pic>
+      <p:sp>
+        <p:nvSpPr>
+          <p:cNvPr id="7" name="TextBox 6"/>
+          <p:cNvSpPr txBox="1"/>
+          <p:nvPr/>
+        </p:nvSpPr>
+        <p:spPr>
+          <a:xfrm>
+            <a:off x="2795847" y="2726575"/>
+            <a:ext cx="6600306" cy="646331"/>
+          </a:xfrm>
+          <a:prstGeom prst="rect">
+            <a:avLst/>
+          </a:prstGeom>
+          <a:noFill/>
+        </p:spPr>
+        <p:txBody>
+          <a:bodyPr wrap="square" rtlCol="0">
+            <a:spAutoFit/>
           </a:bodyPr>
           <a:lstStyle/>
           <a:p>
             <a:r>
+              <a:rPr lang="zh-CN" altLang="en-US" dirty="0"/>
+              <a:t>一个</a:t>
+            </a:r>
+            <a:r>
               <a:rPr lang="en-US" altLang="zh-CN" dirty="0"/>
               <a:t>NTFS</a:t>
             </a:r>
             <a:r>
               <a:rPr lang="zh-CN" altLang="en-US" dirty="0"/>
-              <a:t>文件系统使用逻辑簇号（</a:t>
-            </a:r>
-            <a:r>
-              <a:rPr lang="en-US" altLang="zh-CN" dirty="0"/>
-              <a:t>LCN</a:t>
-            </a:r>
-            <a:r>
-              <a:rPr lang="zh-CN" altLang="en-US" dirty="0"/>
-              <a:t>）和虚拟簇号（</a:t>
-            </a:r>
-            <a:r>
-              <a:rPr lang="en-US" altLang="zh-CN" dirty="0"/>
-              <a:t>VCN</a:t>
-            </a:r>
-            <a:r>
-              <a:rPr lang="zh-CN" altLang="en-US" dirty="0"/>
-              <a:t>）对分区进行管理</a:t>
-            </a:r>
-            <a:r>
-              <a:rPr lang="zh-CN" altLang="en-US" dirty="0" smtClean="0"/>
-              <a:t>。</a:t>
-            </a:r>
-          </a:p>
-          <a:p>
-            <a:r>
-              <a:rPr lang="zh-CN" altLang="en-US" dirty="0"/>
-              <a:t>在一个分区中引导记录扇区所在的簇编号为</a:t>
-            </a:r>
-            <a:r>
-              <a:rPr lang="en-US" altLang="zh-CN" dirty="0"/>
-              <a:t>0</a:t>
-            </a:r>
-            <a:r>
-              <a:rPr lang="zh-CN" altLang="en-US" dirty="0"/>
-              <a:t>，往后的簇编号</a:t>
-            </a:r>
-            <a:r>
-              <a:rPr lang="en-US" altLang="zh-CN" dirty="0"/>
-              <a:t>1,2,3</a:t>
-            </a:r>
-            <a:r>
-              <a:rPr lang="zh-CN" altLang="en-US" dirty="0"/>
-              <a:t>等等一直到卷尾，这就是一个分区的逻辑簇号</a:t>
-            </a:r>
-            <a:r>
-              <a:rPr lang="en-US" altLang="zh-CN" dirty="0"/>
-              <a:t>(LCN)</a:t>
-            </a:r>
-            <a:r>
-              <a:rPr lang="zh-CN" altLang="en-US" dirty="0"/>
-              <a:t>；计算</a:t>
-            </a:r>
-          </a:p>
-          <a:p>
-            <a:r>
-              <a:rPr lang="zh-CN" altLang="en-US" dirty="0"/>
-              <a:t>逻辑扇区号：</a:t>
-            </a:r>
-            <a:r>
-              <a:rPr lang="en-US" altLang="zh-CN" dirty="0"/>
-              <a:t>LCN * </a:t>
-            </a:r>
-            <a:r>
-              <a:rPr lang="zh-CN" altLang="en-US" dirty="0"/>
-              <a:t>簇大小，簇的大小在</a:t>
-            </a:r>
-            <a:r>
-              <a:rPr lang="en-US" altLang="zh-CN" dirty="0"/>
-              <a:t>BPB</a:t>
-            </a:r>
-            <a:r>
-              <a:rPr lang="zh-CN" altLang="en-US" dirty="0"/>
-              <a:t>参数中找到，一般为</a:t>
-            </a:r>
-            <a:r>
-              <a:rPr lang="en-US" altLang="zh-CN" dirty="0"/>
-              <a:t>8</a:t>
-            </a:r>
-            <a:r>
-              <a:rPr lang="zh-CN" altLang="en-US" dirty="0"/>
-              <a:t>个扇区</a:t>
-            </a:r>
-            <a:r>
-              <a:rPr lang="en-US" altLang="zh-CN" dirty="0"/>
-              <a:t>4KB</a:t>
-            </a:r>
-            <a:r>
-              <a:rPr lang="zh-CN" altLang="en-US" dirty="0"/>
-              <a:t>；以此可以由 </a:t>
-            </a:r>
-            <a:r>
-              <a:rPr lang="en-US" altLang="zh-CN" dirty="0"/>
-              <a:t>MFT </a:t>
-            </a:r>
-            <a:r>
-              <a:rPr lang="zh-CN" altLang="en-US" dirty="0"/>
-              <a:t>起始簇 </a:t>
-            </a:r>
-            <a:r>
-              <a:rPr lang="en-US" altLang="zh-CN" dirty="0" err="1"/>
-              <a:t>MFT_startClu</a:t>
-            </a:r>
-            <a:r>
-              <a:rPr lang="en-US" altLang="zh-CN" dirty="0"/>
-              <a:t> </a:t>
-            </a:r>
-            <a:r>
-              <a:rPr lang="zh-CN" altLang="en-US" dirty="0" smtClean="0"/>
-              <a:t>计算出</a:t>
-            </a:r>
-            <a:r>
-              <a:rPr lang="zh-CN" altLang="en-US" dirty="0"/>
-              <a:t>第一个 </a:t>
-            </a:r>
-            <a:r>
-              <a:rPr lang="en-US" altLang="zh-CN" dirty="0"/>
-              <a:t>MFT </a:t>
-            </a:r>
-            <a:r>
-              <a:rPr lang="zh-CN" altLang="en-US" dirty="0"/>
-              <a:t>项</a:t>
-            </a:r>
-            <a:r>
-              <a:rPr lang="en-US" altLang="zh-CN" dirty="0"/>
-              <a:t>(</a:t>
-            </a:r>
-            <a:r>
-              <a:rPr lang="zh-CN" altLang="en-US" dirty="0"/>
-              <a:t>记录</a:t>
-            </a:r>
-            <a:r>
-              <a:rPr lang="en-US" altLang="zh-CN" dirty="0"/>
-              <a:t>)</a:t>
-            </a:r>
-            <a:r>
-              <a:rPr lang="zh-CN" altLang="en-US" dirty="0"/>
-              <a:t>的位置。</a:t>
-            </a:r>
-          </a:p>
-          <a:p>
-            <a:r>
-              <a:rPr lang="en-US" altLang="zh-CN" dirty="0" smtClean="0"/>
-              <a:t>VCN</a:t>
-            </a:r>
-            <a:r>
-              <a:rPr lang="zh-CN" altLang="en-US" dirty="0"/>
-              <a:t>，虚拟簇号，给一个文件从它的首簇开始编号，为</a:t>
-            </a:r>
-            <a:r>
-              <a:rPr lang="en-US" altLang="zh-CN" dirty="0"/>
-              <a:t>0</a:t>
-            </a:r>
-            <a:r>
-              <a:rPr lang="zh-CN" altLang="en-US" dirty="0"/>
-              <a:t>，依次递增一直到文件的尾簇，在物理上不一定连续。</a:t>
-            </a:r>
-          </a:p>
-          <a:p>
-            <a:endParaRPr lang="zh-CN" altLang="en-US" dirty="0" smtClean="0"/>
-          </a:p>
-          <a:p>
-            <a:endParaRPr lang="zh-CN" altLang="en-US" dirty="0"/>
-          </a:p>
-        </p:txBody>
-      </p:sp>
-      <p:sp>
-        <p:nvSpPr>
-          <p:cNvPr id="4" name="文本占位符 3"/>
-          <p:cNvSpPr>
-            <a:spLocks noGrp="1"/>
-          </p:cNvSpPr>
-          <p:nvPr>
-            <p:ph type="body" sz="half" idx="2"/>
-          </p:nvPr>
-        </p:nvSpPr>
-        <p:spPr/>
-        <p:txBody>
-          <a:bodyPr/>
-          <a:lstStyle/>
-          <a:p>
-            <a:endParaRPr lang="zh-CN" altLang="en-US" dirty="0"/>
+              <a:t>系统是由引导扇区，主文件表</a:t>
+            </a:r>
+            <a:r>
+              <a:rPr lang="en-US" altLang="zh-CN" dirty="0"/>
+              <a:t>MFT</a:t>
+            </a:r>
+            <a:r>
+              <a:rPr lang="zh-CN" altLang="en-US" dirty="0"/>
+              <a:t>，和数据区组成；另外</a:t>
+            </a:r>
+            <a:r>
+              <a:rPr lang="en-US" altLang="zh-CN" dirty="0"/>
+              <a:t>MFT</a:t>
+            </a:r>
+            <a:r>
+              <a:rPr lang="zh-CN" altLang="en-US" dirty="0"/>
+              <a:t>有一部分重要备份在数据区。</a:t>
+            </a:r>
+            <a:endParaRPr lang="en-US" dirty="0"/>
           </a:p>
         </p:txBody>
       </p:sp>
     </p:spTree>
     <p:extLst>
       <p:ext uri="{BB962C8B-B14F-4D97-AF65-F5344CB8AC3E}">
-        <p14:creationId xmlns:p14="http://schemas.microsoft.com/office/powerpoint/2010/main" val="522082204"/>
+        <p14:creationId xmlns:p14="http://schemas.microsoft.com/office/powerpoint/2010/main" val="465495358"/>
       </p:ext>
     </p:extLst>
   </p:cSld>
@@ -7203,9 +6944,141 @@
   <p:timing>
     <p:tnLst>
       <p:par>
-        <p:cTn id="1" dur="indefinite" restart="never" nodeType="tmRoot"/>
+        <p:cTn id="1" dur="indefinite" restart="never" nodeType="tmRoot">
+          <p:childTnLst>
+            <p:seq concurrent="1" nextAc="seek">
+              <p:cTn id="2" dur="indefinite" nodeType="mainSeq">
+                <p:childTnLst>
+                  <p:par>
+                    <p:cTn id="3" fill="hold">
+                      <p:stCondLst>
+                        <p:cond delay="indefinite"/>
+                      </p:stCondLst>
+                      <p:childTnLst>
+                        <p:par>
+                          <p:cTn id="4" fill="hold">
+                            <p:stCondLst>
+                              <p:cond delay="0"/>
+                            </p:stCondLst>
+                            <p:childTnLst>
+                              <p:par>
+                                <p:cTn id="5" presetID="9" presetClass="entr" presetSubtype="0" fill="hold" grpId="0" nodeType="clickEffect">
+                                  <p:stCondLst>
+                                    <p:cond delay="0"/>
+                                  </p:stCondLst>
+                                  <p:childTnLst>
+                                    <p:set>
+                                      <p:cBhvr>
+                                        <p:cTn id="6" dur="1" fill="hold">
+                                          <p:stCondLst>
+                                            <p:cond delay="0"/>
+                                          </p:stCondLst>
+                                        </p:cTn>
+                                        <p:tgtEl>
+                                          <p:spTgt spid="7"/>
+                                        </p:tgtEl>
+                                        <p:attrNameLst>
+                                          <p:attrName>style.visibility</p:attrName>
+                                        </p:attrNameLst>
+                                      </p:cBhvr>
+                                      <p:to>
+                                        <p:strVal val="visible"/>
+                                      </p:to>
+                                    </p:set>
+                                    <p:animEffect transition="in" filter="dissolve">
+                                      <p:cBhvr>
+                                        <p:cTn id="7" dur="500"/>
+                                        <p:tgtEl>
+                                          <p:spTgt spid="7"/>
+                                        </p:tgtEl>
+                                      </p:cBhvr>
+                                    </p:animEffect>
+                                  </p:childTnLst>
+                                </p:cTn>
+                              </p:par>
+                            </p:childTnLst>
+                          </p:cTn>
+                        </p:par>
+                      </p:childTnLst>
+                    </p:cTn>
+                  </p:par>
+                  <p:par>
+                    <p:cTn id="8" fill="hold">
+                      <p:stCondLst>
+                        <p:cond delay="indefinite"/>
+                      </p:stCondLst>
+                      <p:childTnLst>
+                        <p:par>
+                          <p:cTn id="9" fill="hold">
+                            <p:stCondLst>
+                              <p:cond delay="0"/>
+                            </p:stCondLst>
+                            <p:childTnLst>
+                              <p:par>
+                                <p:cTn id="10" presetID="9" presetClass="entr" presetSubtype="0" fill="hold" nodeType="clickEffect">
+                                  <p:stCondLst>
+                                    <p:cond delay="0"/>
+                                  </p:stCondLst>
+                                  <p:childTnLst>
+                                    <p:set>
+                                      <p:cBhvr>
+                                        <p:cTn id="11" dur="1" fill="hold">
+                                          <p:stCondLst>
+                                            <p:cond delay="0"/>
+                                          </p:stCondLst>
+                                        </p:cTn>
+                                        <p:tgtEl>
+                                          <p:spTgt spid="6"/>
+                                        </p:tgtEl>
+                                        <p:attrNameLst>
+                                          <p:attrName>style.visibility</p:attrName>
+                                        </p:attrNameLst>
+                                      </p:cBhvr>
+                                      <p:to>
+                                        <p:strVal val="visible"/>
+                                      </p:to>
+                                    </p:set>
+                                    <p:animEffect transition="in" filter="dissolve">
+                                      <p:cBhvr>
+                                        <p:cTn id="12" dur="500"/>
+                                        <p:tgtEl>
+                                          <p:spTgt spid="6"/>
+                                        </p:tgtEl>
+                                      </p:cBhvr>
+                                    </p:animEffect>
+                                  </p:childTnLst>
+                                </p:cTn>
+                              </p:par>
+                            </p:childTnLst>
+                          </p:cTn>
+                        </p:par>
+                      </p:childTnLst>
+                    </p:cTn>
+                  </p:par>
+                </p:childTnLst>
+              </p:cTn>
+              <p:prevCondLst>
+                <p:cond evt="onPrev" delay="0">
+                  <p:tgtEl>
+                    <p:sldTgt/>
+                  </p:tgtEl>
+                </p:cond>
+              </p:prevCondLst>
+              <p:nextCondLst>
+                <p:cond evt="onNext" delay="0">
+                  <p:tgtEl>
+                    <p:sldTgt/>
+                  </p:tgtEl>
+                </p:cond>
+              </p:nextCondLst>
+            </p:seq>
+          </p:childTnLst>
+        </p:cTn>
       </p:par>
     </p:tnLst>
+    <p:bldLst>
+      <p:bldP spid="7" grpId="0"/>
+    </p:bldLst>
   </p:timing>
 </p:sld>
 </file>
